--- a/docs/ArchiNet Team-Milestone 3.pptx
+++ b/docs/ArchiNet Team-Milestone 3.pptx
@@ -24,6 +24,8 @@
     <p:sldId id="310" r:id="rId18"/>
     <p:sldId id="311" r:id="rId19"/>
     <p:sldId id="312" r:id="rId20"/>
+    <p:sldId id="315" r:id="rId21"/>
+    <p:sldId id="316" r:id="rId22"/>
   </p:sldIdLst>
   <p:sldSz cx="12192000" cy="6858000"/>
   <p:notesSz cx="6858000" cy="9144000"/>
@@ -133,11 +135,7 @@
 <file path=ppt/commentAuthors.xml><?xml version="1.0" encoding="utf-8"?>
 <p:cmAuthorLst xmlns:a="http://schemas.openxmlformats.org/drawingml/2006/main" xmlns:r="http://schemas.openxmlformats.org/officeDocument/2006/relationships" xmlns:p="http://schemas.openxmlformats.org/presentationml/2006/main">
   <p:cmAuthor id="1" name="Antonio Raffaele Iacovazzi" initials="ARI" lastIdx="16" clrIdx="0">
-    <p:extLst>
-      <p:ext uri="{19B8F6BF-5375-455C-9EA6-DF929625EA0E}">
-        <p15:presenceInfo xmlns:p15="http://schemas.microsoft.com/office/powerpoint/2012/main" userId="S::a.iacovazzi6@studenti.uniba.it::fd1da585-0f8f-4bc0-8a09-a9c360193e4b" providerId="AD"/>
-      </p:ext>
-    </p:extLst>
+    <p:extLst/>
   </p:cmAuthor>
 </p:cmAuthorLst>
 </file>
@@ -164,7 +162,7 @@
           <p:cNvPr id="2" name="Titolo 1">
             <a:extLst>
               <a:ext uri="{FF2B5EF4-FFF2-40B4-BE49-F238E27FC236}">
-                <a16:creationId xmlns:a16="http://schemas.microsoft.com/office/drawing/2014/main" id="{A5856E15-36F6-B52E-4F8C-0D4E2494A137}"/>
+                <a16:creationId xmlns:a16="http://schemas.microsoft.com/office/drawing/2014/main" xmlns="" id="{A5856E15-36F6-B52E-4F8C-0D4E2494A137}"/>
               </a:ext>
             </a:extLst>
           </p:cNvPr>
@@ -201,7 +199,7 @@
           <p:cNvPr id="3" name="Sottotitolo 2">
             <a:extLst>
               <a:ext uri="{FF2B5EF4-FFF2-40B4-BE49-F238E27FC236}">
-                <a16:creationId xmlns:a16="http://schemas.microsoft.com/office/drawing/2014/main" id="{6298409D-2EC7-14D2-2521-512DE8ADBFC2}"/>
+                <a16:creationId xmlns:a16="http://schemas.microsoft.com/office/drawing/2014/main" xmlns="" id="{6298409D-2EC7-14D2-2521-512DE8ADBFC2}"/>
               </a:ext>
             </a:extLst>
           </p:cNvPr>
@@ -271,7 +269,7 @@
           <p:cNvPr id="4" name="Segnaposto data 3">
             <a:extLst>
               <a:ext uri="{FF2B5EF4-FFF2-40B4-BE49-F238E27FC236}">
-                <a16:creationId xmlns:a16="http://schemas.microsoft.com/office/drawing/2014/main" id="{D4A6DCE1-64B1-B546-A245-114581DBAAC5}"/>
+                <a16:creationId xmlns:a16="http://schemas.microsoft.com/office/drawing/2014/main" xmlns="" id="{D4A6DCE1-64B1-B546-A245-114581DBAAC5}"/>
               </a:ext>
             </a:extLst>
           </p:cNvPr>
@@ -289,7 +287,7 @@
           <a:p>
             <a:fld id="{4162ED4E-8BC0-4D11-A5C7-39002C316D74}" type="datetimeFigureOut">
               <a:rPr lang="it-IT" smtClean="0"/>
-              <a:t>08/11/2022</a:t>
+              <a:t>08/11/22</a:t>
             </a:fld>
             <a:endParaRPr lang="it-IT"/>
           </a:p>
@@ -300,7 +298,7 @@
           <p:cNvPr id="5" name="Segnaposto piè di pagina 4">
             <a:extLst>
               <a:ext uri="{FF2B5EF4-FFF2-40B4-BE49-F238E27FC236}">
-                <a16:creationId xmlns:a16="http://schemas.microsoft.com/office/drawing/2014/main" id="{91767226-9C11-3794-DA06-5749189B3C1C}"/>
+                <a16:creationId xmlns:a16="http://schemas.microsoft.com/office/drawing/2014/main" xmlns="" id="{91767226-9C11-3794-DA06-5749189B3C1C}"/>
               </a:ext>
             </a:extLst>
           </p:cNvPr>
@@ -325,7 +323,7 @@
           <p:cNvPr id="6" name="Segnaposto numero diapositiva 5">
             <a:extLst>
               <a:ext uri="{FF2B5EF4-FFF2-40B4-BE49-F238E27FC236}">
-                <a16:creationId xmlns:a16="http://schemas.microsoft.com/office/drawing/2014/main" id="{81D03395-B85A-79C2-9061-9FE5E0193D90}"/>
+                <a16:creationId xmlns:a16="http://schemas.microsoft.com/office/drawing/2014/main" xmlns="" id="{81D03395-B85A-79C2-9061-9FE5E0193D90}"/>
               </a:ext>
             </a:extLst>
           </p:cNvPr>
@@ -343,7 +341,7 @@
           <a:p>
             <a:fld id="{EDA6FB6F-2AD8-4BD0-8A2C-0F89ADB074C9}" type="slidenum">
               <a:rPr lang="it-IT" smtClean="0"/>
-              <a:t>‹N›</a:t>
+              <a:t>‹n.›</a:t>
             </a:fld>
             <a:endParaRPr lang="it-IT"/>
           </a:p>
@@ -384,7 +382,7 @@
           <p:cNvPr id="2" name="Titolo 1">
             <a:extLst>
               <a:ext uri="{FF2B5EF4-FFF2-40B4-BE49-F238E27FC236}">
-                <a16:creationId xmlns:a16="http://schemas.microsoft.com/office/drawing/2014/main" id="{89B2AE1D-BC8B-29E2-CAAF-E2F7680455E2}"/>
+                <a16:creationId xmlns:a16="http://schemas.microsoft.com/office/drawing/2014/main" xmlns="" id="{89B2AE1D-BC8B-29E2-CAAF-E2F7680455E2}"/>
               </a:ext>
             </a:extLst>
           </p:cNvPr>
@@ -412,7 +410,7 @@
           <p:cNvPr id="3" name="Segnaposto testo verticale 2">
             <a:extLst>
               <a:ext uri="{FF2B5EF4-FFF2-40B4-BE49-F238E27FC236}">
-                <a16:creationId xmlns:a16="http://schemas.microsoft.com/office/drawing/2014/main" id="{44EE1E66-B07F-343A-8330-16E4AE5DA359}"/>
+                <a16:creationId xmlns:a16="http://schemas.microsoft.com/office/drawing/2014/main" xmlns="" id="{44EE1E66-B07F-343A-8330-16E4AE5DA359}"/>
               </a:ext>
             </a:extLst>
           </p:cNvPr>
@@ -469,7 +467,7 @@
           <p:cNvPr id="4" name="Segnaposto data 3">
             <a:extLst>
               <a:ext uri="{FF2B5EF4-FFF2-40B4-BE49-F238E27FC236}">
-                <a16:creationId xmlns:a16="http://schemas.microsoft.com/office/drawing/2014/main" id="{AB2A3F00-70E5-85BB-4A9F-35044656D887}"/>
+                <a16:creationId xmlns:a16="http://schemas.microsoft.com/office/drawing/2014/main" xmlns="" id="{AB2A3F00-70E5-85BB-4A9F-35044656D887}"/>
               </a:ext>
             </a:extLst>
           </p:cNvPr>
@@ -487,7 +485,7 @@
           <a:p>
             <a:fld id="{4162ED4E-8BC0-4D11-A5C7-39002C316D74}" type="datetimeFigureOut">
               <a:rPr lang="it-IT" smtClean="0"/>
-              <a:t>08/11/2022</a:t>
+              <a:t>08/11/22</a:t>
             </a:fld>
             <a:endParaRPr lang="it-IT"/>
           </a:p>
@@ -498,7 +496,7 @@
           <p:cNvPr id="5" name="Segnaposto piè di pagina 4">
             <a:extLst>
               <a:ext uri="{FF2B5EF4-FFF2-40B4-BE49-F238E27FC236}">
-                <a16:creationId xmlns:a16="http://schemas.microsoft.com/office/drawing/2014/main" id="{7B661847-4401-86D1-D2DB-A19398D44A11}"/>
+                <a16:creationId xmlns:a16="http://schemas.microsoft.com/office/drawing/2014/main" xmlns="" id="{7B661847-4401-86D1-D2DB-A19398D44A11}"/>
               </a:ext>
             </a:extLst>
           </p:cNvPr>
@@ -523,7 +521,7 @@
           <p:cNvPr id="6" name="Segnaposto numero diapositiva 5">
             <a:extLst>
               <a:ext uri="{FF2B5EF4-FFF2-40B4-BE49-F238E27FC236}">
-                <a16:creationId xmlns:a16="http://schemas.microsoft.com/office/drawing/2014/main" id="{7A10E2AE-5CAC-7BFC-A00C-72BF83C023FB}"/>
+                <a16:creationId xmlns:a16="http://schemas.microsoft.com/office/drawing/2014/main" xmlns="" id="{7A10E2AE-5CAC-7BFC-A00C-72BF83C023FB}"/>
               </a:ext>
             </a:extLst>
           </p:cNvPr>
@@ -541,7 +539,7 @@
           <a:p>
             <a:fld id="{EDA6FB6F-2AD8-4BD0-8A2C-0F89ADB074C9}" type="slidenum">
               <a:rPr lang="it-IT" smtClean="0"/>
-              <a:t>‹N›</a:t>
+              <a:t>‹n.›</a:t>
             </a:fld>
             <a:endParaRPr lang="it-IT"/>
           </a:p>
@@ -582,7 +580,7 @@
           <p:cNvPr id="2" name="Titolo verticale 1">
             <a:extLst>
               <a:ext uri="{FF2B5EF4-FFF2-40B4-BE49-F238E27FC236}">
-                <a16:creationId xmlns:a16="http://schemas.microsoft.com/office/drawing/2014/main" id="{7B01F554-4C91-632A-2F0E-972AF3D8A515}"/>
+                <a16:creationId xmlns:a16="http://schemas.microsoft.com/office/drawing/2014/main" xmlns="" id="{7B01F554-4C91-632A-2F0E-972AF3D8A515}"/>
               </a:ext>
             </a:extLst>
           </p:cNvPr>
@@ -615,7 +613,7 @@
           <p:cNvPr id="3" name="Segnaposto testo verticale 2">
             <a:extLst>
               <a:ext uri="{FF2B5EF4-FFF2-40B4-BE49-F238E27FC236}">
-                <a16:creationId xmlns:a16="http://schemas.microsoft.com/office/drawing/2014/main" id="{6192B37F-FCB9-E79D-A43B-A6F7A168ED28}"/>
+                <a16:creationId xmlns:a16="http://schemas.microsoft.com/office/drawing/2014/main" xmlns="" id="{6192B37F-FCB9-E79D-A43B-A6F7A168ED28}"/>
               </a:ext>
             </a:extLst>
           </p:cNvPr>
@@ -677,7 +675,7 @@
           <p:cNvPr id="4" name="Segnaposto data 3">
             <a:extLst>
               <a:ext uri="{FF2B5EF4-FFF2-40B4-BE49-F238E27FC236}">
-                <a16:creationId xmlns:a16="http://schemas.microsoft.com/office/drawing/2014/main" id="{72F57BEB-C18C-0DCF-5673-13ABF10A0AE4}"/>
+                <a16:creationId xmlns:a16="http://schemas.microsoft.com/office/drawing/2014/main" xmlns="" id="{72F57BEB-C18C-0DCF-5673-13ABF10A0AE4}"/>
               </a:ext>
             </a:extLst>
           </p:cNvPr>
@@ -695,7 +693,7 @@
           <a:p>
             <a:fld id="{4162ED4E-8BC0-4D11-A5C7-39002C316D74}" type="datetimeFigureOut">
               <a:rPr lang="it-IT" smtClean="0"/>
-              <a:t>08/11/2022</a:t>
+              <a:t>08/11/22</a:t>
             </a:fld>
             <a:endParaRPr lang="it-IT"/>
           </a:p>
@@ -706,7 +704,7 @@
           <p:cNvPr id="5" name="Segnaposto piè di pagina 4">
             <a:extLst>
               <a:ext uri="{FF2B5EF4-FFF2-40B4-BE49-F238E27FC236}">
-                <a16:creationId xmlns:a16="http://schemas.microsoft.com/office/drawing/2014/main" id="{711E27C6-789B-6D24-E67F-E563CC848AE7}"/>
+                <a16:creationId xmlns:a16="http://schemas.microsoft.com/office/drawing/2014/main" xmlns="" id="{711E27C6-789B-6D24-E67F-E563CC848AE7}"/>
               </a:ext>
             </a:extLst>
           </p:cNvPr>
@@ -731,7 +729,7 @@
           <p:cNvPr id="6" name="Segnaposto numero diapositiva 5">
             <a:extLst>
               <a:ext uri="{FF2B5EF4-FFF2-40B4-BE49-F238E27FC236}">
-                <a16:creationId xmlns:a16="http://schemas.microsoft.com/office/drawing/2014/main" id="{ACDD3F04-617B-9DB7-6F9B-20FFE597CAB5}"/>
+                <a16:creationId xmlns:a16="http://schemas.microsoft.com/office/drawing/2014/main" xmlns="" id="{ACDD3F04-617B-9DB7-6F9B-20FFE597CAB5}"/>
               </a:ext>
             </a:extLst>
           </p:cNvPr>
@@ -749,7 +747,7 @@
           <a:p>
             <a:fld id="{EDA6FB6F-2AD8-4BD0-8A2C-0F89ADB074C9}" type="slidenum">
               <a:rPr lang="it-IT" smtClean="0"/>
-              <a:t>‹N›</a:t>
+              <a:t>‹n.›</a:t>
             </a:fld>
             <a:endParaRPr lang="it-IT"/>
           </a:p>
@@ -790,7 +788,7 @@
           <p:cNvPr id="2" name="Titolo 1">
             <a:extLst>
               <a:ext uri="{FF2B5EF4-FFF2-40B4-BE49-F238E27FC236}">
-                <a16:creationId xmlns:a16="http://schemas.microsoft.com/office/drawing/2014/main" id="{A4AFFF0A-8E4E-AF71-99AE-FF2FFA92567E}"/>
+                <a16:creationId xmlns:a16="http://schemas.microsoft.com/office/drawing/2014/main" xmlns="" id="{A4AFFF0A-8E4E-AF71-99AE-FF2FFA92567E}"/>
               </a:ext>
             </a:extLst>
           </p:cNvPr>
@@ -818,7 +816,7 @@
           <p:cNvPr id="3" name="Segnaposto contenuto 2">
             <a:extLst>
               <a:ext uri="{FF2B5EF4-FFF2-40B4-BE49-F238E27FC236}">
-                <a16:creationId xmlns:a16="http://schemas.microsoft.com/office/drawing/2014/main" id="{95AAE621-0850-4595-6F74-2328CD96CC03}"/>
+                <a16:creationId xmlns:a16="http://schemas.microsoft.com/office/drawing/2014/main" xmlns="" id="{95AAE621-0850-4595-6F74-2328CD96CC03}"/>
               </a:ext>
             </a:extLst>
           </p:cNvPr>
@@ -875,7 +873,7 @@
           <p:cNvPr id="4" name="Segnaposto data 3">
             <a:extLst>
               <a:ext uri="{FF2B5EF4-FFF2-40B4-BE49-F238E27FC236}">
-                <a16:creationId xmlns:a16="http://schemas.microsoft.com/office/drawing/2014/main" id="{97DAFFF8-B937-BB97-5063-D1F0DC558558}"/>
+                <a16:creationId xmlns:a16="http://schemas.microsoft.com/office/drawing/2014/main" xmlns="" id="{97DAFFF8-B937-BB97-5063-D1F0DC558558}"/>
               </a:ext>
             </a:extLst>
           </p:cNvPr>
@@ -893,7 +891,7 @@
           <a:p>
             <a:fld id="{4162ED4E-8BC0-4D11-A5C7-39002C316D74}" type="datetimeFigureOut">
               <a:rPr lang="it-IT" smtClean="0"/>
-              <a:t>08/11/2022</a:t>
+              <a:t>08/11/22</a:t>
             </a:fld>
             <a:endParaRPr lang="it-IT"/>
           </a:p>
@@ -904,7 +902,7 @@
           <p:cNvPr id="5" name="Segnaposto piè di pagina 4">
             <a:extLst>
               <a:ext uri="{FF2B5EF4-FFF2-40B4-BE49-F238E27FC236}">
-                <a16:creationId xmlns:a16="http://schemas.microsoft.com/office/drawing/2014/main" id="{AB88C178-D17C-4F9C-1EB1-E0F7D6EC237E}"/>
+                <a16:creationId xmlns:a16="http://schemas.microsoft.com/office/drawing/2014/main" xmlns="" id="{AB88C178-D17C-4F9C-1EB1-E0F7D6EC237E}"/>
               </a:ext>
             </a:extLst>
           </p:cNvPr>
@@ -929,7 +927,7 @@
           <p:cNvPr id="6" name="Segnaposto numero diapositiva 5">
             <a:extLst>
               <a:ext uri="{FF2B5EF4-FFF2-40B4-BE49-F238E27FC236}">
-                <a16:creationId xmlns:a16="http://schemas.microsoft.com/office/drawing/2014/main" id="{8135BB4F-2706-8ECE-8EF5-ABBFBC4037FE}"/>
+                <a16:creationId xmlns:a16="http://schemas.microsoft.com/office/drawing/2014/main" xmlns="" id="{8135BB4F-2706-8ECE-8EF5-ABBFBC4037FE}"/>
               </a:ext>
             </a:extLst>
           </p:cNvPr>
@@ -947,7 +945,7 @@
           <a:p>
             <a:fld id="{EDA6FB6F-2AD8-4BD0-8A2C-0F89ADB074C9}" type="slidenum">
               <a:rPr lang="it-IT" smtClean="0"/>
-              <a:t>‹N›</a:t>
+              <a:t>‹n.›</a:t>
             </a:fld>
             <a:endParaRPr lang="it-IT"/>
           </a:p>
@@ -988,7 +986,7 @@
           <p:cNvPr id="2" name="Titolo 1">
             <a:extLst>
               <a:ext uri="{FF2B5EF4-FFF2-40B4-BE49-F238E27FC236}">
-                <a16:creationId xmlns:a16="http://schemas.microsoft.com/office/drawing/2014/main" id="{D565DFEE-8654-9A40-1C43-4EC1940B5F4B}"/>
+                <a16:creationId xmlns:a16="http://schemas.microsoft.com/office/drawing/2014/main" xmlns="" id="{D565DFEE-8654-9A40-1C43-4EC1940B5F4B}"/>
               </a:ext>
             </a:extLst>
           </p:cNvPr>
@@ -1025,7 +1023,7 @@
           <p:cNvPr id="3" name="Segnaposto testo 2">
             <a:extLst>
               <a:ext uri="{FF2B5EF4-FFF2-40B4-BE49-F238E27FC236}">
-                <a16:creationId xmlns:a16="http://schemas.microsoft.com/office/drawing/2014/main" id="{CFB3EF10-AAB5-6CC0-28D8-924C00EAB047}"/>
+                <a16:creationId xmlns:a16="http://schemas.microsoft.com/office/drawing/2014/main" xmlns="" id="{CFB3EF10-AAB5-6CC0-28D8-924C00EAB047}"/>
               </a:ext>
             </a:extLst>
           </p:cNvPr>
@@ -1150,7 +1148,7 @@
           <p:cNvPr id="4" name="Segnaposto data 3">
             <a:extLst>
               <a:ext uri="{FF2B5EF4-FFF2-40B4-BE49-F238E27FC236}">
-                <a16:creationId xmlns:a16="http://schemas.microsoft.com/office/drawing/2014/main" id="{957EB737-F017-7269-1C37-C690C23AD1C6}"/>
+                <a16:creationId xmlns:a16="http://schemas.microsoft.com/office/drawing/2014/main" xmlns="" id="{957EB737-F017-7269-1C37-C690C23AD1C6}"/>
               </a:ext>
             </a:extLst>
           </p:cNvPr>
@@ -1168,7 +1166,7 @@
           <a:p>
             <a:fld id="{4162ED4E-8BC0-4D11-A5C7-39002C316D74}" type="datetimeFigureOut">
               <a:rPr lang="it-IT" smtClean="0"/>
-              <a:t>08/11/2022</a:t>
+              <a:t>08/11/22</a:t>
             </a:fld>
             <a:endParaRPr lang="it-IT"/>
           </a:p>
@@ -1179,7 +1177,7 @@
           <p:cNvPr id="5" name="Segnaposto piè di pagina 4">
             <a:extLst>
               <a:ext uri="{FF2B5EF4-FFF2-40B4-BE49-F238E27FC236}">
-                <a16:creationId xmlns:a16="http://schemas.microsoft.com/office/drawing/2014/main" id="{B22E2177-5CBA-69A4-F167-105BE71D1297}"/>
+                <a16:creationId xmlns:a16="http://schemas.microsoft.com/office/drawing/2014/main" xmlns="" id="{B22E2177-5CBA-69A4-F167-105BE71D1297}"/>
               </a:ext>
             </a:extLst>
           </p:cNvPr>
@@ -1204,7 +1202,7 @@
           <p:cNvPr id="6" name="Segnaposto numero diapositiva 5">
             <a:extLst>
               <a:ext uri="{FF2B5EF4-FFF2-40B4-BE49-F238E27FC236}">
-                <a16:creationId xmlns:a16="http://schemas.microsoft.com/office/drawing/2014/main" id="{8E2FE18A-40FF-9E06-E4CF-EF5C3A6F0856}"/>
+                <a16:creationId xmlns:a16="http://schemas.microsoft.com/office/drawing/2014/main" xmlns="" id="{8E2FE18A-40FF-9E06-E4CF-EF5C3A6F0856}"/>
               </a:ext>
             </a:extLst>
           </p:cNvPr>
@@ -1222,7 +1220,7 @@
           <a:p>
             <a:fld id="{EDA6FB6F-2AD8-4BD0-8A2C-0F89ADB074C9}" type="slidenum">
               <a:rPr lang="it-IT" smtClean="0"/>
-              <a:t>‹N›</a:t>
+              <a:t>‹n.›</a:t>
             </a:fld>
             <a:endParaRPr lang="it-IT"/>
           </a:p>
@@ -1263,7 +1261,7 @@
           <p:cNvPr id="2" name="Titolo 1">
             <a:extLst>
               <a:ext uri="{FF2B5EF4-FFF2-40B4-BE49-F238E27FC236}">
-                <a16:creationId xmlns:a16="http://schemas.microsoft.com/office/drawing/2014/main" id="{E5D53DDF-CFDD-750E-6882-02BFD3525532}"/>
+                <a16:creationId xmlns:a16="http://schemas.microsoft.com/office/drawing/2014/main" xmlns="" id="{E5D53DDF-CFDD-750E-6882-02BFD3525532}"/>
               </a:ext>
             </a:extLst>
           </p:cNvPr>
@@ -1291,7 +1289,7 @@
           <p:cNvPr id="3" name="Segnaposto contenuto 2">
             <a:extLst>
               <a:ext uri="{FF2B5EF4-FFF2-40B4-BE49-F238E27FC236}">
-                <a16:creationId xmlns:a16="http://schemas.microsoft.com/office/drawing/2014/main" id="{CED89CBA-AAD3-9ED1-9F82-65BBE5BCD50B}"/>
+                <a16:creationId xmlns:a16="http://schemas.microsoft.com/office/drawing/2014/main" xmlns="" id="{CED89CBA-AAD3-9ED1-9F82-65BBE5BCD50B}"/>
               </a:ext>
             </a:extLst>
           </p:cNvPr>
@@ -1353,7 +1351,7 @@
           <p:cNvPr id="4" name="Segnaposto contenuto 3">
             <a:extLst>
               <a:ext uri="{FF2B5EF4-FFF2-40B4-BE49-F238E27FC236}">
-                <a16:creationId xmlns:a16="http://schemas.microsoft.com/office/drawing/2014/main" id="{A25E8015-87FC-A1B3-B088-CFA13E2D45F2}"/>
+                <a16:creationId xmlns:a16="http://schemas.microsoft.com/office/drawing/2014/main" xmlns="" id="{A25E8015-87FC-A1B3-B088-CFA13E2D45F2}"/>
               </a:ext>
             </a:extLst>
           </p:cNvPr>
@@ -1415,7 +1413,7 @@
           <p:cNvPr id="5" name="Segnaposto data 4">
             <a:extLst>
               <a:ext uri="{FF2B5EF4-FFF2-40B4-BE49-F238E27FC236}">
-                <a16:creationId xmlns:a16="http://schemas.microsoft.com/office/drawing/2014/main" id="{E9917C88-11CD-E2CD-F933-A59125E17088}"/>
+                <a16:creationId xmlns:a16="http://schemas.microsoft.com/office/drawing/2014/main" xmlns="" id="{E9917C88-11CD-E2CD-F933-A59125E17088}"/>
               </a:ext>
             </a:extLst>
           </p:cNvPr>
@@ -1433,7 +1431,7 @@
           <a:p>
             <a:fld id="{4162ED4E-8BC0-4D11-A5C7-39002C316D74}" type="datetimeFigureOut">
               <a:rPr lang="it-IT" smtClean="0"/>
-              <a:t>08/11/2022</a:t>
+              <a:t>08/11/22</a:t>
             </a:fld>
             <a:endParaRPr lang="it-IT"/>
           </a:p>
@@ -1444,7 +1442,7 @@
           <p:cNvPr id="6" name="Segnaposto piè di pagina 5">
             <a:extLst>
               <a:ext uri="{FF2B5EF4-FFF2-40B4-BE49-F238E27FC236}">
-                <a16:creationId xmlns:a16="http://schemas.microsoft.com/office/drawing/2014/main" id="{F29F936A-94A0-5B1B-976B-03C9596875A0}"/>
+                <a16:creationId xmlns:a16="http://schemas.microsoft.com/office/drawing/2014/main" xmlns="" id="{F29F936A-94A0-5B1B-976B-03C9596875A0}"/>
               </a:ext>
             </a:extLst>
           </p:cNvPr>
@@ -1469,7 +1467,7 @@
           <p:cNvPr id="7" name="Segnaposto numero diapositiva 6">
             <a:extLst>
               <a:ext uri="{FF2B5EF4-FFF2-40B4-BE49-F238E27FC236}">
-                <a16:creationId xmlns:a16="http://schemas.microsoft.com/office/drawing/2014/main" id="{29756D61-2B90-EF8D-14BB-106DF38247E8}"/>
+                <a16:creationId xmlns:a16="http://schemas.microsoft.com/office/drawing/2014/main" xmlns="" id="{29756D61-2B90-EF8D-14BB-106DF38247E8}"/>
               </a:ext>
             </a:extLst>
           </p:cNvPr>
@@ -1487,7 +1485,7 @@
           <a:p>
             <a:fld id="{EDA6FB6F-2AD8-4BD0-8A2C-0F89ADB074C9}" type="slidenum">
               <a:rPr lang="it-IT" smtClean="0"/>
-              <a:t>‹N›</a:t>
+              <a:t>‹n.›</a:t>
             </a:fld>
             <a:endParaRPr lang="it-IT"/>
           </a:p>
@@ -1528,7 +1526,7 @@
           <p:cNvPr id="2" name="Titolo 1">
             <a:extLst>
               <a:ext uri="{FF2B5EF4-FFF2-40B4-BE49-F238E27FC236}">
-                <a16:creationId xmlns:a16="http://schemas.microsoft.com/office/drawing/2014/main" id="{F303DD3F-20DE-450B-19E2-A36F792E7AB7}"/>
+                <a16:creationId xmlns:a16="http://schemas.microsoft.com/office/drawing/2014/main" xmlns="" id="{F303DD3F-20DE-450B-19E2-A36F792E7AB7}"/>
               </a:ext>
             </a:extLst>
           </p:cNvPr>
@@ -1561,7 +1559,7 @@
           <p:cNvPr id="3" name="Segnaposto testo 2">
             <a:extLst>
               <a:ext uri="{FF2B5EF4-FFF2-40B4-BE49-F238E27FC236}">
-                <a16:creationId xmlns:a16="http://schemas.microsoft.com/office/drawing/2014/main" id="{D984E972-9192-8B8E-856E-1F5D51B28D8D}"/>
+                <a16:creationId xmlns:a16="http://schemas.microsoft.com/office/drawing/2014/main" xmlns="" id="{D984E972-9192-8B8E-856E-1F5D51B28D8D}"/>
               </a:ext>
             </a:extLst>
           </p:cNvPr>
@@ -1632,7 +1630,7 @@
           <p:cNvPr id="4" name="Segnaposto contenuto 3">
             <a:extLst>
               <a:ext uri="{FF2B5EF4-FFF2-40B4-BE49-F238E27FC236}">
-                <a16:creationId xmlns:a16="http://schemas.microsoft.com/office/drawing/2014/main" id="{508ACB5C-80E9-5E5E-780E-8A79265CA19D}"/>
+                <a16:creationId xmlns:a16="http://schemas.microsoft.com/office/drawing/2014/main" xmlns="" id="{508ACB5C-80E9-5E5E-780E-8A79265CA19D}"/>
               </a:ext>
             </a:extLst>
           </p:cNvPr>
@@ -1694,7 +1692,7 @@
           <p:cNvPr id="5" name="Segnaposto testo 4">
             <a:extLst>
               <a:ext uri="{FF2B5EF4-FFF2-40B4-BE49-F238E27FC236}">
-                <a16:creationId xmlns:a16="http://schemas.microsoft.com/office/drawing/2014/main" id="{A6269D08-C49E-5CFB-51CA-CC56CF5DC7D0}"/>
+                <a16:creationId xmlns:a16="http://schemas.microsoft.com/office/drawing/2014/main" xmlns="" id="{A6269D08-C49E-5CFB-51CA-CC56CF5DC7D0}"/>
               </a:ext>
             </a:extLst>
           </p:cNvPr>
@@ -1765,7 +1763,7 @@
           <p:cNvPr id="6" name="Segnaposto contenuto 5">
             <a:extLst>
               <a:ext uri="{FF2B5EF4-FFF2-40B4-BE49-F238E27FC236}">
-                <a16:creationId xmlns:a16="http://schemas.microsoft.com/office/drawing/2014/main" id="{4F4D26A6-9C38-8CDB-939E-3D5284324660}"/>
+                <a16:creationId xmlns:a16="http://schemas.microsoft.com/office/drawing/2014/main" xmlns="" id="{4F4D26A6-9C38-8CDB-939E-3D5284324660}"/>
               </a:ext>
             </a:extLst>
           </p:cNvPr>
@@ -1827,7 +1825,7 @@
           <p:cNvPr id="7" name="Segnaposto data 6">
             <a:extLst>
               <a:ext uri="{FF2B5EF4-FFF2-40B4-BE49-F238E27FC236}">
-                <a16:creationId xmlns:a16="http://schemas.microsoft.com/office/drawing/2014/main" id="{12112E69-56B7-C34D-9ADE-232E049BB0D1}"/>
+                <a16:creationId xmlns:a16="http://schemas.microsoft.com/office/drawing/2014/main" xmlns="" id="{12112E69-56B7-C34D-9ADE-232E049BB0D1}"/>
               </a:ext>
             </a:extLst>
           </p:cNvPr>
@@ -1845,7 +1843,7 @@
           <a:p>
             <a:fld id="{4162ED4E-8BC0-4D11-A5C7-39002C316D74}" type="datetimeFigureOut">
               <a:rPr lang="it-IT" smtClean="0"/>
-              <a:t>08/11/2022</a:t>
+              <a:t>08/11/22</a:t>
             </a:fld>
             <a:endParaRPr lang="it-IT"/>
           </a:p>
@@ -1856,7 +1854,7 @@
           <p:cNvPr id="8" name="Segnaposto piè di pagina 7">
             <a:extLst>
               <a:ext uri="{FF2B5EF4-FFF2-40B4-BE49-F238E27FC236}">
-                <a16:creationId xmlns:a16="http://schemas.microsoft.com/office/drawing/2014/main" id="{BB7C400B-34D3-8449-F3FF-B871FCF5E0B9}"/>
+                <a16:creationId xmlns:a16="http://schemas.microsoft.com/office/drawing/2014/main" xmlns="" id="{BB7C400B-34D3-8449-F3FF-B871FCF5E0B9}"/>
               </a:ext>
             </a:extLst>
           </p:cNvPr>
@@ -1881,7 +1879,7 @@
           <p:cNvPr id="9" name="Segnaposto numero diapositiva 8">
             <a:extLst>
               <a:ext uri="{FF2B5EF4-FFF2-40B4-BE49-F238E27FC236}">
-                <a16:creationId xmlns:a16="http://schemas.microsoft.com/office/drawing/2014/main" id="{B17332FE-1DD1-761F-2E9D-C6F8FBF541D5}"/>
+                <a16:creationId xmlns:a16="http://schemas.microsoft.com/office/drawing/2014/main" xmlns="" id="{B17332FE-1DD1-761F-2E9D-C6F8FBF541D5}"/>
               </a:ext>
             </a:extLst>
           </p:cNvPr>
@@ -1899,7 +1897,7 @@
           <a:p>
             <a:fld id="{EDA6FB6F-2AD8-4BD0-8A2C-0F89ADB074C9}" type="slidenum">
               <a:rPr lang="it-IT" smtClean="0"/>
-              <a:t>‹N›</a:t>
+              <a:t>‹n.›</a:t>
             </a:fld>
             <a:endParaRPr lang="it-IT"/>
           </a:p>
@@ -1940,7 +1938,7 @@
           <p:cNvPr id="2" name="Titolo 1">
             <a:extLst>
               <a:ext uri="{FF2B5EF4-FFF2-40B4-BE49-F238E27FC236}">
-                <a16:creationId xmlns:a16="http://schemas.microsoft.com/office/drawing/2014/main" id="{762EF4AD-400F-7AA1-A6AB-1D85CD24F1B7}"/>
+                <a16:creationId xmlns:a16="http://schemas.microsoft.com/office/drawing/2014/main" xmlns="" id="{762EF4AD-400F-7AA1-A6AB-1D85CD24F1B7}"/>
               </a:ext>
             </a:extLst>
           </p:cNvPr>
@@ -1968,7 +1966,7 @@
           <p:cNvPr id="3" name="Segnaposto data 2">
             <a:extLst>
               <a:ext uri="{FF2B5EF4-FFF2-40B4-BE49-F238E27FC236}">
-                <a16:creationId xmlns:a16="http://schemas.microsoft.com/office/drawing/2014/main" id="{02FA8C93-ABF7-4F22-A69C-2F2736D58324}"/>
+                <a16:creationId xmlns:a16="http://schemas.microsoft.com/office/drawing/2014/main" xmlns="" id="{02FA8C93-ABF7-4F22-A69C-2F2736D58324}"/>
               </a:ext>
             </a:extLst>
           </p:cNvPr>
@@ -1986,7 +1984,7 @@
           <a:p>
             <a:fld id="{4162ED4E-8BC0-4D11-A5C7-39002C316D74}" type="datetimeFigureOut">
               <a:rPr lang="it-IT" smtClean="0"/>
-              <a:t>08/11/2022</a:t>
+              <a:t>08/11/22</a:t>
             </a:fld>
             <a:endParaRPr lang="it-IT"/>
           </a:p>
@@ -1997,7 +1995,7 @@
           <p:cNvPr id="4" name="Segnaposto piè di pagina 3">
             <a:extLst>
               <a:ext uri="{FF2B5EF4-FFF2-40B4-BE49-F238E27FC236}">
-                <a16:creationId xmlns:a16="http://schemas.microsoft.com/office/drawing/2014/main" id="{674D15FC-EDB3-6A97-1942-33FE191C14FA}"/>
+                <a16:creationId xmlns:a16="http://schemas.microsoft.com/office/drawing/2014/main" xmlns="" id="{674D15FC-EDB3-6A97-1942-33FE191C14FA}"/>
               </a:ext>
             </a:extLst>
           </p:cNvPr>
@@ -2022,7 +2020,7 @@
           <p:cNvPr id="5" name="Segnaposto numero diapositiva 4">
             <a:extLst>
               <a:ext uri="{FF2B5EF4-FFF2-40B4-BE49-F238E27FC236}">
-                <a16:creationId xmlns:a16="http://schemas.microsoft.com/office/drawing/2014/main" id="{1CC8A165-30A5-6703-E930-9CD8A0E2363C}"/>
+                <a16:creationId xmlns:a16="http://schemas.microsoft.com/office/drawing/2014/main" xmlns="" id="{1CC8A165-30A5-6703-E930-9CD8A0E2363C}"/>
               </a:ext>
             </a:extLst>
           </p:cNvPr>
@@ -2040,7 +2038,7 @@
           <a:p>
             <a:fld id="{EDA6FB6F-2AD8-4BD0-8A2C-0F89ADB074C9}" type="slidenum">
               <a:rPr lang="it-IT" smtClean="0"/>
-              <a:t>‹N›</a:t>
+              <a:t>‹n.›</a:t>
             </a:fld>
             <a:endParaRPr lang="it-IT"/>
           </a:p>
@@ -2081,7 +2079,7 @@
           <p:cNvPr id="2" name="Segnaposto data 1">
             <a:extLst>
               <a:ext uri="{FF2B5EF4-FFF2-40B4-BE49-F238E27FC236}">
-                <a16:creationId xmlns:a16="http://schemas.microsoft.com/office/drawing/2014/main" id="{E1840BEB-09AE-9C07-2CFC-578F0256FDA4}"/>
+                <a16:creationId xmlns:a16="http://schemas.microsoft.com/office/drawing/2014/main" xmlns="" id="{E1840BEB-09AE-9C07-2CFC-578F0256FDA4}"/>
               </a:ext>
             </a:extLst>
           </p:cNvPr>
@@ -2099,7 +2097,7 @@
           <a:p>
             <a:fld id="{4162ED4E-8BC0-4D11-A5C7-39002C316D74}" type="datetimeFigureOut">
               <a:rPr lang="it-IT" smtClean="0"/>
-              <a:t>08/11/2022</a:t>
+              <a:t>08/11/22</a:t>
             </a:fld>
             <a:endParaRPr lang="it-IT"/>
           </a:p>
@@ -2110,7 +2108,7 @@
           <p:cNvPr id="3" name="Segnaposto piè di pagina 2">
             <a:extLst>
               <a:ext uri="{FF2B5EF4-FFF2-40B4-BE49-F238E27FC236}">
-                <a16:creationId xmlns:a16="http://schemas.microsoft.com/office/drawing/2014/main" id="{8CB77F97-2D36-5EE4-674B-18E59C60A48E}"/>
+                <a16:creationId xmlns:a16="http://schemas.microsoft.com/office/drawing/2014/main" xmlns="" id="{8CB77F97-2D36-5EE4-674B-18E59C60A48E}"/>
               </a:ext>
             </a:extLst>
           </p:cNvPr>
@@ -2135,7 +2133,7 @@
           <p:cNvPr id="4" name="Segnaposto numero diapositiva 3">
             <a:extLst>
               <a:ext uri="{FF2B5EF4-FFF2-40B4-BE49-F238E27FC236}">
-                <a16:creationId xmlns:a16="http://schemas.microsoft.com/office/drawing/2014/main" id="{B37B2911-B6B5-F878-FBE1-D33C40F183CF}"/>
+                <a16:creationId xmlns:a16="http://schemas.microsoft.com/office/drawing/2014/main" xmlns="" id="{B37B2911-B6B5-F878-FBE1-D33C40F183CF}"/>
               </a:ext>
             </a:extLst>
           </p:cNvPr>
@@ -2153,7 +2151,7 @@
           <a:p>
             <a:fld id="{EDA6FB6F-2AD8-4BD0-8A2C-0F89ADB074C9}" type="slidenum">
               <a:rPr lang="it-IT" smtClean="0"/>
-              <a:t>‹N›</a:t>
+              <a:t>‹n.›</a:t>
             </a:fld>
             <a:endParaRPr lang="it-IT"/>
           </a:p>
@@ -2194,7 +2192,7 @@
           <p:cNvPr id="2" name="Titolo 1">
             <a:extLst>
               <a:ext uri="{FF2B5EF4-FFF2-40B4-BE49-F238E27FC236}">
-                <a16:creationId xmlns:a16="http://schemas.microsoft.com/office/drawing/2014/main" id="{27A3741C-3A8D-5D4A-4D4E-FC98140F3D93}"/>
+                <a16:creationId xmlns:a16="http://schemas.microsoft.com/office/drawing/2014/main" xmlns="" id="{27A3741C-3A8D-5D4A-4D4E-FC98140F3D93}"/>
               </a:ext>
             </a:extLst>
           </p:cNvPr>
@@ -2231,7 +2229,7 @@
           <p:cNvPr id="3" name="Segnaposto contenuto 2">
             <a:extLst>
               <a:ext uri="{FF2B5EF4-FFF2-40B4-BE49-F238E27FC236}">
-                <a16:creationId xmlns:a16="http://schemas.microsoft.com/office/drawing/2014/main" id="{7EADCA65-38E3-C1C5-9314-0BE69A5273F5}"/>
+                <a16:creationId xmlns:a16="http://schemas.microsoft.com/office/drawing/2014/main" xmlns="" id="{7EADCA65-38E3-C1C5-9314-0BE69A5273F5}"/>
               </a:ext>
             </a:extLst>
           </p:cNvPr>
@@ -2321,7 +2319,7 @@
           <p:cNvPr id="4" name="Segnaposto testo 3">
             <a:extLst>
               <a:ext uri="{FF2B5EF4-FFF2-40B4-BE49-F238E27FC236}">
-                <a16:creationId xmlns:a16="http://schemas.microsoft.com/office/drawing/2014/main" id="{4B27DA41-DC06-9781-37B7-13AB2EAD752A}"/>
+                <a16:creationId xmlns:a16="http://schemas.microsoft.com/office/drawing/2014/main" xmlns="" id="{4B27DA41-DC06-9781-37B7-13AB2EAD752A}"/>
               </a:ext>
             </a:extLst>
           </p:cNvPr>
@@ -2392,7 +2390,7 @@
           <p:cNvPr id="5" name="Segnaposto data 4">
             <a:extLst>
               <a:ext uri="{FF2B5EF4-FFF2-40B4-BE49-F238E27FC236}">
-                <a16:creationId xmlns:a16="http://schemas.microsoft.com/office/drawing/2014/main" id="{F9F16C9A-7A24-6881-C959-DC28A936A22A}"/>
+                <a16:creationId xmlns:a16="http://schemas.microsoft.com/office/drawing/2014/main" xmlns="" id="{F9F16C9A-7A24-6881-C959-DC28A936A22A}"/>
               </a:ext>
             </a:extLst>
           </p:cNvPr>
@@ -2410,7 +2408,7 @@
           <a:p>
             <a:fld id="{4162ED4E-8BC0-4D11-A5C7-39002C316D74}" type="datetimeFigureOut">
               <a:rPr lang="it-IT" smtClean="0"/>
-              <a:t>08/11/2022</a:t>
+              <a:t>08/11/22</a:t>
             </a:fld>
             <a:endParaRPr lang="it-IT"/>
           </a:p>
@@ -2421,7 +2419,7 @@
           <p:cNvPr id="6" name="Segnaposto piè di pagina 5">
             <a:extLst>
               <a:ext uri="{FF2B5EF4-FFF2-40B4-BE49-F238E27FC236}">
-                <a16:creationId xmlns:a16="http://schemas.microsoft.com/office/drawing/2014/main" id="{506EFBD4-83BF-6684-F277-7578AAF99380}"/>
+                <a16:creationId xmlns:a16="http://schemas.microsoft.com/office/drawing/2014/main" xmlns="" id="{506EFBD4-83BF-6684-F277-7578AAF99380}"/>
               </a:ext>
             </a:extLst>
           </p:cNvPr>
@@ -2446,7 +2444,7 @@
           <p:cNvPr id="7" name="Segnaposto numero diapositiva 6">
             <a:extLst>
               <a:ext uri="{FF2B5EF4-FFF2-40B4-BE49-F238E27FC236}">
-                <a16:creationId xmlns:a16="http://schemas.microsoft.com/office/drawing/2014/main" id="{541D3594-279B-9135-7EBC-E677E3AF66C0}"/>
+                <a16:creationId xmlns:a16="http://schemas.microsoft.com/office/drawing/2014/main" xmlns="" id="{541D3594-279B-9135-7EBC-E677E3AF66C0}"/>
               </a:ext>
             </a:extLst>
           </p:cNvPr>
@@ -2464,7 +2462,7 @@
           <a:p>
             <a:fld id="{EDA6FB6F-2AD8-4BD0-8A2C-0F89ADB074C9}" type="slidenum">
               <a:rPr lang="it-IT" smtClean="0"/>
-              <a:t>‹N›</a:t>
+              <a:t>‹n.›</a:t>
             </a:fld>
             <a:endParaRPr lang="it-IT"/>
           </a:p>
@@ -2505,7 +2503,7 @@
           <p:cNvPr id="2" name="Titolo 1">
             <a:extLst>
               <a:ext uri="{FF2B5EF4-FFF2-40B4-BE49-F238E27FC236}">
-                <a16:creationId xmlns:a16="http://schemas.microsoft.com/office/drawing/2014/main" id="{3DF18DCF-0239-20D4-3F6E-AEE2405FFAD3}"/>
+                <a16:creationId xmlns:a16="http://schemas.microsoft.com/office/drawing/2014/main" xmlns="" id="{3DF18DCF-0239-20D4-3F6E-AEE2405FFAD3}"/>
               </a:ext>
             </a:extLst>
           </p:cNvPr>
@@ -2542,7 +2540,7 @@
           <p:cNvPr id="3" name="Segnaposto immagine 2">
             <a:extLst>
               <a:ext uri="{FF2B5EF4-FFF2-40B4-BE49-F238E27FC236}">
-                <a16:creationId xmlns:a16="http://schemas.microsoft.com/office/drawing/2014/main" id="{3C900F63-B01B-6567-45F1-0087D880CCD1}"/>
+                <a16:creationId xmlns:a16="http://schemas.microsoft.com/office/drawing/2014/main" xmlns="" id="{3C900F63-B01B-6567-45F1-0087D880CCD1}"/>
               </a:ext>
             </a:extLst>
           </p:cNvPr>
@@ -2609,7 +2607,7 @@
           <p:cNvPr id="4" name="Segnaposto testo 3">
             <a:extLst>
               <a:ext uri="{FF2B5EF4-FFF2-40B4-BE49-F238E27FC236}">
-                <a16:creationId xmlns:a16="http://schemas.microsoft.com/office/drawing/2014/main" id="{D518E7FB-B3D9-6D10-FACE-94DC404B8BBA}"/>
+                <a16:creationId xmlns:a16="http://schemas.microsoft.com/office/drawing/2014/main" xmlns="" id="{D518E7FB-B3D9-6D10-FACE-94DC404B8BBA}"/>
               </a:ext>
             </a:extLst>
           </p:cNvPr>
@@ -2680,7 +2678,7 @@
           <p:cNvPr id="5" name="Segnaposto data 4">
             <a:extLst>
               <a:ext uri="{FF2B5EF4-FFF2-40B4-BE49-F238E27FC236}">
-                <a16:creationId xmlns:a16="http://schemas.microsoft.com/office/drawing/2014/main" id="{CF4212F1-AAE7-7FDA-EC82-6D2A7BF94086}"/>
+                <a16:creationId xmlns:a16="http://schemas.microsoft.com/office/drawing/2014/main" xmlns="" id="{CF4212F1-AAE7-7FDA-EC82-6D2A7BF94086}"/>
               </a:ext>
             </a:extLst>
           </p:cNvPr>
@@ -2698,7 +2696,7 @@
           <a:p>
             <a:fld id="{4162ED4E-8BC0-4D11-A5C7-39002C316D74}" type="datetimeFigureOut">
               <a:rPr lang="it-IT" smtClean="0"/>
-              <a:t>08/11/2022</a:t>
+              <a:t>08/11/22</a:t>
             </a:fld>
             <a:endParaRPr lang="it-IT"/>
           </a:p>
@@ -2709,7 +2707,7 @@
           <p:cNvPr id="6" name="Segnaposto piè di pagina 5">
             <a:extLst>
               <a:ext uri="{FF2B5EF4-FFF2-40B4-BE49-F238E27FC236}">
-                <a16:creationId xmlns:a16="http://schemas.microsoft.com/office/drawing/2014/main" id="{69789B94-7132-F7B8-D0DB-BFBDB22BBC53}"/>
+                <a16:creationId xmlns:a16="http://schemas.microsoft.com/office/drawing/2014/main" xmlns="" id="{69789B94-7132-F7B8-D0DB-BFBDB22BBC53}"/>
               </a:ext>
             </a:extLst>
           </p:cNvPr>
@@ -2734,7 +2732,7 @@
           <p:cNvPr id="7" name="Segnaposto numero diapositiva 6">
             <a:extLst>
               <a:ext uri="{FF2B5EF4-FFF2-40B4-BE49-F238E27FC236}">
-                <a16:creationId xmlns:a16="http://schemas.microsoft.com/office/drawing/2014/main" id="{FE0B3F6E-2424-3630-C9B4-A6863076DD27}"/>
+                <a16:creationId xmlns:a16="http://schemas.microsoft.com/office/drawing/2014/main" xmlns="" id="{FE0B3F6E-2424-3630-C9B4-A6863076DD27}"/>
               </a:ext>
             </a:extLst>
           </p:cNvPr>
@@ -2752,7 +2750,7 @@
           <a:p>
             <a:fld id="{EDA6FB6F-2AD8-4BD0-8A2C-0F89ADB074C9}" type="slidenum">
               <a:rPr lang="it-IT" smtClean="0"/>
-              <a:t>‹N›</a:t>
+              <a:t>‹n.›</a:t>
             </a:fld>
             <a:endParaRPr lang="it-IT"/>
           </a:p>
@@ -2804,7 +2802,7 @@
           <p:cNvPr id="2" name="Segnaposto titolo 1">
             <a:extLst>
               <a:ext uri="{FF2B5EF4-FFF2-40B4-BE49-F238E27FC236}">
-                <a16:creationId xmlns:a16="http://schemas.microsoft.com/office/drawing/2014/main" id="{0A2B70B3-ABF9-6094-CBF0-56EA7FECA422}"/>
+                <a16:creationId xmlns:a16="http://schemas.microsoft.com/office/drawing/2014/main" xmlns="" id="{0A2B70B3-ABF9-6094-CBF0-56EA7FECA422}"/>
               </a:ext>
             </a:extLst>
           </p:cNvPr>
@@ -2842,7 +2840,7 @@
           <p:cNvPr id="3" name="Segnaposto testo 2">
             <a:extLst>
               <a:ext uri="{FF2B5EF4-FFF2-40B4-BE49-F238E27FC236}">
-                <a16:creationId xmlns:a16="http://schemas.microsoft.com/office/drawing/2014/main" id="{F57AC799-A14E-22D4-6164-AC9D4AE20040}"/>
+                <a16:creationId xmlns:a16="http://schemas.microsoft.com/office/drawing/2014/main" xmlns="" id="{F57AC799-A14E-22D4-6164-AC9D4AE20040}"/>
               </a:ext>
             </a:extLst>
           </p:cNvPr>
@@ -2909,7 +2907,7 @@
           <p:cNvPr id="4" name="Segnaposto data 3">
             <a:extLst>
               <a:ext uri="{FF2B5EF4-FFF2-40B4-BE49-F238E27FC236}">
-                <a16:creationId xmlns:a16="http://schemas.microsoft.com/office/drawing/2014/main" id="{2B76CA5C-F317-F6EA-9896-EA9A62AD1745}"/>
+                <a16:creationId xmlns:a16="http://schemas.microsoft.com/office/drawing/2014/main" xmlns="" id="{2B76CA5C-F317-F6EA-9896-EA9A62AD1745}"/>
               </a:ext>
             </a:extLst>
           </p:cNvPr>
@@ -2945,7 +2943,7 @@
           <a:p>
             <a:fld id="{4162ED4E-8BC0-4D11-A5C7-39002C316D74}" type="datetimeFigureOut">
               <a:rPr lang="it-IT" smtClean="0"/>
-              <a:t>08/11/2022</a:t>
+              <a:t>08/11/22</a:t>
             </a:fld>
             <a:endParaRPr lang="it-IT"/>
           </a:p>
@@ -2956,7 +2954,7 @@
           <p:cNvPr id="5" name="Segnaposto piè di pagina 4">
             <a:extLst>
               <a:ext uri="{FF2B5EF4-FFF2-40B4-BE49-F238E27FC236}">
-                <a16:creationId xmlns:a16="http://schemas.microsoft.com/office/drawing/2014/main" id="{2752C927-DAA5-ACDA-A68C-CCC400FD3240}"/>
+                <a16:creationId xmlns:a16="http://schemas.microsoft.com/office/drawing/2014/main" xmlns="" id="{2752C927-DAA5-ACDA-A68C-CCC400FD3240}"/>
               </a:ext>
             </a:extLst>
           </p:cNvPr>
@@ -2999,7 +2997,7 @@
           <p:cNvPr id="6" name="Segnaposto numero diapositiva 5">
             <a:extLst>
               <a:ext uri="{FF2B5EF4-FFF2-40B4-BE49-F238E27FC236}">
-                <a16:creationId xmlns:a16="http://schemas.microsoft.com/office/drawing/2014/main" id="{00CF403D-700C-3154-4614-0E81EB1E48FD}"/>
+                <a16:creationId xmlns:a16="http://schemas.microsoft.com/office/drawing/2014/main" xmlns="" id="{00CF403D-700C-3154-4614-0E81EB1E48FD}"/>
               </a:ext>
             </a:extLst>
           </p:cNvPr>
@@ -3035,7 +3033,7 @@
           <a:p>
             <a:fld id="{EDA6FB6F-2AD8-4BD0-8A2C-0F89ADB074C9}" type="slidenum">
               <a:rPr lang="it-IT" smtClean="0"/>
-              <a:t>‹N›</a:t>
+              <a:t>‹n.›</a:t>
             </a:fld>
             <a:endParaRPr lang="it-IT"/>
           </a:p>
@@ -3367,7 +3365,7 @@
           <p:cNvPr id="2" name="Titolo 1">
             <a:extLst>
               <a:ext uri="{FF2B5EF4-FFF2-40B4-BE49-F238E27FC236}">
-                <a16:creationId xmlns:a16="http://schemas.microsoft.com/office/drawing/2014/main" id="{926F256F-EA2A-4D40-1644-C8837C345BBB}"/>
+                <a16:creationId xmlns:a16="http://schemas.microsoft.com/office/drawing/2014/main" xmlns="" id="{926F256F-EA2A-4D40-1644-C8837C345BBB}"/>
               </a:ext>
             </a:extLst>
           </p:cNvPr>
@@ -3401,6 +3399,13 @@
               </a:rPr>
               <a:t>Milestone 2: Testing</a:t>
             </a:r>
+            <a:r>
+              <a:rPr lang="en-US" b="1" i="0" dirty="0">
+                <a:effectLst/>
+                <a:latin typeface="zeitung"/>
+              </a:rPr>
+              <a:t/>
+            </a:r>
             <a:br>
               <a:rPr lang="en-US" b="1" i="0" dirty="0">
                 <a:effectLst/>
@@ -3416,7 +3421,7 @@
           <p:cNvPr id="3" name="Sottotitolo 2">
             <a:extLst>
               <a:ext uri="{FF2B5EF4-FFF2-40B4-BE49-F238E27FC236}">
-                <a16:creationId xmlns:a16="http://schemas.microsoft.com/office/drawing/2014/main" id="{6C752F3B-C461-1F68-35A6-D85D34D4DCBC}"/>
+                <a16:creationId xmlns:a16="http://schemas.microsoft.com/office/drawing/2014/main" xmlns="" id="{6C752F3B-C461-1F68-35A6-D85D34D4DCBC}"/>
               </a:ext>
             </a:extLst>
           </p:cNvPr>
@@ -3507,7 +3512,7 @@
           <p:cNvPr id="5" name="Immagine 4">
             <a:extLst>
               <a:ext uri="{FF2B5EF4-FFF2-40B4-BE49-F238E27FC236}">
-                <a16:creationId xmlns:a16="http://schemas.microsoft.com/office/drawing/2014/main" id="{17570CE4-C826-9688-0784-D218197D3D1B}"/>
+                <a16:creationId xmlns:a16="http://schemas.microsoft.com/office/drawing/2014/main" xmlns="" id="{17570CE4-C826-9688-0784-D218197D3D1B}"/>
               </a:ext>
             </a:extLst>
           </p:cNvPr>
@@ -3573,7 +3578,7 @@
           <p:cNvPr id="2" name="Titolo 1">
             <a:extLst>
               <a:ext uri="{FF2B5EF4-FFF2-40B4-BE49-F238E27FC236}">
-                <a16:creationId xmlns:a16="http://schemas.microsoft.com/office/drawing/2014/main" id="{E84D6F7A-C5C5-40C7-0FD8-F1C4CD4F3D65}"/>
+                <a16:creationId xmlns:a16="http://schemas.microsoft.com/office/drawing/2014/main" xmlns="" id="{E84D6F7A-C5C5-40C7-0FD8-F1C4CD4F3D65}"/>
               </a:ext>
             </a:extLst>
           </p:cNvPr>
@@ -3623,7 +3628,7 @@
           <p:cNvPr id="8" name="Segnaposto contenuto 2">
             <a:extLst>
               <a:ext uri="{FF2B5EF4-FFF2-40B4-BE49-F238E27FC236}">
-                <a16:creationId xmlns:a16="http://schemas.microsoft.com/office/drawing/2014/main" id="{BDBB7D20-3AC2-51C8-AA8A-A5491FCD4726}"/>
+                <a16:creationId xmlns:a16="http://schemas.microsoft.com/office/drawing/2014/main" xmlns="" id="{BDBB7D20-3AC2-51C8-AA8A-A5491FCD4726}"/>
               </a:ext>
             </a:extLst>
           </p:cNvPr>
@@ -3823,7 +3828,7 @@
           <p:cNvPr id="9" name="Segnaposto contenuto 2">
             <a:extLst>
               <a:ext uri="{FF2B5EF4-FFF2-40B4-BE49-F238E27FC236}">
-                <a16:creationId xmlns:a16="http://schemas.microsoft.com/office/drawing/2014/main" id="{8DF74287-8199-C54D-5B1C-6FF6A0E99B42}"/>
+                <a16:creationId xmlns:a16="http://schemas.microsoft.com/office/drawing/2014/main" xmlns="" id="{8DF74287-8199-C54D-5B1C-6FF6A0E99B42}"/>
               </a:ext>
             </a:extLst>
           </p:cNvPr>
@@ -3995,7 +4000,7 @@
           <p:cNvPr id="4" name="CasellaDiTesto 3">
             <a:extLst>
               <a:ext uri="{FF2B5EF4-FFF2-40B4-BE49-F238E27FC236}">
-                <a16:creationId xmlns:a16="http://schemas.microsoft.com/office/drawing/2014/main" id="{7458530F-EA17-1EC6-356C-6821A9108EE1}"/>
+                <a16:creationId xmlns:a16="http://schemas.microsoft.com/office/drawing/2014/main" xmlns="" id="{7458530F-EA17-1EC6-356C-6821A9108EE1}"/>
               </a:ext>
             </a:extLst>
           </p:cNvPr>
@@ -5887,7 +5892,7 @@
           <p:cNvPr id="2" name="Titolo 1">
             <a:extLst>
               <a:ext uri="{FF2B5EF4-FFF2-40B4-BE49-F238E27FC236}">
-                <a16:creationId xmlns:a16="http://schemas.microsoft.com/office/drawing/2014/main" id="{E84D6F7A-C5C5-40C7-0FD8-F1C4CD4F3D65}"/>
+                <a16:creationId xmlns:a16="http://schemas.microsoft.com/office/drawing/2014/main" xmlns="" id="{E84D6F7A-C5C5-40C7-0FD8-F1C4CD4F3D65}"/>
               </a:ext>
             </a:extLst>
           </p:cNvPr>
@@ -5937,7 +5942,7 @@
           <p:cNvPr id="8" name="Segnaposto contenuto 2">
             <a:extLst>
               <a:ext uri="{FF2B5EF4-FFF2-40B4-BE49-F238E27FC236}">
-                <a16:creationId xmlns:a16="http://schemas.microsoft.com/office/drawing/2014/main" id="{BDBB7D20-3AC2-51C8-AA8A-A5491FCD4726}"/>
+                <a16:creationId xmlns:a16="http://schemas.microsoft.com/office/drawing/2014/main" xmlns="" id="{BDBB7D20-3AC2-51C8-AA8A-A5491FCD4726}"/>
               </a:ext>
             </a:extLst>
           </p:cNvPr>
@@ -6137,7 +6142,7 @@
           <p:cNvPr id="9" name="Segnaposto contenuto 2">
             <a:extLst>
               <a:ext uri="{FF2B5EF4-FFF2-40B4-BE49-F238E27FC236}">
-                <a16:creationId xmlns:a16="http://schemas.microsoft.com/office/drawing/2014/main" id="{8DF74287-8199-C54D-5B1C-6FF6A0E99B42}"/>
+                <a16:creationId xmlns:a16="http://schemas.microsoft.com/office/drawing/2014/main" xmlns="" id="{8DF74287-8199-C54D-5B1C-6FF6A0E99B42}"/>
               </a:ext>
             </a:extLst>
           </p:cNvPr>
@@ -6261,7 +6266,7 @@
           <p:cNvPr id="5" name="CasellaDiTesto 4">
             <a:extLst>
               <a:ext uri="{FF2B5EF4-FFF2-40B4-BE49-F238E27FC236}">
-                <a16:creationId xmlns:a16="http://schemas.microsoft.com/office/drawing/2014/main" id="{1A169897-0EB7-D048-FB27-85A349D6221C}"/>
+                <a16:creationId xmlns:a16="http://schemas.microsoft.com/office/drawing/2014/main" xmlns="" id="{1A169897-0EB7-D048-FB27-85A349D6221C}"/>
               </a:ext>
             </a:extLst>
           </p:cNvPr>
@@ -6331,6 +6336,16 @@
             </a:r>
           </a:p>
           <a:p>
+            <a:r>
+              <a:rPr lang="en-US" sz="1400" b="0">
+                <a:solidFill>
+                  <a:srgbClr val="D4D4D4"/>
+                </a:solidFill>
+                <a:effectLst/>
+                <a:latin typeface="Consolas" panose="020B0609020204030204" pitchFamily="49" charset="0"/>
+              </a:rPr>
+              <a:t/>
+            </a:r>
             <a:br>
               <a:rPr lang="en-US" sz="1400" b="0">
                 <a:solidFill>
@@ -6772,6 +6787,16 @@
             </a:r>
           </a:p>
           <a:p>
+            <a:r>
+              <a:rPr lang="en-US" b="0">
+                <a:solidFill>
+                  <a:srgbClr val="D4D4D4"/>
+                </a:solidFill>
+                <a:effectLst/>
+                <a:latin typeface="Consolas" panose="020B0609020204030204" pitchFamily="49" charset="0"/>
+              </a:rPr>
+              <a:t/>
+            </a:r>
             <a:br>
               <a:rPr lang="en-US" b="0">
                 <a:solidFill>
@@ -6826,7 +6851,7 @@
           <p:cNvPr id="8" name="Segnaposto contenuto 2">
             <a:extLst>
               <a:ext uri="{FF2B5EF4-FFF2-40B4-BE49-F238E27FC236}">
-                <a16:creationId xmlns:a16="http://schemas.microsoft.com/office/drawing/2014/main" id="{BDBB7D20-3AC2-51C8-AA8A-A5491FCD4726}"/>
+                <a16:creationId xmlns:a16="http://schemas.microsoft.com/office/drawing/2014/main" xmlns="" id="{BDBB7D20-3AC2-51C8-AA8A-A5491FCD4726}"/>
               </a:ext>
             </a:extLst>
           </p:cNvPr>
@@ -7026,7 +7051,7 @@
           <p:cNvPr id="13" name="Immagine 12">
             <a:extLst>
               <a:ext uri="{FF2B5EF4-FFF2-40B4-BE49-F238E27FC236}">
-                <a16:creationId xmlns:a16="http://schemas.microsoft.com/office/drawing/2014/main" id="{CE012B45-CD01-7528-15AB-9FD2D3A3B462}"/>
+                <a16:creationId xmlns:a16="http://schemas.microsoft.com/office/drawing/2014/main" xmlns="" id="{CE012B45-CD01-7528-15AB-9FD2D3A3B462}"/>
               </a:ext>
             </a:extLst>
           </p:cNvPr>
@@ -7062,7 +7087,7 @@
           <p:cNvPr id="14" name="Titolo 1">
             <a:extLst>
               <a:ext uri="{FF2B5EF4-FFF2-40B4-BE49-F238E27FC236}">
-                <a16:creationId xmlns:a16="http://schemas.microsoft.com/office/drawing/2014/main" id="{A6AD7235-9B00-BAF2-B2C8-E349F9AD9479}"/>
+                <a16:creationId xmlns:a16="http://schemas.microsoft.com/office/drawing/2014/main" xmlns="" id="{A6AD7235-9B00-BAF2-B2C8-E349F9AD9479}"/>
               </a:ext>
             </a:extLst>
           </p:cNvPr>
@@ -7134,7 +7159,7 @@
           <p:cNvPr id="15" name="CasellaDiTesto 14">
             <a:extLst>
               <a:ext uri="{FF2B5EF4-FFF2-40B4-BE49-F238E27FC236}">
-                <a16:creationId xmlns:a16="http://schemas.microsoft.com/office/drawing/2014/main" id="{9FFF3784-A00D-F13F-73CD-BA8FA305F6D8}"/>
+                <a16:creationId xmlns:a16="http://schemas.microsoft.com/office/drawing/2014/main" xmlns="" id="{9FFF3784-A00D-F13F-73CD-BA8FA305F6D8}"/>
               </a:ext>
             </a:extLst>
           </p:cNvPr>
@@ -7199,7 +7224,7 @@
           <p:cNvPr id="2" name="Titolo 1">
             <a:extLst>
               <a:ext uri="{FF2B5EF4-FFF2-40B4-BE49-F238E27FC236}">
-                <a16:creationId xmlns:a16="http://schemas.microsoft.com/office/drawing/2014/main" id="{E84D6F7A-C5C5-40C7-0FD8-F1C4CD4F3D65}"/>
+                <a16:creationId xmlns:a16="http://schemas.microsoft.com/office/drawing/2014/main" xmlns="" id="{E84D6F7A-C5C5-40C7-0FD8-F1C4CD4F3D65}"/>
               </a:ext>
             </a:extLst>
           </p:cNvPr>
@@ -7271,7 +7296,7 @@
           <p:cNvPr id="8" name="Segnaposto contenuto 2">
             <a:extLst>
               <a:ext uri="{FF2B5EF4-FFF2-40B4-BE49-F238E27FC236}">
-                <a16:creationId xmlns:a16="http://schemas.microsoft.com/office/drawing/2014/main" id="{BDBB7D20-3AC2-51C8-AA8A-A5491FCD4726}"/>
+                <a16:creationId xmlns:a16="http://schemas.microsoft.com/office/drawing/2014/main" xmlns="" id="{BDBB7D20-3AC2-51C8-AA8A-A5491FCD4726}"/>
               </a:ext>
             </a:extLst>
           </p:cNvPr>
@@ -7471,7 +7496,7 @@
           <p:cNvPr id="9" name="Segnaposto contenuto 2">
             <a:extLst>
               <a:ext uri="{FF2B5EF4-FFF2-40B4-BE49-F238E27FC236}">
-                <a16:creationId xmlns:a16="http://schemas.microsoft.com/office/drawing/2014/main" id="{8DF74287-8199-C54D-5B1C-6FF6A0E99B42}"/>
+                <a16:creationId xmlns:a16="http://schemas.microsoft.com/office/drawing/2014/main" xmlns="" id="{8DF74287-8199-C54D-5B1C-6FF6A0E99B42}"/>
               </a:ext>
             </a:extLst>
           </p:cNvPr>
@@ -7564,7 +7589,7 @@
           <p:cNvPr id="4" name="CasellaDiTesto 3">
             <a:extLst>
               <a:ext uri="{FF2B5EF4-FFF2-40B4-BE49-F238E27FC236}">
-                <a16:creationId xmlns:a16="http://schemas.microsoft.com/office/drawing/2014/main" id="{A87269CE-E125-65CA-7763-C745A3197CC0}"/>
+                <a16:creationId xmlns:a16="http://schemas.microsoft.com/office/drawing/2014/main" xmlns="" id="{A87269CE-E125-65CA-7763-C745A3197CC0}"/>
               </a:ext>
             </a:extLst>
           </p:cNvPr>
@@ -7634,6 +7659,16 @@
             </a:r>
           </a:p>
           <a:p>
+            <a:r>
+              <a:rPr lang="it-IT" sz="1100" b="0">
+                <a:solidFill>
+                  <a:srgbClr val="D4D4D4"/>
+                </a:solidFill>
+                <a:effectLst/>
+                <a:latin typeface="Consolas" panose="020B0609020204030204" pitchFamily="49" charset="0"/>
+              </a:rPr>
+              <a:t/>
+            </a:r>
             <a:br>
               <a:rPr lang="it-IT" sz="1100" b="0">
                 <a:solidFill>
@@ -8520,6 +8555,16 @@
             </a:r>
           </a:p>
           <a:p>
+            <a:r>
+              <a:rPr lang="it-IT" sz="1100" b="0">
+                <a:solidFill>
+                  <a:srgbClr val="D4D4D4"/>
+                </a:solidFill>
+                <a:effectLst/>
+                <a:latin typeface="Consolas" panose="020B0609020204030204" pitchFamily="49" charset="0"/>
+              </a:rPr>
+              <a:t/>
+            </a:r>
             <a:br>
               <a:rPr lang="it-IT" sz="1100" b="0">
                 <a:solidFill>
@@ -9081,6 +9126,16 @@
             </a:r>
           </a:p>
           <a:p>
+            <a:r>
+              <a:rPr lang="it-IT" sz="1100" b="0">
+                <a:solidFill>
+                  <a:srgbClr val="D4D4D4"/>
+                </a:solidFill>
+                <a:effectLst/>
+                <a:latin typeface="Consolas" panose="020B0609020204030204" pitchFamily="49" charset="0"/>
+              </a:rPr>
+              <a:t/>
+            </a:r>
             <a:br>
               <a:rPr lang="it-IT" sz="1100" b="0">
                 <a:solidFill>
@@ -9689,7 +9744,7 @@
           <p:cNvPr id="2" name="Titolo 1">
             <a:extLst>
               <a:ext uri="{FF2B5EF4-FFF2-40B4-BE49-F238E27FC236}">
-                <a16:creationId xmlns:a16="http://schemas.microsoft.com/office/drawing/2014/main" id="{E84D6F7A-C5C5-40C7-0FD8-F1C4CD4F3D65}"/>
+                <a16:creationId xmlns:a16="http://schemas.microsoft.com/office/drawing/2014/main" xmlns="" id="{E84D6F7A-C5C5-40C7-0FD8-F1C4CD4F3D65}"/>
               </a:ext>
             </a:extLst>
           </p:cNvPr>
@@ -9761,7 +9816,7 @@
           <p:cNvPr id="8" name="Segnaposto contenuto 2">
             <a:extLst>
               <a:ext uri="{FF2B5EF4-FFF2-40B4-BE49-F238E27FC236}">
-                <a16:creationId xmlns:a16="http://schemas.microsoft.com/office/drawing/2014/main" id="{BDBB7D20-3AC2-51C8-AA8A-A5491FCD4726}"/>
+                <a16:creationId xmlns:a16="http://schemas.microsoft.com/office/drawing/2014/main" xmlns="" id="{BDBB7D20-3AC2-51C8-AA8A-A5491FCD4726}"/>
               </a:ext>
             </a:extLst>
           </p:cNvPr>
@@ -9961,7 +10016,7 @@
           <p:cNvPr id="9" name="Segnaposto contenuto 2">
             <a:extLst>
               <a:ext uri="{FF2B5EF4-FFF2-40B4-BE49-F238E27FC236}">
-                <a16:creationId xmlns:a16="http://schemas.microsoft.com/office/drawing/2014/main" id="{8DF74287-8199-C54D-5B1C-6FF6A0E99B42}"/>
+                <a16:creationId xmlns:a16="http://schemas.microsoft.com/office/drawing/2014/main" xmlns="" id="{8DF74287-8199-C54D-5B1C-6FF6A0E99B42}"/>
               </a:ext>
             </a:extLst>
           </p:cNvPr>
@@ -10063,7 +10118,7 @@
           <p:cNvPr id="4" name="CasellaDiTesto 3">
             <a:extLst>
               <a:ext uri="{FF2B5EF4-FFF2-40B4-BE49-F238E27FC236}">
-                <a16:creationId xmlns:a16="http://schemas.microsoft.com/office/drawing/2014/main" id="{456B36CD-748A-3DFC-50B2-B54CF33A6BD8}"/>
+                <a16:creationId xmlns:a16="http://schemas.microsoft.com/office/drawing/2014/main" xmlns="" id="{456B36CD-748A-3DFC-50B2-B54CF33A6BD8}"/>
               </a:ext>
             </a:extLst>
           </p:cNvPr>
@@ -10369,6 +10424,16 @@
             </a:r>
           </a:p>
           <a:p>
+            <a:r>
+              <a:rPr lang="it-IT" sz="1400" b="0">
+                <a:solidFill>
+                  <a:srgbClr val="D4D4D4"/>
+                </a:solidFill>
+                <a:effectLst/>
+                <a:latin typeface="Consolas" panose="020B0609020204030204" pitchFamily="49" charset="0"/>
+              </a:rPr>
+              <a:t/>
+            </a:r>
             <a:br>
               <a:rPr lang="it-IT" sz="1400" b="0">
                 <a:solidFill>
@@ -10778,7 +10843,7 @@
           <p:cNvPr id="2" name="Titolo 1">
             <a:extLst>
               <a:ext uri="{FF2B5EF4-FFF2-40B4-BE49-F238E27FC236}">
-                <a16:creationId xmlns:a16="http://schemas.microsoft.com/office/drawing/2014/main" id="{E84D6F7A-C5C5-40C7-0FD8-F1C4CD4F3D65}"/>
+                <a16:creationId xmlns:a16="http://schemas.microsoft.com/office/drawing/2014/main" xmlns="" id="{E84D6F7A-C5C5-40C7-0FD8-F1C4CD4F3D65}"/>
               </a:ext>
             </a:extLst>
           </p:cNvPr>
@@ -10850,7 +10915,7 @@
           <p:cNvPr id="8" name="Segnaposto contenuto 2">
             <a:extLst>
               <a:ext uri="{FF2B5EF4-FFF2-40B4-BE49-F238E27FC236}">
-                <a16:creationId xmlns:a16="http://schemas.microsoft.com/office/drawing/2014/main" id="{BDBB7D20-3AC2-51C8-AA8A-A5491FCD4726}"/>
+                <a16:creationId xmlns:a16="http://schemas.microsoft.com/office/drawing/2014/main" xmlns="" id="{BDBB7D20-3AC2-51C8-AA8A-A5491FCD4726}"/>
               </a:ext>
             </a:extLst>
           </p:cNvPr>
@@ -11050,7 +11115,7 @@
           <p:cNvPr id="9" name="Segnaposto contenuto 2">
             <a:extLst>
               <a:ext uri="{FF2B5EF4-FFF2-40B4-BE49-F238E27FC236}">
-                <a16:creationId xmlns:a16="http://schemas.microsoft.com/office/drawing/2014/main" id="{8DF74287-8199-C54D-5B1C-6FF6A0E99B42}"/>
+                <a16:creationId xmlns:a16="http://schemas.microsoft.com/office/drawing/2014/main" xmlns="" id="{8DF74287-8199-C54D-5B1C-6FF6A0E99B42}"/>
               </a:ext>
             </a:extLst>
           </p:cNvPr>
@@ -11182,7 +11247,7 @@
           <p:cNvPr id="11" name="CasellaDiTesto 10">
             <a:extLst>
               <a:ext uri="{FF2B5EF4-FFF2-40B4-BE49-F238E27FC236}">
-                <a16:creationId xmlns:a16="http://schemas.microsoft.com/office/drawing/2014/main" id="{C84352BF-5DA8-E6C9-119A-9981197358D9}"/>
+                <a16:creationId xmlns:a16="http://schemas.microsoft.com/office/drawing/2014/main" xmlns="" id="{C84352BF-5DA8-E6C9-119A-9981197358D9}"/>
               </a:ext>
             </a:extLst>
           </p:cNvPr>
@@ -11356,6 +11421,16 @@
             </a:r>
           </a:p>
           <a:p>
+            <a:r>
+              <a:rPr lang="it-IT" sz="1100" b="0">
+                <a:solidFill>
+                  <a:srgbClr val="D4D4D4"/>
+                </a:solidFill>
+                <a:effectLst/>
+                <a:latin typeface="Consolas" panose="020B0609020204030204" pitchFamily="49" charset="0"/>
+              </a:rPr>
+              <a:t/>
+            </a:r>
             <a:br>
               <a:rPr lang="it-IT" sz="1100" b="0">
                 <a:solidFill>
@@ -11641,6 +11716,16 @@
             </a:r>
           </a:p>
           <a:p>
+            <a:r>
+              <a:rPr lang="it-IT" sz="1100" b="0">
+                <a:solidFill>
+                  <a:srgbClr val="D4D4D4"/>
+                </a:solidFill>
+                <a:effectLst/>
+                <a:latin typeface="Consolas" panose="020B0609020204030204" pitchFamily="49" charset="0"/>
+              </a:rPr>
+              <a:t/>
+            </a:r>
             <a:br>
               <a:rPr lang="it-IT" sz="1100" b="0">
                 <a:solidFill>
@@ -11863,6 +11948,16 @@
             </a:r>
           </a:p>
           <a:p>
+            <a:r>
+              <a:rPr lang="it-IT" sz="1100" b="0">
+                <a:solidFill>
+                  <a:srgbClr val="D4D4D4"/>
+                </a:solidFill>
+                <a:effectLst/>
+                <a:latin typeface="Consolas" panose="020B0609020204030204" pitchFamily="49" charset="0"/>
+              </a:rPr>
+              <a:t/>
+            </a:r>
             <a:br>
               <a:rPr lang="it-IT" sz="1100" b="0">
                 <a:solidFill>
@@ -12228,6 +12323,16 @@
             </a:endParaRPr>
           </a:p>
           <a:p>
+            <a:r>
+              <a:rPr lang="it-IT" sz="1100" b="0">
+                <a:solidFill>
+                  <a:srgbClr val="D4D4D4"/>
+                </a:solidFill>
+                <a:effectLst/>
+                <a:latin typeface="Consolas" panose="020B0609020204030204" pitchFamily="49" charset="0"/>
+              </a:rPr>
+              <a:t/>
+            </a:r>
             <a:br>
               <a:rPr lang="it-IT" sz="1100" b="0">
                 <a:solidFill>
@@ -12358,6 +12463,16 @@
             </a:r>
           </a:p>
           <a:p>
+            <a:r>
+              <a:rPr lang="it-IT" sz="1100" b="0">
+                <a:solidFill>
+                  <a:srgbClr val="D4D4D4"/>
+                </a:solidFill>
+                <a:effectLst/>
+                <a:latin typeface="Consolas" panose="020B0609020204030204" pitchFamily="49" charset="0"/>
+              </a:rPr>
+              <a:t/>
+            </a:r>
             <a:br>
               <a:rPr lang="it-IT" sz="1100" b="0">
                 <a:solidFill>
@@ -12519,6 +12634,16 @@
             </a:r>
           </a:p>
           <a:p>
+            <a:r>
+              <a:rPr lang="it-IT" sz="1100" b="0">
+                <a:solidFill>
+                  <a:srgbClr val="D4D4D4"/>
+                </a:solidFill>
+                <a:effectLst/>
+                <a:latin typeface="Consolas" panose="020B0609020204030204" pitchFamily="49" charset="0"/>
+              </a:rPr>
+              <a:t/>
+            </a:r>
             <a:br>
               <a:rPr lang="it-IT" sz="1100" b="0">
                 <a:solidFill>
@@ -12817,7 +12942,7 @@
           <p:cNvPr id="8" name="Segnaposto contenuto 2">
             <a:extLst>
               <a:ext uri="{FF2B5EF4-FFF2-40B4-BE49-F238E27FC236}">
-                <a16:creationId xmlns:a16="http://schemas.microsoft.com/office/drawing/2014/main" id="{BDBB7D20-3AC2-51C8-AA8A-A5491FCD4726}"/>
+                <a16:creationId xmlns:a16="http://schemas.microsoft.com/office/drawing/2014/main" xmlns="" id="{BDBB7D20-3AC2-51C8-AA8A-A5491FCD4726}"/>
               </a:ext>
             </a:extLst>
           </p:cNvPr>
@@ -13017,7 +13142,7 @@
           <p:cNvPr id="14" name="Titolo 1">
             <a:extLst>
               <a:ext uri="{FF2B5EF4-FFF2-40B4-BE49-F238E27FC236}">
-                <a16:creationId xmlns:a16="http://schemas.microsoft.com/office/drawing/2014/main" id="{A6AD7235-9B00-BAF2-B2C8-E349F9AD9479}"/>
+                <a16:creationId xmlns:a16="http://schemas.microsoft.com/office/drawing/2014/main" xmlns="" id="{A6AD7235-9B00-BAF2-B2C8-E349F9AD9479}"/>
               </a:ext>
             </a:extLst>
           </p:cNvPr>
@@ -13089,7 +13214,7 @@
           <p:cNvPr id="15" name="CasellaDiTesto 14">
             <a:extLst>
               <a:ext uri="{FF2B5EF4-FFF2-40B4-BE49-F238E27FC236}">
-                <a16:creationId xmlns:a16="http://schemas.microsoft.com/office/drawing/2014/main" id="{9FFF3784-A00D-F13F-73CD-BA8FA305F6D8}"/>
+                <a16:creationId xmlns:a16="http://schemas.microsoft.com/office/drawing/2014/main" xmlns="" id="{9FFF3784-A00D-F13F-73CD-BA8FA305F6D8}"/>
               </a:ext>
             </a:extLst>
           </p:cNvPr>
@@ -13124,7 +13249,7 @@
           <p:cNvPr id="5" name="Immagine 4">
             <a:extLst>
               <a:ext uri="{FF2B5EF4-FFF2-40B4-BE49-F238E27FC236}">
-                <a16:creationId xmlns:a16="http://schemas.microsoft.com/office/drawing/2014/main" id="{FC16BE4F-8F3D-76A4-2A6B-2ACC8978E7E1}"/>
+                <a16:creationId xmlns:a16="http://schemas.microsoft.com/office/drawing/2014/main" xmlns="" id="{FC16BE4F-8F3D-76A4-2A6B-2ACC8978E7E1}"/>
               </a:ext>
             </a:extLst>
           </p:cNvPr>
@@ -13190,7 +13315,7 @@
           <p:cNvPr id="2" name="Titolo 1">
             <a:extLst>
               <a:ext uri="{FF2B5EF4-FFF2-40B4-BE49-F238E27FC236}">
-                <a16:creationId xmlns:a16="http://schemas.microsoft.com/office/drawing/2014/main" id="{E84D6F7A-C5C5-40C7-0FD8-F1C4CD4F3D65}"/>
+                <a16:creationId xmlns:a16="http://schemas.microsoft.com/office/drawing/2014/main" xmlns="" id="{E84D6F7A-C5C5-40C7-0FD8-F1C4CD4F3D65}"/>
               </a:ext>
             </a:extLst>
           </p:cNvPr>
@@ -13262,7 +13387,7 @@
           <p:cNvPr id="8" name="Segnaposto contenuto 2">
             <a:extLst>
               <a:ext uri="{FF2B5EF4-FFF2-40B4-BE49-F238E27FC236}">
-                <a16:creationId xmlns:a16="http://schemas.microsoft.com/office/drawing/2014/main" id="{BDBB7D20-3AC2-51C8-AA8A-A5491FCD4726}"/>
+                <a16:creationId xmlns:a16="http://schemas.microsoft.com/office/drawing/2014/main" xmlns="" id="{BDBB7D20-3AC2-51C8-AA8A-A5491FCD4726}"/>
               </a:ext>
             </a:extLst>
           </p:cNvPr>
@@ -13462,7 +13587,7 @@
           <p:cNvPr id="9" name="Segnaposto contenuto 2">
             <a:extLst>
               <a:ext uri="{FF2B5EF4-FFF2-40B4-BE49-F238E27FC236}">
-                <a16:creationId xmlns:a16="http://schemas.microsoft.com/office/drawing/2014/main" id="{8DF74287-8199-C54D-5B1C-6FF6A0E99B42}"/>
+                <a16:creationId xmlns:a16="http://schemas.microsoft.com/office/drawing/2014/main" xmlns="" id="{8DF74287-8199-C54D-5B1C-6FF6A0E99B42}"/>
               </a:ext>
             </a:extLst>
           </p:cNvPr>
@@ -13568,7 +13693,7 @@
           <p:cNvPr id="4" name="CasellaDiTesto 3">
             <a:extLst>
               <a:ext uri="{FF2B5EF4-FFF2-40B4-BE49-F238E27FC236}">
-                <a16:creationId xmlns:a16="http://schemas.microsoft.com/office/drawing/2014/main" id="{F05D4342-F997-8C5B-EB9E-7D6C4E34261E}"/>
+                <a16:creationId xmlns:a16="http://schemas.microsoft.com/office/drawing/2014/main" xmlns="" id="{F05D4342-F997-8C5B-EB9E-7D6C4E34261E}"/>
               </a:ext>
             </a:extLst>
           </p:cNvPr>
@@ -14859,6 +14984,16 @@
             </a:r>
           </a:p>
           <a:p>
+            <a:r>
+              <a:rPr lang="it-IT" sz="900" b="0">
+                <a:solidFill>
+                  <a:srgbClr val="D4D4D4"/>
+                </a:solidFill>
+                <a:effectLst/>
+                <a:latin typeface="Consolas" panose="020B0609020204030204" pitchFamily="49" charset="0"/>
+              </a:rPr>
+              <a:t/>
+            </a:r>
             <a:br>
               <a:rPr lang="it-IT" sz="900" b="0">
                 <a:solidFill>
@@ -15967,7 +16102,7 @@
           <p:cNvPr id="2" name="Titolo 1">
             <a:extLst>
               <a:ext uri="{FF2B5EF4-FFF2-40B4-BE49-F238E27FC236}">
-                <a16:creationId xmlns:a16="http://schemas.microsoft.com/office/drawing/2014/main" id="{E84D6F7A-C5C5-40C7-0FD8-F1C4CD4F3D65}"/>
+                <a16:creationId xmlns:a16="http://schemas.microsoft.com/office/drawing/2014/main" xmlns="" id="{E84D6F7A-C5C5-40C7-0FD8-F1C4CD4F3D65}"/>
               </a:ext>
             </a:extLst>
           </p:cNvPr>
@@ -16039,7 +16174,7 @@
           <p:cNvPr id="8" name="Segnaposto contenuto 2">
             <a:extLst>
               <a:ext uri="{FF2B5EF4-FFF2-40B4-BE49-F238E27FC236}">
-                <a16:creationId xmlns:a16="http://schemas.microsoft.com/office/drawing/2014/main" id="{BDBB7D20-3AC2-51C8-AA8A-A5491FCD4726}"/>
+                <a16:creationId xmlns:a16="http://schemas.microsoft.com/office/drawing/2014/main" xmlns="" id="{BDBB7D20-3AC2-51C8-AA8A-A5491FCD4726}"/>
               </a:ext>
             </a:extLst>
           </p:cNvPr>
@@ -16239,7 +16374,7 @@
           <p:cNvPr id="9" name="Segnaposto contenuto 2">
             <a:extLst>
               <a:ext uri="{FF2B5EF4-FFF2-40B4-BE49-F238E27FC236}">
-                <a16:creationId xmlns:a16="http://schemas.microsoft.com/office/drawing/2014/main" id="{8DF74287-8199-C54D-5B1C-6FF6A0E99B42}"/>
+                <a16:creationId xmlns:a16="http://schemas.microsoft.com/office/drawing/2014/main" xmlns="" id="{8DF74287-8199-C54D-5B1C-6FF6A0E99B42}"/>
               </a:ext>
             </a:extLst>
           </p:cNvPr>
@@ -16332,7 +16467,7 @@
           <p:cNvPr id="4" name="CasellaDiTesto 3">
             <a:extLst>
               <a:ext uri="{FF2B5EF4-FFF2-40B4-BE49-F238E27FC236}">
-                <a16:creationId xmlns:a16="http://schemas.microsoft.com/office/drawing/2014/main" id="{53E2F5F1-C562-3991-7035-862794FA2C99}"/>
+                <a16:creationId xmlns:a16="http://schemas.microsoft.com/office/drawing/2014/main" xmlns="" id="{53E2F5F1-C562-3991-7035-862794FA2C99}"/>
               </a:ext>
             </a:extLst>
           </p:cNvPr>
@@ -18000,7 +18135,7 @@
           <p:cNvPr id="2" name="Titolo 1">
             <a:extLst>
               <a:ext uri="{FF2B5EF4-FFF2-40B4-BE49-F238E27FC236}">
-                <a16:creationId xmlns:a16="http://schemas.microsoft.com/office/drawing/2014/main" id="{E84D6F7A-C5C5-40C7-0FD8-F1C4CD4F3D65}"/>
+                <a16:creationId xmlns:a16="http://schemas.microsoft.com/office/drawing/2014/main" xmlns="" id="{E84D6F7A-C5C5-40C7-0FD8-F1C4CD4F3D65}"/>
               </a:ext>
             </a:extLst>
           </p:cNvPr>
@@ -18072,7 +18207,7 @@
           <p:cNvPr id="8" name="Segnaposto contenuto 2">
             <a:extLst>
               <a:ext uri="{FF2B5EF4-FFF2-40B4-BE49-F238E27FC236}">
-                <a16:creationId xmlns:a16="http://schemas.microsoft.com/office/drawing/2014/main" id="{BDBB7D20-3AC2-51C8-AA8A-A5491FCD4726}"/>
+                <a16:creationId xmlns:a16="http://schemas.microsoft.com/office/drawing/2014/main" xmlns="" id="{BDBB7D20-3AC2-51C8-AA8A-A5491FCD4726}"/>
               </a:ext>
             </a:extLst>
           </p:cNvPr>
@@ -18272,7 +18407,7 @@
           <p:cNvPr id="9" name="Segnaposto contenuto 2">
             <a:extLst>
               <a:ext uri="{FF2B5EF4-FFF2-40B4-BE49-F238E27FC236}">
-                <a16:creationId xmlns:a16="http://schemas.microsoft.com/office/drawing/2014/main" id="{8DF74287-8199-C54D-5B1C-6FF6A0E99B42}"/>
+                <a16:creationId xmlns:a16="http://schemas.microsoft.com/office/drawing/2014/main" xmlns="" id="{8DF74287-8199-C54D-5B1C-6FF6A0E99B42}"/>
               </a:ext>
             </a:extLst>
           </p:cNvPr>
@@ -18408,7 +18543,7 @@
           <p:cNvPr id="4" name="CasellaDiTesto 3">
             <a:extLst>
               <a:ext uri="{FF2B5EF4-FFF2-40B4-BE49-F238E27FC236}">
-                <a16:creationId xmlns:a16="http://schemas.microsoft.com/office/drawing/2014/main" id="{CADCE5E5-F72B-A606-BC38-DB100A7E96F7}"/>
+                <a16:creationId xmlns:a16="http://schemas.microsoft.com/office/drawing/2014/main" xmlns="" id="{CADCE5E5-F72B-A606-BC38-DB100A7E96F7}"/>
               </a:ext>
             </a:extLst>
           </p:cNvPr>
@@ -18654,6 +18789,16 @@
             </a:r>
           </a:p>
           <a:p>
+            <a:r>
+              <a:rPr lang="it-IT" sz="1050" b="0">
+                <a:solidFill>
+                  <a:srgbClr val="D4D4D4"/>
+                </a:solidFill>
+                <a:effectLst/>
+                <a:latin typeface="Consolas" panose="020B0609020204030204" pitchFamily="49" charset="0"/>
+              </a:rPr>
+              <a:t/>
+            </a:r>
             <a:br>
               <a:rPr lang="it-IT" sz="1050" b="0">
                 <a:solidFill>
@@ -18936,6 +19081,16 @@
             </a:r>
           </a:p>
           <a:p>
+            <a:r>
+              <a:rPr lang="it-IT" sz="1050" b="0">
+                <a:solidFill>
+                  <a:srgbClr val="D4D4D4"/>
+                </a:solidFill>
+                <a:effectLst/>
+                <a:latin typeface="Consolas" panose="020B0609020204030204" pitchFamily="49" charset="0"/>
+              </a:rPr>
+              <a:t/>
+            </a:r>
             <a:br>
               <a:rPr lang="it-IT" sz="1050" b="0">
                 <a:solidFill>
@@ -19106,6 +19261,16 @@
             </a:r>
           </a:p>
           <a:p>
+            <a:r>
+              <a:rPr lang="it-IT" sz="1050" b="0">
+                <a:solidFill>
+                  <a:srgbClr val="D4D4D4"/>
+                </a:solidFill>
+                <a:effectLst/>
+                <a:latin typeface="Consolas" panose="020B0609020204030204" pitchFamily="49" charset="0"/>
+              </a:rPr>
+              <a:t/>
+            </a:r>
             <a:br>
               <a:rPr lang="it-IT" sz="1050" b="0">
                 <a:solidFill>
@@ -19514,6 +19679,16 @@
             </a:r>
           </a:p>
           <a:p>
+            <a:r>
+              <a:rPr lang="it-IT" sz="1050" b="0">
+                <a:solidFill>
+                  <a:srgbClr val="D4D4D4"/>
+                </a:solidFill>
+                <a:effectLst/>
+                <a:latin typeface="Consolas" panose="020B0609020204030204" pitchFamily="49" charset="0"/>
+              </a:rPr>
+              <a:t/>
+            </a:r>
             <a:br>
               <a:rPr lang="it-IT" sz="1050" b="0">
                 <a:solidFill>
@@ -19942,6 +20117,16 @@
             </a:r>
           </a:p>
           <a:p>
+            <a:r>
+              <a:rPr lang="it-IT" sz="1050" b="0">
+                <a:solidFill>
+                  <a:srgbClr val="D4D4D4"/>
+                </a:solidFill>
+                <a:effectLst/>
+                <a:latin typeface="Consolas" panose="020B0609020204030204" pitchFamily="49" charset="0"/>
+              </a:rPr>
+              <a:t/>
+            </a:r>
             <a:br>
               <a:rPr lang="it-IT" sz="1050" b="0">
                 <a:solidFill>
@@ -20256,6 +20441,16 @@
             </a:r>
           </a:p>
           <a:p>
+            <a:r>
+              <a:rPr lang="it-IT" sz="1050" b="0">
+                <a:solidFill>
+                  <a:srgbClr val="D4D4D4"/>
+                </a:solidFill>
+                <a:effectLst/>
+                <a:latin typeface="Consolas" panose="020B0609020204030204" pitchFamily="49" charset="0"/>
+              </a:rPr>
+              <a:t/>
+            </a:r>
             <a:br>
               <a:rPr lang="it-IT" sz="1050" b="0">
                 <a:solidFill>
@@ -20601,6 +20796,16 @@
             </a:r>
           </a:p>
           <a:p>
+            <a:r>
+              <a:rPr lang="it-IT" sz="1050" b="0">
+                <a:solidFill>
+                  <a:srgbClr val="D4D4D4"/>
+                </a:solidFill>
+                <a:effectLst/>
+                <a:latin typeface="Consolas" panose="020B0609020204030204" pitchFamily="49" charset="0"/>
+              </a:rPr>
+              <a:t/>
+            </a:r>
             <a:br>
               <a:rPr lang="it-IT" sz="1050" b="0">
                 <a:solidFill>
@@ -20755,7 +20960,7 @@
           <p:cNvPr id="2" name="Titolo 1">
             <a:extLst>
               <a:ext uri="{FF2B5EF4-FFF2-40B4-BE49-F238E27FC236}">
-                <a16:creationId xmlns:a16="http://schemas.microsoft.com/office/drawing/2014/main" id="{E84D6F7A-C5C5-40C7-0FD8-F1C4CD4F3D65}"/>
+                <a16:creationId xmlns:a16="http://schemas.microsoft.com/office/drawing/2014/main" xmlns="" id="{E84D6F7A-C5C5-40C7-0FD8-F1C4CD4F3D65}"/>
               </a:ext>
             </a:extLst>
           </p:cNvPr>
@@ -20803,7 +21008,7 @@
           <p:cNvPr id="3" name="Segnaposto contenuto 2">
             <a:extLst>
               <a:ext uri="{FF2B5EF4-FFF2-40B4-BE49-F238E27FC236}">
-                <a16:creationId xmlns:a16="http://schemas.microsoft.com/office/drawing/2014/main" id="{BF6317FD-0060-35A3-A9F2-27B937DE131C}"/>
+                <a16:creationId xmlns:a16="http://schemas.microsoft.com/office/drawing/2014/main" xmlns="" id="{BF6317FD-0060-35A3-A9F2-27B937DE131C}"/>
               </a:ext>
             </a:extLst>
           </p:cNvPr>
@@ -20866,7 +21071,7 @@
 </p:sld>
 </file>
 
-<file path=ppt/slides/slide3.xml><?xml version="1.0" encoding="utf-8"?>
+<file path=ppt/slides/slide20.xml><?xml version="1.0" encoding="utf-8"?>
 <p:sld xmlns:a="http://schemas.openxmlformats.org/drawingml/2006/main" xmlns:r="http://schemas.openxmlformats.org/officeDocument/2006/relationships" xmlns:p="http://schemas.openxmlformats.org/presentationml/2006/main">
   <p:cSld>
     <p:spTree>
@@ -20888,7 +21093,7 @@
           <p:cNvPr id="2" name="Titolo 1">
             <a:extLst>
               <a:ext uri="{FF2B5EF4-FFF2-40B4-BE49-F238E27FC236}">
-                <a16:creationId xmlns:a16="http://schemas.microsoft.com/office/drawing/2014/main" id="{E84D6F7A-C5C5-40C7-0FD8-F1C4CD4F3D65}"/>
+                <a16:creationId xmlns:a16="http://schemas.microsoft.com/office/drawing/2014/main" xmlns="" id="{E84D6F7A-C5C5-40C7-0FD8-F1C4CD4F3D65}"/>
               </a:ext>
             </a:extLst>
           </p:cNvPr>
@@ -20901,7 +21106,7 @@
         </p:nvSpPr>
         <p:spPr>
           <a:xfrm>
-            <a:off x="934720" y="521238"/>
+            <a:off x="934720" y="-25403"/>
             <a:ext cx="10419078" cy="1325563"/>
           </a:xfrm>
         </p:spPr>
@@ -20913,7 +21118,7 @@
           <a:p>
             <a:pPr algn="ctr"/>
             <a:r>
-              <a:rPr lang="en-US" sz="4400" b="0" i="0" u="none" strike="noStrike" baseline="0" dirty="0">
+              <a:rPr lang="en-US" sz="4400" b="0" i="0" u="none" strike="noStrike" baseline="0">
                 <a:solidFill>
                   <a:schemeClr val="accent2">
                     <a:lumMod val="75000"/>
@@ -20921,7 +21126,29 @@
                 </a:solidFill>
                 <a:latin typeface="CMR17"/>
               </a:rPr>
-              <a:t>Great Expectations</a:t>
+              <a:t>Testing </a:t>
+            </a:r>
+            <a:r>
+              <a:rPr lang="en-US" sz="4400" b="0" i="0" u="sng" strike="noStrike" baseline="0">
+                <a:solidFill>
+                  <a:schemeClr val="accent2">
+                    <a:lumMod val="75000"/>
+                  </a:schemeClr>
+                </a:solidFill>
+                <a:latin typeface="CMR17"/>
+              </a:rPr>
+              <a:t>Model Evaluations</a:t>
+            </a:r>
+            <a:r>
+              <a:rPr lang="en-US" sz="4400" b="0" i="0" u="none" strike="noStrike" baseline="0">
+                <a:solidFill>
+                  <a:schemeClr val="accent2">
+                    <a:lumMod val="75000"/>
+                  </a:schemeClr>
+                </a:solidFill>
+                <a:latin typeface="CMR17"/>
+              </a:rPr>
+              <a:t>-Description</a:t>
             </a:r>
             <a:endParaRPr lang="it-IT" b="1" dirty="0">
               <a:solidFill>
@@ -20938,7 +21165,7 @@
           <p:cNvPr id="8" name="Segnaposto contenuto 2">
             <a:extLst>
               <a:ext uri="{FF2B5EF4-FFF2-40B4-BE49-F238E27FC236}">
-                <a16:creationId xmlns:a16="http://schemas.microsoft.com/office/drawing/2014/main" id="{BDBB7D20-3AC2-51C8-AA8A-A5491FCD4726}"/>
+                <a16:creationId xmlns:a16="http://schemas.microsoft.com/office/drawing/2014/main" xmlns="" id="{BDBB7D20-3AC2-51C8-AA8A-A5491FCD4726}"/>
               </a:ext>
             </a:extLst>
           </p:cNvPr>
@@ -21138,7 +21365,3672 @@
           <p:cNvPr id="9" name="Segnaposto contenuto 2">
             <a:extLst>
               <a:ext uri="{FF2B5EF4-FFF2-40B4-BE49-F238E27FC236}">
-                <a16:creationId xmlns:a16="http://schemas.microsoft.com/office/drawing/2014/main" id="{8DF74287-8199-C54D-5B1C-6FF6A0E99B42}"/>
+                <a16:creationId xmlns:a16="http://schemas.microsoft.com/office/drawing/2014/main" xmlns="" id="{8DF74287-8199-C54D-5B1C-6FF6A0E99B42}"/>
+              </a:ext>
+            </a:extLst>
+          </p:cNvPr>
+          <p:cNvSpPr>
+            <a:spLocks noGrp="1"/>
+          </p:cNvSpPr>
+          <p:nvPr>
+            <p:ph idx="1"/>
+          </p:nvPr>
+        </p:nvSpPr>
+        <p:spPr>
+          <a:xfrm>
+            <a:off x="838200" y="1825624"/>
+            <a:ext cx="4691332" cy="4591953"/>
+          </a:xfrm>
+        </p:spPr>
+        <p:txBody>
+          <a:bodyPr>
+            <a:normAutofit/>
+          </a:bodyPr>
+          <a:lstStyle/>
+          <a:p>
+            <a:r>
+              <a:rPr lang="en-US" sz="2000" b="1">
+                <a:solidFill>
+                  <a:schemeClr val="tx1">
+                    <a:lumMod val="85000"/>
+                    <a:lumOff val="15000"/>
+                  </a:schemeClr>
+                </a:solidFill>
+              </a:rPr>
+              <a:t>test_ invariance(): </a:t>
+            </a:r>
+            <a:r>
+              <a:rPr lang="en-US" sz="2000">
+                <a:solidFill>
+                  <a:schemeClr val="tx1">
+                    <a:lumMod val="85000"/>
+                    <a:lumOff val="15000"/>
+                  </a:schemeClr>
+                </a:solidFill>
+              </a:rPr>
+              <a:t>This test is made getting an image and applying three different transformation:</a:t>
+            </a:r>
+          </a:p>
+          <a:p>
+            <a:pPr lvl="1"/>
+            <a:r>
+              <a:rPr lang="en-US" sz="1600">
+                <a:solidFill>
+                  <a:schemeClr val="tx1">
+                    <a:lumMod val="85000"/>
+                    <a:lumOff val="15000"/>
+                  </a:schemeClr>
+                </a:solidFill>
+              </a:rPr>
+              <a:t>Flipping</a:t>
+            </a:r>
+          </a:p>
+          <a:p>
+            <a:pPr lvl="2"/>
+            <a:r>
+              <a:rPr lang="en-US" sz="1200">
+                <a:solidFill>
+                  <a:schemeClr val="tx1">
+                    <a:lumMod val="85000"/>
+                    <a:lumOff val="15000"/>
+                  </a:schemeClr>
+                </a:solidFill>
+              </a:rPr>
+              <a:t>-1</a:t>
+            </a:r>
+          </a:p>
+          <a:p>
+            <a:pPr lvl="2"/>
+            <a:r>
+              <a:rPr lang="en-US" sz="1200">
+                <a:solidFill>
+                  <a:schemeClr val="tx1">
+                    <a:lumMod val="85000"/>
+                    <a:lumOff val="15000"/>
+                  </a:schemeClr>
+                </a:solidFill>
+              </a:rPr>
+              <a:t>+1</a:t>
+            </a:r>
+          </a:p>
+          <a:p>
+            <a:pPr lvl="1"/>
+            <a:r>
+              <a:rPr lang="en-US" sz="1600">
+                <a:solidFill>
+                  <a:schemeClr val="tx1">
+                    <a:lumMod val="85000"/>
+                    <a:lumOff val="15000"/>
+                  </a:schemeClr>
+                </a:solidFill>
+              </a:rPr>
+              <a:t>GaussianBlur </a:t>
+            </a:r>
+          </a:p>
+          <a:p>
+            <a:r>
+              <a:rPr lang="en-US" sz="2000">
+                <a:solidFill>
+                  <a:schemeClr val="tx1">
+                    <a:lumMod val="85000"/>
+                    <a:lumOff val="15000"/>
+                  </a:schemeClr>
+                </a:solidFill>
+              </a:rPr>
+              <a:t>The goal is to check that, despite the transfromations, the classification must return same predictions since the transformed images are semantically equivalent.</a:t>
+            </a:r>
+          </a:p>
+          <a:p>
+            <a:pPr marL="457200" indent="-457200">
+              <a:buFont typeface="+mj-lt"/>
+              <a:buAutoNum type="arabicPeriod"/>
+            </a:pPr>
+            <a:endParaRPr lang="en-US" sz="2000" b="1" dirty="0">
+              <a:solidFill>
+                <a:schemeClr val="tx1">
+                  <a:lumMod val="85000"/>
+                  <a:lumOff val="15000"/>
+                </a:schemeClr>
+              </a:solidFill>
+            </a:endParaRPr>
+          </a:p>
+        </p:txBody>
+      </p:sp>
+      <p:sp>
+        <p:nvSpPr>
+          <p:cNvPr id="4" name="CasellaDiTesto 3">
+            <a:extLst>
+              <a:ext uri="{FF2B5EF4-FFF2-40B4-BE49-F238E27FC236}">
+                <a16:creationId xmlns:a16="http://schemas.microsoft.com/office/drawing/2014/main" xmlns="" id="{CADCE5E5-F72B-A606-BC38-DB100A7E96F7}"/>
+              </a:ext>
+            </a:extLst>
+          </p:cNvPr>
+          <p:cNvSpPr txBox="1"/>
+          <p:nvPr/>
+        </p:nvSpPr>
+        <p:spPr>
+          <a:xfrm>
+            <a:off x="5902624" y="1265158"/>
+            <a:ext cx="6094562" cy="5424562"/>
+          </a:xfrm>
+          <a:prstGeom prst="rect">
+            <a:avLst/>
+          </a:prstGeom>
+          <a:solidFill>
+            <a:schemeClr val="tx1">
+              <a:lumMod val="85000"/>
+              <a:lumOff val="15000"/>
+            </a:schemeClr>
+          </a:solidFill>
+        </p:spPr>
+        <p:txBody>
+          <a:bodyPr wrap="square">
+            <a:spAutoFit/>
+          </a:bodyPr>
+          <a:lstStyle/>
+          <a:p>
+            <a:r>
+              <a:rPr lang="it-IT" sz="1050" b="0">
+                <a:solidFill>
+                  <a:srgbClr val="569CD6"/>
+                </a:solidFill>
+                <a:effectLst/>
+                <a:latin typeface="Consolas" panose="020B0609020204030204" pitchFamily="49" charset="0"/>
+              </a:rPr>
+              <a:t>def</a:t>
+            </a:r>
+            <a:r>
+              <a:rPr lang="it-IT" sz="1050" b="0">
+                <a:solidFill>
+                  <a:srgbClr val="D4D4D4"/>
+                </a:solidFill>
+                <a:effectLst/>
+                <a:latin typeface="Consolas" panose="020B0609020204030204" pitchFamily="49" charset="0"/>
+              </a:rPr>
+              <a:t> </a:t>
+            </a:r>
+            <a:r>
+              <a:rPr lang="it-IT" sz="1050" b="0">
+                <a:solidFill>
+                  <a:srgbClr val="DCDCAA"/>
+                </a:solidFill>
+                <a:effectLst/>
+                <a:latin typeface="Consolas" panose="020B0609020204030204" pitchFamily="49" charset="0"/>
+              </a:rPr>
+              <a:t>test_invariance</a:t>
+            </a:r>
+            <a:r>
+              <a:rPr lang="it-IT" sz="1050" b="0">
+                <a:solidFill>
+                  <a:srgbClr val="D4D4D4"/>
+                </a:solidFill>
+                <a:effectLst/>
+                <a:latin typeface="Consolas" panose="020B0609020204030204" pitchFamily="49" charset="0"/>
+              </a:rPr>
+              <a:t>():</a:t>
+            </a:r>
+          </a:p>
+          <a:p>
+            <a:r>
+              <a:rPr lang="it-IT" sz="1050" b="0">
+                <a:solidFill>
+                  <a:srgbClr val="D4D4D4"/>
+                </a:solidFill>
+                <a:effectLst/>
+                <a:latin typeface="Consolas" panose="020B0609020204030204" pitchFamily="49" charset="0"/>
+              </a:rPr>
+              <a:t>    </a:t>
+            </a:r>
+            <a:r>
+              <a:rPr lang="it-IT" sz="1050" b="0">
+                <a:solidFill>
+                  <a:srgbClr val="9CDCFE"/>
+                </a:solidFill>
+                <a:effectLst/>
+                <a:latin typeface="Consolas" panose="020B0609020204030204" pitchFamily="49" charset="0"/>
+              </a:rPr>
+              <a:t>model_</a:t>
+            </a:r>
+            <a:r>
+              <a:rPr lang="it-IT" sz="1050" b="0">
+                <a:solidFill>
+                  <a:srgbClr val="D4D4D4"/>
+                </a:solidFill>
+                <a:effectLst/>
+                <a:latin typeface="Consolas" panose="020B0609020204030204" pitchFamily="49" charset="0"/>
+              </a:rPr>
+              <a:t> = </a:t>
+            </a:r>
+            <a:r>
+              <a:rPr lang="it-IT" sz="1050" b="0">
+                <a:solidFill>
+                  <a:srgbClr val="4EC9B0"/>
+                </a:solidFill>
+                <a:effectLst/>
+                <a:latin typeface="Consolas" panose="020B0609020204030204" pitchFamily="49" charset="0"/>
+              </a:rPr>
+              <a:t>Model</a:t>
+            </a:r>
+            <a:r>
+              <a:rPr lang="it-IT" sz="1050" b="0">
+                <a:solidFill>
+                  <a:srgbClr val="D4D4D4"/>
+                </a:solidFill>
+                <a:effectLst/>
+                <a:latin typeface="Consolas" panose="020B0609020204030204" pitchFamily="49" charset="0"/>
+              </a:rPr>
+              <a:t>()</a:t>
+            </a:r>
+          </a:p>
+          <a:p>
+            <a:r>
+              <a:rPr lang="it-IT" sz="1050" b="0">
+                <a:solidFill>
+                  <a:srgbClr val="D4D4D4"/>
+                </a:solidFill>
+                <a:effectLst/>
+                <a:latin typeface="Consolas" panose="020B0609020204030204" pitchFamily="49" charset="0"/>
+              </a:rPr>
+              <a:t>    </a:t>
+            </a:r>
+            <a:r>
+              <a:rPr lang="it-IT" sz="1050" b="0">
+                <a:solidFill>
+                  <a:srgbClr val="9CDCFE"/>
+                </a:solidFill>
+                <a:effectLst/>
+                <a:latin typeface="Consolas" panose="020B0609020204030204" pitchFamily="49" charset="0"/>
+              </a:rPr>
+              <a:t>data</a:t>
+            </a:r>
+            <a:r>
+              <a:rPr lang="it-IT" sz="1050" b="0">
+                <a:solidFill>
+                  <a:srgbClr val="D4D4D4"/>
+                </a:solidFill>
+                <a:effectLst/>
+                <a:latin typeface="Consolas" panose="020B0609020204030204" pitchFamily="49" charset="0"/>
+              </a:rPr>
+              <a:t> = </a:t>
+            </a:r>
+            <a:r>
+              <a:rPr lang="it-IT" sz="1050" b="0">
+                <a:solidFill>
+                  <a:srgbClr val="4EC9B0"/>
+                </a:solidFill>
+                <a:effectLst/>
+                <a:latin typeface="Consolas" panose="020B0609020204030204" pitchFamily="49" charset="0"/>
+              </a:rPr>
+              <a:t>Dataset</a:t>
+            </a:r>
+            <a:r>
+              <a:rPr lang="it-IT" sz="1050" b="0">
+                <a:solidFill>
+                  <a:srgbClr val="D4D4D4"/>
+                </a:solidFill>
+                <a:effectLst/>
+                <a:latin typeface="Consolas" panose="020B0609020204030204" pitchFamily="49" charset="0"/>
+              </a:rPr>
+              <a:t>()</a:t>
+            </a:r>
+          </a:p>
+          <a:p>
+            <a:r>
+              <a:rPr lang="it-IT" sz="1050" b="0">
+                <a:solidFill>
+                  <a:srgbClr val="D4D4D4"/>
+                </a:solidFill>
+                <a:effectLst/>
+                <a:latin typeface="Consolas" panose="020B0609020204030204" pitchFamily="49" charset="0"/>
+              </a:rPr>
+              <a:t>    </a:t>
+            </a:r>
+            <a:r>
+              <a:rPr lang="it-IT" sz="1050" b="0">
+                <a:solidFill>
+                  <a:srgbClr val="9CDCFE"/>
+                </a:solidFill>
+                <a:effectLst/>
+                <a:latin typeface="Consolas" panose="020B0609020204030204" pitchFamily="49" charset="0"/>
+              </a:rPr>
+              <a:t>testSet</a:t>
+            </a:r>
+            <a:r>
+              <a:rPr lang="it-IT" sz="1050" b="0">
+                <a:solidFill>
+                  <a:srgbClr val="D4D4D4"/>
+                </a:solidFill>
+                <a:effectLst/>
+                <a:latin typeface="Consolas" panose="020B0609020204030204" pitchFamily="49" charset="0"/>
+              </a:rPr>
+              <a:t> = </a:t>
+            </a:r>
+            <a:r>
+              <a:rPr lang="it-IT" sz="1050" b="0">
+                <a:solidFill>
+                  <a:srgbClr val="9CDCFE"/>
+                </a:solidFill>
+                <a:effectLst/>
+                <a:latin typeface="Consolas" panose="020B0609020204030204" pitchFamily="49" charset="0"/>
+              </a:rPr>
+              <a:t>data</a:t>
+            </a:r>
+            <a:r>
+              <a:rPr lang="it-IT" sz="1050" b="0">
+                <a:solidFill>
+                  <a:srgbClr val="D4D4D4"/>
+                </a:solidFill>
+                <a:effectLst/>
+                <a:latin typeface="Consolas" panose="020B0609020204030204" pitchFamily="49" charset="0"/>
+              </a:rPr>
+              <a:t>.</a:t>
+            </a:r>
+            <a:r>
+              <a:rPr lang="it-IT" sz="1050" b="0">
+                <a:solidFill>
+                  <a:srgbClr val="DCDCAA"/>
+                </a:solidFill>
+                <a:effectLst/>
+                <a:latin typeface="Consolas" panose="020B0609020204030204" pitchFamily="49" charset="0"/>
+              </a:rPr>
+              <a:t>getTestSet</a:t>
+            </a:r>
+            <a:r>
+              <a:rPr lang="it-IT" sz="1050" b="0">
+                <a:solidFill>
+                  <a:srgbClr val="D4D4D4"/>
+                </a:solidFill>
+                <a:effectLst/>
+                <a:latin typeface="Consolas" panose="020B0609020204030204" pitchFamily="49" charset="0"/>
+              </a:rPr>
+              <a:t>()</a:t>
+            </a:r>
+          </a:p>
+          <a:p>
+            <a:r>
+              <a:rPr lang="it-IT" sz="1050" b="0">
+                <a:solidFill>
+                  <a:srgbClr val="D4D4D4"/>
+                </a:solidFill>
+                <a:effectLst/>
+                <a:latin typeface="Consolas" panose="020B0609020204030204" pitchFamily="49" charset="0"/>
+              </a:rPr>
+              <a:t/>
+            </a:r>
+            <a:br>
+              <a:rPr lang="it-IT" sz="1050" b="0">
+                <a:solidFill>
+                  <a:srgbClr val="D4D4D4"/>
+                </a:solidFill>
+                <a:effectLst/>
+                <a:latin typeface="Consolas" panose="020B0609020204030204" pitchFamily="49" charset="0"/>
+              </a:rPr>
+            </a:br>
+            <a:r>
+              <a:rPr lang="it-IT" sz="1050" b="0">
+                <a:solidFill>
+                  <a:srgbClr val="D4D4D4"/>
+                </a:solidFill>
+                <a:effectLst/>
+                <a:latin typeface="Consolas" panose="020B0609020204030204" pitchFamily="49" charset="0"/>
+              </a:rPr>
+              <a:t>    </a:t>
+            </a:r>
+            <a:r>
+              <a:rPr lang="it-IT" sz="1050" b="0">
+                <a:solidFill>
+                  <a:srgbClr val="6A9955"/>
+                </a:solidFill>
+                <a:effectLst/>
+                <a:latin typeface="Consolas" panose="020B0609020204030204" pitchFamily="49" charset="0"/>
+              </a:rPr>
+              <a:t># Load the model</a:t>
+            </a:r>
+            <a:endParaRPr lang="it-IT" sz="1050" b="0">
+              <a:solidFill>
+                <a:srgbClr val="D4D4D4"/>
+              </a:solidFill>
+              <a:effectLst/>
+              <a:latin typeface="Consolas" panose="020B0609020204030204" pitchFamily="49" charset="0"/>
+            </a:endParaRPr>
+          </a:p>
+          <a:p>
+            <a:r>
+              <a:rPr lang="it-IT" sz="1050" b="0">
+                <a:solidFill>
+                  <a:srgbClr val="D4D4D4"/>
+                </a:solidFill>
+                <a:effectLst/>
+                <a:latin typeface="Consolas" panose="020B0609020204030204" pitchFamily="49" charset="0"/>
+              </a:rPr>
+              <a:t>    </a:t>
+            </a:r>
+            <a:r>
+              <a:rPr lang="it-IT" sz="1050" b="0">
+                <a:solidFill>
+                  <a:srgbClr val="9CDCFE"/>
+                </a:solidFill>
+                <a:effectLst/>
+                <a:latin typeface="Consolas" panose="020B0609020204030204" pitchFamily="49" charset="0"/>
+              </a:rPr>
+              <a:t>loaded_model</a:t>
+            </a:r>
+            <a:r>
+              <a:rPr lang="it-IT" sz="1050" b="0">
+                <a:solidFill>
+                  <a:srgbClr val="D4D4D4"/>
+                </a:solidFill>
+                <a:effectLst/>
+                <a:latin typeface="Consolas" panose="020B0609020204030204" pitchFamily="49" charset="0"/>
+              </a:rPr>
+              <a:t> = </a:t>
+            </a:r>
+            <a:r>
+              <a:rPr lang="it-IT" sz="1050" b="0">
+                <a:solidFill>
+                  <a:srgbClr val="9CDCFE"/>
+                </a:solidFill>
+                <a:effectLst/>
+                <a:latin typeface="Consolas" panose="020B0609020204030204" pitchFamily="49" charset="0"/>
+              </a:rPr>
+              <a:t>model_</a:t>
+            </a:r>
+            <a:r>
+              <a:rPr lang="it-IT" sz="1050" b="0">
+                <a:solidFill>
+                  <a:srgbClr val="D4D4D4"/>
+                </a:solidFill>
+                <a:effectLst/>
+                <a:latin typeface="Consolas" panose="020B0609020204030204" pitchFamily="49" charset="0"/>
+              </a:rPr>
+              <a:t>.</a:t>
+            </a:r>
+            <a:r>
+              <a:rPr lang="it-IT" sz="1050" b="0">
+                <a:solidFill>
+                  <a:srgbClr val="DCDCAA"/>
+                </a:solidFill>
+                <a:effectLst/>
+                <a:latin typeface="Consolas" panose="020B0609020204030204" pitchFamily="49" charset="0"/>
+              </a:rPr>
+              <a:t>loadModel</a:t>
+            </a:r>
+            <a:r>
+              <a:rPr lang="it-IT" sz="1050" b="0">
+                <a:solidFill>
+                  <a:srgbClr val="D4D4D4"/>
+                </a:solidFill>
+                <a:effectLst/>
+                <a:latin typeface="Consolas" panose="020B0609020204030204" pitchFamily="49" charset="0"/>
+              </a:rPr>
+              <a:t>(</a:t>
+            </a:r>
+            <a:r>
+              <a:rPr lang="it-IT" sz="1050" b="0">
+                <a:solidFill>
+                  <a:srgbClr val="4EC9B0"/>
+                </a:solidFill>
+                <a:effectLst/>
+                <a:latin typeface="Consolas" panose="020B0609020204030204" pitchFamily="49" charset="0"/>
+              </a:rPr>
+              <a:t>os</a:t>
+            </a:r>
+            <a:r>
+              <a:rPr lang="it-IT" sz="1050" b="0">
+                <a:solidFill>
+                  <a:srgbClr val="D4D4D4"/>
+                </a:solidFill>
+                <a:effectLst/>
+                <a:latin typeface="Consolas" panose="020B0609020204030204" pitchFamily="49" charset="0"/>
+              </a:rPr>
+              <a:t>.</a:t>
+            </a:r>
+            <a:r>
+              <a:rPr lang="it-IT" sz="1050" b="0">
+                <a:solidFill>
+                  <a:srgbClr val="9CDCFE"/>
+                </a:solidFill>
+                <a:effectLst/>
+                <a:latin typeface="Consolas" panose="020B0609020204030204" pitchFamily="49" charset="0"/>
+              </a:rPr>
+              <a:t>path</a:t>
+            </a:r>
+            <a:r>
+              <a:rPr lang="it-IT" sz="1050" b="0">
+                <a:solidFill>
+                  <a:srgbClr val="D4D4D4"/>
+                </a:solidFill>
+                <a:effectLst/>
+                <a:latin typeface="Consolas" panose="020B0609020204030204" pitchFamily="49" charset="0"/>
+              </a:rPr>
+              <a:t>.</a:t>
+            </a:r>
+            <a:r>
+              <a:rPr lang="it-IT" sz="1050" b="0">
+                <a:solidFill>
+                  <a:srgbClr val="DCDCAA"/>
+                </a:solidFill>
+                <a:effectLst/>
+                <a:latin typeface="Consolas" panose="020B0609020204030204" pitchFamily="49" charset="0"/>
+              </a:rPr>
+              <a:t>join</a:t>
+            </a:r>
+            <a:r>
+              <a:rPr lang="it-IT" sz="1050" b="0">
+                <a:solidFill>
+                  <a:srgbClr val="D4D4D4"/>
+                </a:solidFill>
+                <a:effectLst/>
+                <a:latin typeface="Consolas" panose="020B0609020204030204" pitchFamily="49" charset="0"/>
+              </a:rPr>
+              <a:t>(</a:t>
+            </a:r>
+            <a:r>
+              <a:rPr lang="it-IT" sz="1050" b="0">
+                <a:solidFill>
+                  <a:srgbClr val="CE9178"/>
+                </a:solidFill>
+                <a:effectLst/>
+                <a:latin typeface="Consolas" panose="020B0609020204030204" pitchFamily="49" charset="0"/>
+              </a:rPr>
+              <a:t>"models"</a:t>
+            </a:r>
+            <a:r>
+              <a:rPr lang="it-IT" sz="1050" b="0">
+                <a:solidFill>
+                  <a:srgbClr val="D4D4D4"/>
+                </a:solidFill>
+                <a:effectLst/>
+                <a:latin typeface="Consolas" panose="020B0609020204030204" pitchFamily="49" charset="0"/>
+              </a:rPr>
+              <a:t>, </a:t>
+            </a:r>
+            <a:r>
+              <a:rPr lang="it-IT" sz="1050" b="0">
+                <a:solidFill>
+                  <a:srgbClr val="CE9178"/>
+                </a:solidFill>
+                <a:effectLst/>
+                <a:latin typeface="Consolas" panose="020B0609020204030204" pitchFamily="49" charset="0"/>
+              </a:rPr>
+              <a:t>"saved-model"</a:t>
+            </a:r>
+            <a:r>
+              <a:rPr lang="it-IT" sz="1050" b="0">
+                <a:solidFill>
+                  <a:srgbClr val="D4D4D4"/>
+                </a:solidFill>
+                <a:effectLst/>
+                <a:latin typeface="Consolas" panose="020B0609020204030204" pitchFamily="49" charset="0"/>
+              </a:rPr>
+              <a:t>))</a:t>
+            </a:r>
+          </a:p>
+          <a:p>
+            <a:r>
+              <a:rPr lang="it-IT" sz="1050" b="0">
+                <a:solidFill>
+                  <a:srgbClr val="D4D4D4"/>
+                </a:solidFill>
+                <a:effectLst/>
+                <a:latin typeface="Consolas" panose="020B0609020204030204" pitchFamily="49" charset="0"/>
+              </a:rPr>
+              <a:t>    </a:t>
+            </a:r>
+            <a:r>
+              <a:rPr lang="it-IT" sz="1050" b="0">
+                <a:solidFill>
+                  <a:srgbClr val="9CDCFE"/>
+                </a:solidFill>
+                <a:effectLst/>
+                <a:latin typeface="Consolas" panose="020B0609020204030204" pitchFamily="49" charset="0"/>
+              </a:rPr>
+              <a:t>example</a:t>
+            </a:r>
+            <a:r>
+              <a:rPr lang="it-IT" sz="1050" b="0">
+                <a:solidFill>
+                  <a:srgbClr val="D4D4D4"/>
+                </a:solidFill>
+                <a:effectLst/>
+                <a:latin typeface="Consolas" panose="020B0609020204030204" pitchFamily="49" charset="0"/>
+              </a:rPr>
+              <a:t> = </a:t>
+            </a:r>
+            <a:r>
+              <a:rPr lang="it-IT" sz="1050" b="0">
+                <a:solidFill>
+                  <a:srgbClr val="4EC9B0"/>
+                </a:solidFill>
+                <a:effectLst/>
+                <a:latin typeface="Consolas" panose="020B0609020204030204" pitchFamily="49" charset="0"/>
+              </a:rPr>
+              <a:t>list</a:t>
+            </a:r>
+            <a:r>
+              <a:rPr lang="it-IT" sz="1050" b="0">
+                <a:solidFill>
+                  <a:srgbClr val="D4D4D4"/>
+                </a:solidFill>
+                <a:effectLst/>
+                <a:latin typeface="Consolas" panose="020B0609020204030204" pitchFamily="49" charset="0"/>
+              </a:rPr>
+              <a:t>(</a:t>
+            </a:r>
+            <a:r>
+              <a:rPr lang="it-IT" sz="1050" b="0">
+                <a:solidFill>
+                  <a:srgbClr val="9CDCFE"/>
+                </a:solidFill>
+                <a:effectLst/>
+                <a:latin typeface="Consolas" panose="020B0609020204030204" pitchFamily="49" charset="0"/>
+              </a:rPr>
+              <a:t>testSet</a:t>
+            </a:r>
+            <a:r>
+              <a:rPr lang="it-IT" sz="1050" b="0">
+                <a:solidFill>
+                  <a:srgbClr val="D4D4D4"/>
+                </a:solidFill>
+                <a:effectLst/>
+                <a:latin typeface="Consolas" panose="020B0609020204030204" pitchFamily="49" charset="0"/>
+              </a:rPr>
+              <a:t>.as_numpy_iterator())</a:t>
+            </a:r>
+          </a:p>
+          <a:p>
+            <a:r>
+              <a:rPr lang="it-IT" sz="1050" b="0">
+                <a:solidFill>
+                  <a:srgbClr val="D4D4D4"/>
+                </a:solidFill>
+                <a:effectLst/>
+                <a:latin typeface="Consolas" panose="020B0609020204030204" pitchFamily="49" charset="0"/>
+              </a:rPr>
+              <a:t/>
+            </a:r>
+            <a:br>
+              <a:rPr lang="it-IT" sz="1050" b="0">
+                <a:solidFill>
+                  <a:srgbClr val="D4D4D4"/>
+                </a:solidFill>
+                <a:effectLst/>
+                <a:latin typeface="Consolas" panose="020B0609020204030204" pitchFamily="49" charset="0"/>
+              </a:rPr>
+            </a:br>
+            <a:r>
+              <a:rPr lang="it-IT" sz="1050" b="0">
+                <a:solidFill>
+                  <a:srgbClr val="D4D4D4"/>
+                </a:solidFill>
+                <a:effectLst/>
+                <a:latin typeface="Consolas" panose="020B0609020204030204" pitchFamily="49" charset="0"/>
+              </a:rPr>
+              <a:t>    </a:t>
+            </a:r>
+            <a:r>
+              <a:rPr lang="it-IT" sz="1050" b="0">
+                <a:solidFill>
+                  <a:srgbClr val="6A9955"/>
+                </a:solidFill>
+                <a:effectLst/>
+                <a:latin typeface="Consolas" panose="020B0609020204030204" pitchFamily="49" charset="0"/>
+              </a:rPr>
+              <a:t># Extract the image</a:t>
+            </a:r>
+            <a:endParaRPr lang="it-IT" sz="1050" b="0">
+              <a:solidFill>
+                <a:srgbClr val="D4D4D4"/>
+              </a:solidFill>
+              <a:effectLst/>
+              <a:latin typeface="Consolas" panose="020B0609020204030204" pitchFamily="49" charset="0"/>
+            </a:endParaRPr>
+          </a:p>
+          <a:p>
+            <a:r>
+              <a:rPr lang="it-IT" sz="1050" b="0">
+                <a:solidFill>
+                  <a:srgbClr val="D4D4D4"/>
+                </a:solidFill>
+                <a:effectLst/>
+                <a:latin typeface="Consolas" panose="020B0609020204030204" pitchFamily="49" charset="0"/>
+              </a:rPr>
+              <a:t>    </a:t>
+            </a:r>
+            <a:r>
+              <a:rPr lang="it-IT" sz="1050" b="0">
+                <a:solidFill>
+                  <a:srgbClr val="9CDCFE"/>
+                </a:solidFill>
+                <a:effectLst/>
+                <a:latin typeface="Consolas" panose="020B0609020204030204" pitchFamily="49" charset="0"/>
+              </a:rPr>
+              <a:t>image_matrix</a:t>
+            </a:r>
+            <a:r>
+              <a:rPr lang="it-IT" sz="1050" b="0">
+                <a:solidFill>
+                  <a:srgbClr val="D4D4D4"/>
+                </a:solidFill>
+                <a:effectLst/>
+                <a:latin typeface="Consolas" panose="020B0609020204030204" pitchFamily="49" charset="0"/>
+              </a:rPr>
+              <a:t> = </a:t>
+            </a:r>
+            <a:r>
+              <a:rPr lang="it-IT" sz="1050" b="0">
+                <a:solidFill>
+                  <a:srgbClr val="4EC9B0"/>
+                </a:solidFill>
+                <a:effectLst/>
+                <a:latin typeface="Consolas" panose="020B0609020204030204" pitchFamily="49" charset="0"/>
+              </a:rPr>
+              <a:t>np</a:t>
+            </a:r>
+            <a:r>
+              <a:rPr lang="it-IT" sz="1050" b="0">
+                <a:solidFill>
+                  <a:srgbClr val="D4D4D4"/>
+                </a:solidFill>
+                <a:effectLst/>
+                <a:latin typeface="Consolas" panose="020B0609020204030204" pitchFamily="49" charset="0"/>
+              </a:rPr>
+              <a:t>.</a:t>
+            </a:r>
+            <a:r>
+              <a:rPr lang="it-IT" sz="1050" b="0">
+                <a:solidFill>
+                  <a:srgbClr val="DCDCAA"/>
+                </a:solidFill>
+                <a:effectLst/>
+                <a:latin typeface="Consolas" panose="020B0609020204030204" pitchFamily="49" charset="0"/>
+              </a:rPr>
+              <a:t>squeeze</a:t>
+            </a:r>
+            <a:r>
+              <a:rPr lang="it-IT" sz="1050" b="0">
+                <a:solidFill>
+                  <a:srgbClr val="D4D4D4"/>
+                </a:solidFill>
+                <a:effectLst/>
+                <a:latin typeface="Consolas" panose="020B0609020204030204" pitchFamily="49" charset="0"/>
+              </a:rPr>
+              <a:t>(</a:t>
+            </a:r>
+            <a:r>
+              <a:rPr lang="it-IT" sz="1050" b="0">
+                <a:solidFill>
+                  <a:srgbClr val="9CDCFE"/>
+                </a:solidFill>
+                <a:effectLst/>
+                <a:latin typeface="Consolas" panose="020B0609020204030204" pitchFamily="49" charset="0"/>
+              </a:rPr>
+              <a:t>example</a:t>
+            </a:r>
+            <a:r>
+              <a:rPr lang="it-IT" sz="1050" b="0">
+                <a:solidFill>
+                  <a:srgbClr val="D4D4D4"/>
+                </a:solidFill>
+                <a:effectLst/>
+                <a:latin typeface="Consolas" panose="020B0609020204030204" pitchFamily="49" charset="0"/>
+              </a:rPr>
+              <a:t>[</a:t>
+            </a:r>
+            <a:r>
+              <a:rPr lang="it-IT" sz="1050" b="0">
+                <a:solidFill>
+                  <a:srgbClr val="B5CEA8"/>
+                </a:solidFill>
+                <a:effectLst/>
+                <a:latin typeface="Consolas" panose="020B0609020204030204" pitchFamily="49" charset="0"/>
+              </a:rPr>
+              <a:t>0</a:t>
+            </a:r>
+            <a:r>
+              <a:rPr lang="it-IT" sz="1050" b="0">
+                <a:solidFill>
+                  <a:srgbClr val="D4D4D4"/>
+                </a:solidFill>
+                <a:effectLst/>
+                <a:latin typeface="Consolas" panose="020B0609020204030204" pitchFamily="49" charset="0"/>
+              </a:rPr>
+              <a:t>][</a:t>
+            </a:r>
+            <a:r>
+              <a:rPr lang="it-IT" sz="1050" b="0">
+                <a:solidFill>
+                  <a:srgbClr val="B5CEA8"/>
+                </a:solidFill>
+                <a:effectLst/>
+                <a:latin typeface="Consolas" panose="020B0609020204030204" pitchFamily="49" charset="0"/>
+              </a:rPr>
+              <a:t>0</a:t>
+            </a:r>
+            <a:r>
+              <a:rPr lang="it-IT" sz="1050" b="0">
+                <a:solidFill>
+                  <a:srgbClr val="D4D4D4"/>
+                </a:solidFill>
+                <a:effectLst/>
+                <a:latin typeface="Consolas" panose="020B0609020204030204" pitchFamily="49" charset="0"/>
+              </a:rPr>
+              <a:t>])</a:t>
+            </a:r>
+          </a:p>
+          <a:p>
+            <a:r>
+              <a:rPr lang="it-IT" sz="1050" b="0">
+                <a:solidFill>
+                  <a:srgbClr val="D4D4D4"/>
+                </a:solidFill>
+                <a:effectLst/>
+                <a:latin typeface="Consolas" panose="020B0609020204030204" pitchFamily="49" charset="0"/>
+              </a:rPr>
+              <a:t/>
+            </a:r>
+            <a:br>
+              <a:rPr lang="it-IT" sz="1050" b="0">
+                <a:solidFill>
+                  <a:srgbClr val="D4D4D4"/>
+                </a:solidFill>
+                <a:effectLst/>
+                <a:latin typeface="Consolas" panose="020B0609020204030204" pitchFamily="49" charset="0"/>
+              </a:rPr>
+            </a:br>
+            <a:r>
+              <a:rPr lang="it-IT" sz="1050" b="0">
+                <a:solidFill>
+                  <a:srgbClr val="D4D4D4"/>
+                </a:solidFill>
+                <a:effectLst/>
+                <a:latin typeface="Consolas" panose="020B0609020204030204" pitchFamily="49" charset="0"/>
+              </a:rPr>
+              <a:t>    </a:t>
+            </a:r>
+            <a:r>
+              <a:rPr lang="it-IT" sz="1050" b="0">
+                <a:solidFill>
+                  <a:srgbClr val="6A9955"/>
+                </a:solidFill>
+                <a:effectLst/>
+                <a:latin typeface="Consolas" panose="020B0609020204030204" pitchFamily="49" charset="0"/>
+              </a:rPr>
+              <a:t># Extract label from original image</a:t>
+            </a:r>
+            <a:endParaRPr lang="it-IT" sz="1050" b="0">
+              <a:solidFill>
+                <a:srgbClr val="D4D4D4"/>
+              </a:solidFill>
+              <a:effectLst/>
+              <a:latin typeface="Consolas" panose="020B0609020204030204" pitchFamily="49" charset="0"/>
+            </a:endParaRPr>
+          </a:p>
+          <a:p>
+            <a:r>
+              <a:rPr lang="it-IT" sz="1050" b="0">
+                <a:solidFill>
+                  <a:srgbClr val="D4D4D4"/>
+                </a:solidFill>
+                <a:effectLst/>
+                <a:latin typeface="Consolas" panose="020B0609020204030204" pitchFamily="49" charset="0"/>
+              </a:rPr>
+              <a:t>    </a:t>
+            </a:r>
+            <a:r>
+              <a:rPr lang="it-IT" sz="1050" b="0">
+                <a:solidFill>
+                  <a:srgbClr val="9CDCFE"/>
+                </a:solidFill>
+                <a:effectLst/>
+                <a:latin typeface="Consolas" panose="020B0609020204030204" pitchFamily="49" charset="0"/>
+              </a:rPr>
+              <a:t>image_label</a:t>
+            </a:r>
+            <a:r>
+              <a:rPr lang="it-IT" sz="1050" b="0">
+                <a:solidFill>
+                  <a:srgbClr val="D4D4D4"/>
+                </a:solidFill>
+                <a:effectLst/>
+                <a:latin typeface="Consolas" panose="020B0609020204030204" pitchFamily="49" charset="0"/>
+              </a:rPr>
+              <a:t> = </a:t>
+            </a:r>
+            <a:r>
+              <a:rPr lang="it-IT" sz="1050" b="0">
+                <a:solidFill>
+                  <a:srgbClr val="9CDCFE"/>
+                </a:solidFill>
+                <a:effectLst/>
+                <a:latin typeface="Consolas" panose="020B0609020204030204" pitchFamily="49" charset="0"/>
+              </a:rPr>
+              <a:t>example</a:t>
+            </a:r>
+            <a:r>
+              <a:rPr lang="it-IT" sz="1050" b="0">
+                <a:solidFill>
+                  <a:srgbClr val="D4D4D4"/>
+                </a:solidFill>
+                <a:effectLst/>
+                <a:latin typeface="Consolas" panose="020B0609020204030204" pitchFamily="49" charset="0"/>
+              </a:rPr>
+              <a:t>[</a:t>
+            </a:r>
+            <a:r>
+              <a:rPr lang="it-IT" sz="1050" b="0">
+                <a:solidFill>
+                  <a:srgbClr val="B5CEA8"/>
+                </a:solidFill>
+                <a:effectLst/>
+                <a:latin typeface="Consolas" panose="020B0609020204030204" pitchFamily="49" charset="0"/>
+              </a:rPr>
+              <a:t>0</a:t>
+            </a:r>
+            <a:r>
+              <a:rPr lang="it-IT" sz="1050" b="0">
+                <a:solidFill>
+                  <a:srgbClr val="D4D4D4"/>
+                </a:solidFill>
+                <a:effectLst/>
+                <a:latin typeface="Consolas" panose="020B0609020204030204" pitchFamily="49" charset="0"/>
+              </a:rPr>
+              <a:t>][</a:t>
+            </a:r>
+            <a:r>
+              <a:rPr lang="it-IT" sz="1050" b="0">
+                <a:solidFill>
+                  <a:srgbClr val="B5CEA8"/>
+                </a:solidFill>
+                <a:effectLst/>
+                <a:latin typeface="Consolas" panose="020B0609020204030204" pitchFamily="49" charset="0"/>
+              </a:rPr>
+              <a:t>1</a:t>
+            </a:r>
+            <a:r>
+              <a:rPr lang="it-IT" sz="1050" b="0">
+                <a:solidFill>
+                  <a:srgbClr val="D4D4D4"/>
+                </a:solidFill>
+                <a:effectLst/>
+                <a:latin typeface="Consolas" panose="020B0609020204030204" pitchFamily="49" charset="0"/>
+              </a:rPr>
+              <a:t>]</a:t>
+            </a:r>
+            <a:br>
+              <a:rPr lang="it-IT" sz="1050" b="0">
+                <a:solidFill>
+                  <a:srgbClr val="D4D4D4"/>
+                </a:solidFill>
+                <a:effectLst/>
+                <a:latin typeface="Consolas" panose="020B0609020204030204" pitchFamily="49" charset="0"/>
+              </a:rPr>
+            </a:br>
+            <a:r>
+              <a:rPr lang="it-IT" sz="1050" b="0">
+                <a:solidFill>
+                  <a:srgbClr val="D4D4D4"/>
+                </a:solidFill>
+                <a:effectLst/>
+                <a:latin typeface="Consolas" panose="020B0609020204030204" pitchFamily="49" charset="0"/>
+              </a:rPr>
+              <a:t>    </a:t>
+            </a:r>
+            <a:r>
+              <a:rPr lang="it-IT" sz="1050" b="0">
+                <a:solidFill>
+                  <a:srgbClr val="9CDCFE"/>
+                </a:solidFill>
+                <a:effectLst/>
+                <a:latin typeface="Consolas" panose="020B0609020204030204" pitchFamily="49" charset="0"/>
+              </a:rPr>
+              <a:t>image_label</a:t>
+            </a:r>
+            <a:r>
+              <a:rPr lang="it-IT" sz="1050" b="0">
+                <a:solidFill>
+                  <a:srgbClr val="D4D4D4"/>
+                </a:solidFill>
+                <a:effectLst/>
+                <a:latin typeface="Consolas" panose="020B0609020204030204" pitchFamily="49" charset="0"/>
+              </a:rPr>
+              <a:t> = </a:t>
+            </a:r>
+            <a:r>
+              <a:rPr lang="it-IT" sz="1050" b="0">
+                <a:solidFill>
+                  <a:srgbClr val="4EC9B0"/>
+                </a:solidFill>
+                <a:effectLst/>
+                <a:latin typeface="Consolas" panose="020B0609020204030204" pitchFamily="49" charset="0"/>
+              </a:rPr>
+              <a:t>np</a:t>
+            </a:r>
+            <a:r>
+              <a:rPr lang="it-IT" sz="1050" b="0">
+                <a:solidFill>
+                  <a:srgbClr val="D4D4D4"/>
+                </a:solidFill>
+                <a:effectLst/>
+                <a:latin typeface="Consolas" panose="020B0609020204030204" pitchFamily="49" charset="0"/>
+              </a:rPr>
+              <a:t>.</a:t>
+            </a:r>
+            <a:r>
+              <a:rPr lang="it-IT" sz="1050" b="0">
+                <a:solidFill>
+                  <a:srgbClr val="DCDCAA"/>
+                </a:solidFill>
+                <a:effectLst/>
+                <a:latin typeface="Consolas" panose="020B0609020204030204" pitchFamily="49" charset="0"/>
+              </a:rPr>
+              <a:t>argmax</a:t>
+            </a:r>
+            <a:r>
+              <a:rPr lang="it-IT" sz="1050" b="0">
+                <a:solidFill>
+                  <a:srgbClr val="D4D4D4"/>
+                </a:solidFill>
+                <a:effectLst/>
+                <a:latin typeface="Consolas" panose="020B0609020204030204" pitchFamily="49" charset="0"/>
+              </a:rPr>
+              <a:t>(</a:t>
+            </a:r>
+            <a:r>
+              <a:rPr lang="it-IT" sz="1050" b="0">
+                <a:solidFill>
+                  <a:srgbClr val="9CDCFE"/>
+                </a:solidFill>
+                <a:effectLst/>
+                <a:latin typeface="Consolas" panose="020B0609020204030204" pitchFamily="49" charset="0"/>
+              </a:rPr>
+              <a:t>image_label</a:t>
+            </a:r>
+            <a:r>
+              <a:rPr lang="it-IT" sz="1050" b="0">
+                <a:solidFill>
+                  <a:srgbClr val="D4D4D4"/>
+                </a:solidFill>
+                <a:effectLst/>
+                <a:latin typeface="Consolas" panose="020B0609020204030204" pitchFamily="49" charset="0"/>
+              </a:rPr>
+              <a:t>[</a:t>
+            </a:r>
+            <a:r>
+              <a:rPr lang="it-IT" sz="1050" b="0">
+                <a:solidFill>
+                  <a:srgbClr val="B5CEA8"/>
+                </a:solidFill>
+                <a:effectLst/>
+                <a:latin typeface="Consolas" panose="020B0609020204030204" pitchFamily="49" charset="0"/>
+              </a:rPr>
+              <a:t>0</a:t>
+            </a:r>
+            <a:r>
+              <a:rPr lang="it-IT" sz="1050" b="0">
+                <a:solidFill>
+                  <a:srgbClr val="D4D4D4"/>
+                </a:solidFill>
+                <a:effectLst/>
+                <a:latin typeface="Consolas" panose="020B0609020204030204" pitchFamily="49" charset="0"/>
+              </a:rPr>
+              <a:t>])</a:t>
+            </a:r>
+            <a:br>
+              <a:rPr lang="it-IT" sz="1050" b="0">
+                <a:solidFill>
+                  <a:srgbClr val="D4D4D4"/>
+                </a:solidFill>
+                <a:effectLst/>
+                <a:latin typeface="Consolas" panose="020B0609020204030204" pitchFamily="49" charset="0"/>
+              </a:rPr>
+            </a:br>
+            <a:r>
+              <a:rPr lang="it-IT" sz="1050" b="0">
+                <a:solidFill>
+                  <a:srgbClr val="D4D4D4"/>
+                </a:solidFill>
+                <a:effectLst/>
+                <a:latin typeface="Consolas" panose="020B0609020204030204" pitchFamily="49" charset="0"/>
+              </a:rPr>
+              <a:t>    </a:t>
+            </a:r>
+            <a:r>
+              <a:rPr lang="it-IT" sz="1050" b="0">
+                <a:solidFill>
+                  <a:srgbClr val="9CDCFE"/>
+                </a:solidFill>
+                <a:effectLst/>
+                <a:latin typeface="Consolas" panose="020B0609020204030204" pitchFamily="49" charset="0"/>
+              </a:rPr>
+              <a:t>img</a:t>
+            </a:r>
+            <a:r>
+              <a:rPr lang="it-IT" sz="1050" b="0">
+                <a:solidFill>
+                  <a:srgbClr val="D4D4D4"/>
+                </a:solidFill>
+                <a:effectLst/>
+                <a:latin typeface="Consolas" panose="020B0609020204030204" pitchFamily="49" charset="0"/>
+              </a:rPr>
+              <a:t> = </a:t>
+            </a:r>
+            <a:r>
+              <a:rPr lang="it-IT" sz="1050" b="0">
+                <a:solidFill>
+                  <a:srgbClr val="4EC9B0"/>
+                </a:solidFill>
+                <a:effectLst/>
+                <a:latin typeface="Consolas" panose="020B0609020204030204" pitchFamily="49" charset="0"/>
+              </a:rPr>
+              <a:t>np</a:t>
+            </a:r>
+            <a:r>
+              <a:rPr lang="it-IT" sz="1050" b="0">
+                <a:solidFill>
+                  <a:srgbClr val="D4D4D4"/>
+                </a:solidFill>
+                <a:effectLst/>
+                <a:latin typeface="Consolas" panose="020B0609020204030204" pitchFamily="49" charset="0"/>
+              </a:rPr>
+              <a:t>.</a:t>
+            </a:r>
+            <a:r>
+              <a:rPr lang="it-IT" sz="1050" b="0">
+                <a:solidFill>
+                  <a:srgbClr val="DCDCAA"/>
+                </a:solidFill>
+                <a:effectLst/>
+                <a:latin typeface="Consolas" panose="020B0609020204030204" pitchFamily="49" charset="0"/>
+              </a:rPr>
+              <a:t>array</a:t>
+            </a:r>
+            <a:r>
+              <a:rPr lang="it-IT" sz="1050" b="0">
+                <a:solidFill>
+                  <a:srgbClr val="D4D4D4"/>
+                </a:solidFill>
+                <a:effectLst/>
+                <a:latin typeface="Consolas" panose="020B0609020204030204" pitchFamily="49" charset="0"/>
+              </a:rPr>
+              <a:t>(</a:t>
+            </a:r>
+            <a:r>
+              <a:rPr lang="it-IT" sz="1050" b="0">
+                <a:solidFill>
+                  <a:srgbClr val="9CDCFE"/>
+                </a:solidFill>
+                <a:effectLst/>
+                <a:latin typeface="Consolas" panose="020B0609020204030204" pitchFamily="49" charset="0"/>
+              </a:rPr>
+              <a:t>image_matrix</a:t>
+            </a:r>
+            <a:r>
+              <a:rPr lang="it-IT" sz="1050" b="0">
+                <a:solidFill>
+                  <a:srgbClr val="D4D4D4"/>
+                </a:solidFill>
+                <a:effectLst/>
+                <a:latin typeface="Consolas" panose="020B0609020204030204" pitchFamily="49" charset="0"/>
+              </a:rPr>
+              <a:t>, </a:t>
+            </a:r>
+            <a:r>
+              <a:rPr lang="it-IT" sz="1050" b="0">
+                <a:solidFill>
+                  <a:srgbClr val="9CDCFE"/>
+                </a:solidFill>
+                <a:effectLst/>
+                <a:latin typeface="Consolas" panose="020B0609020204030204" pitchFamily="49" charset="0"/>
+              </a:rPr>
+              <a:t>dtype</a:t>
+            </a:r>
+            <a:r>
+              <a:rPr lang="it-IT" sz="1050" b="0">
+                <a:solidFill>
+                  <a:srgbClr val="D4D4D4"/>
+                </a:solidFill>
+                <a:effectLst/>
+                <a:latin typeface="Consolas" panose="020B0609020204030204" pitchFamily="49" charset="0"/>
+              </a:rPr>
+              <a:t>=</a:t>
+            </a:r>
+            <a:r>
+              <a:rPr lang="it-IT" sz="1050" b="0">
+                <a:solidFill>
+                  <a:srgbClr val="4EC9B0"/>
+                </a:solidFill>
+                <a:effectLst/>
+                <a:latin typeface="Consolas" panose="020B0609020204030204" pitchFamily="49" charset="0"/>
+              </a:rPr>
+              <a:t>np</a:t>
+            </a:r>
+            <a:r>
+              <a:rPr lang="it-IT" sz="1050" b="0">
+                <a:solidFill>
+                  <a:srgbClr val="D4D4D4"/>
+                </a:solidFill>
+                <a:effectLst/>
+                <a:latin typeface="Consolas" panose="020B0609020204030204" pitchFamily="49" charset="0"/>
+              </a:rPr>
+              <a:t>.</a:t>
+            </a:r>
+            <a:r>
+              <a:rPr lang="it-IT" sz="1050" b="0">
+                <a:solidFill>
+                  <a:srgbClr val="9CDCFE"/>
+                </a:solidFill>
+                <a:effectLst/>
+                <a:latin typeface="Consolas" panose="020B0609020204030204" pitchFamily="49" charset="0"/>
+              </a:rPr>
+              <a:t>uint8</a:t>
+            </a:r>
+            <a:r>
+              <a:rPr lang="it-IT" sz="1050" b="0">
+                <a:solidFill>
+                  <a:srgbClr val="D4D4D4"/>
+                </a:solidFill>
+                <a:effectLst/>
+                <a:latin typeface="Consolas" panose="020B0609020204030204" pitchFamily="49" charset="0"/>
+              </a:rPr>
+              <a:t>)</a:t>
+            </a:r>
+          </a:p>
+          <a:p>
+            <a:r>
+              <a:rPr lang="it-IT" sz="1050" b="0">
+                <a:solidFill>
+                  <a:srgbClr val="D4D4D4"/>
+                </a:solidFill>
+                <a:effectLst/>
+                <a:latin typeface="Consolas" panose="020B0609020204030204" pitchFamily="49" charset="0"/>
+              </a:rPr>
+              <a:t/>
+            </a:r>
+            <a:br>
+              <a:rPr lang="it-IT" sz="1050" b="0">
+                <a:solidFill>
+                  <a:srgbClr val="D4D4D4"/>
+                </a:solidFill>
+                <a:effectLst/>
+                <a:latin typeface="Consolas" panose="020B0609020204030204" pitchFamily="49" charset="0"/>
+              </a:rPr>
+            </a:br>
+            <a:r>
+              <a:rPr lang="it-IT" sz="1050" b="0">
+                <a:solidFill>
+                  <a:srgbClr val="D4D4D4"/>
+                </a:solidFill>
+                <a:effectLst/>
+                <a:latin typeface="Consolas" panose="020B0609020204030204" pitchFamily="49" charset="0"/>
+              </a:rPr>
+              <a:t>    </a:t>
+            </a:r>
+            <a:r>
+              <a:rPr lang="it-IT" sz="1050" b="0">
+                <a:solidFill>
+                  <a:srgbClr val="6A9955"/>
+                </a:solidFill>
+                <a:effectLst/>
+                <a:latin typeface="Consolas" panose="020B0609020204030204" pitchFamily="49" charset="0"/>
+              </a:rPr>
+              <a:t># Add noise to original image and verify the classification is correct</a:t>
+            </a:r>
+            <a:endParaRPr lang="it-IT" sz="1050" b="0">
+              <a:solidFill>
+                <a:srgbClr val="D4D4D4"/>
+              </a:solidFill>
+              <a:effectLst/>
+              <a:latin typeface="Consolas" panose="020B0609020204030204" pitchFamily="49" charset="0"/>
+            </a:endParaRPr>
+          </a:p>
+          <a:p>
+            <a:r>
+              <a:rPr lang="it-IT" sz="1050" b="0">
+                <a:solidFill>
+                  <a:srgbClr val="D4D4D4"/>
+                </a:solidFill>
+                <a:effectLst/>
+                <a:latin typeface="Consolas" panose="020B0609020204030204" pitchFamily="49" charset="0"/>
+              </a:rPr>
+              <a:t>    </a:t>
+            </a:r>
+            <a:r>
+              <a:rPr lang="it-IT" sz="1050" b="0">
+                <a:solidFill>
+                  <a:srgbClr val="9CDCFE"/>
+                </a:solidFill>
+                <a:effectLst/>
+                <a:latin typeface="Consolas" panose="020B0609020204030204" pitchFamily="49" charset="0"/>
+              </a:rPr>
+              <a:t>img_flipx</a:t>
+            </a:r>
+            <a:r>
+              <a:rPr lang="it-IT" sz="1050" b="0">
+                <a:solidFill>
+                  <a:srgbClr val="D4D4D4"/>
+                </a:solidFill>
+                <a:effectLst/>
+                <a:latin typeface="Consolas" panose="020B0609020204030204" pitchFamily="49" charset="0"/>
+              </a:rPr>
+              <a:t> = </a:t>
+            </a:r>
+            <a:r>
+              <a:rPr lang="it-IT" sz="1050" b="0">
+                <a:solidFill>
+                  <a:srgbClr val="4EC9B0"/>
+                </a:solidFill>
+                <a:effectLst/>
+                <a:latin typeface="Consolas" panose="020B0609020204030204" pitchFamily="49" charset="0"/>
+              </a:rPr>
+              <a:t>cv2</a:t>
+            </a:r>
+            <a:r>
+              <a:rPr lang="it-IT" sz="1050" b="0">
+                <a:solidFill>
+                  <a:srgbClr val="D4D4D4"/>
+                </a:solidFill>
+                <a:effectLst/>
+                <a:latin typeface="Consolas" panose="020B0609020204030204" pitchFamily="49" charset="0"/>
+              </a:rPr>
+              <a:t>.</a:t>
+            </a:r>
+            <a:r>
+              <a:rPr lang="it-IT" sz="1050" b="0">
+                <a:solidFill>
+                  <a:srgbClr val="DCDCAA"/>
+                </a:solidFill>
+                <a:effectLst/>
+                <a:latin typeface="Consolas" panose="020B0609020204030204" pitchFamily="49" charset="0"/>
+              </a:rPr>
+              <a:t>flip</a:t>
+            </a:r>
+            <a:r>
+              <a:rPr lang="it-IT" sz="1050" b="0">
+                <a:solidFill>
+                  <a:srgbClr val="D4D4D4"/>
+                </a:solidFill>
+                <a:effectLst/>
+                <a:latin typeface="Consolas" panose="020B0609020204030204" pitchFamily="49" charset="0"/>
+              </a:rPr>
+              <a:t>(</a:t>
+            </a:r>
+            <a:r>
+              <a:rPr lang="it-IT" sz="1050" b="0">
+                <a:solidFill>
+                  <a:srgbClr val="9CDCFE"/>
+                </a:solidFill>
+                <a:effectLst/>
+                <a:latin typeface="Consolas" panose="020B0609020204030204" pitchFamily="49" charset="0"/>
+              </a:rPr>
+              <a:t>img</a:t>
+            </a:r>
+            <a:r>
+              <a:rPr lang="it-IT" sz="1050" b="0">
+                <a:solidFill>
+                  <a:srgbClr val="D4D4D4"/>
+                </a:solidFill>
+                <a:effectLst/>
+                <a:latin typeface="Consolas" panose="020B0609020204030204" pitchFamily="49" charset="0"/>
+              </a:rPr>
+              <a:t>, </a:t>
+            </a:r>
+            <a:r>
+              <a:rPr lang="it-IT" sz="1050" b="0">
+                <a:solidFill>
+                  <a:srgbClr val="B5CEA8"/>
+                </a:solidFill>
+                <a:effectLst/>
+                <a:latin typeface="Consolas" panose="020B0609020204030204" pitchFamily="49" charset="0"/>
+              </a:rPr>
+              <a:t>1</a:t>
+            </a:r>
+            <a:r>
+              <a:rPr lang="it-IT" sz="1050" b="0">
+                <a:solidFill>
+                  <a:srgbClr val="D4D4D4"/>
+                </a:solidFill>
+                <a:effectLst/>
+                <a:latin typeface="Consolas" panose="020B0609020204030204" pitchFamily="49" charset="0"/>
+              </a:rPr>
+              <a:t>)</a:t>
+            </a:r>
+            <a:br>
+              <a:rPr lang="it-IT" sz="1050" b="0">
+                <a:solidFill>
+                  <a:srgbClr val="D4D4D4"/>
+                </a:solidFill>
+                <a:effectLst/>
+                <a:latin typeface="Consolas" panose="020B0609020204030204" pitchFamily="49" charset="0"/>
+              </a:rPr>
+            </a:br>
+            <a:r>
+              <a:rPr lang="it-IT" sz="1050" b="0">
+                <a:solidFill>
+                  <a:srgbClr val="D4D4D4"/>
+                </a:solidFill>
+                <a:effectLst/>
+                <a:latin typeface="Consolas" panose="020B0609020204030204" pitchFamily="49" charset="0"/>
+              </a:rPr>
+              <a:t>    </a:t>
+            </a:r>
+            <a:r>
+              <a:rPr lang="it-IT" sz="1050" b="0">
+                <a:solidFill>
+                  <a:srgbClr val="9CDCFE"/>
+                </a:solidFill>
+                <a:effectLst/>
+                <a:latin typeface="Consolas" panose="020B0609020204030204" pitchFamily="49" charset="0"/>
+              </a:rPr>
+              <a:t>img_flipy</a:t>
+            </a:r>
+            <a:r>
+              <a:rPr lang="it-IT" sz="1050" b="0">
+                <a:solidFill>
+                  <a:srgbClr val="D4D4D4"/>
+                </a:solidFill>
+                <a:effectLst/>
+                <a:latin typeface="Consolas" panose="020B0609020204030204" pitchFamily="49" charset="0"/>
+              </a:rPr>
+              <a:t> = </a:t>
+            </a:r>
+            <a:r>
+              <a:rPr lang="it-IT" sz="1050" b="0">
+                <a:solidFill>
+                  <a:srgbClr val="4EC9B0"/>
+                </a:solidFill>
+                <a:effectLst/>
+                <a:latin typeface="Consolas" panose="020B0609020204030204" pitchFamily="49" charset="0"/>
+              </a:rPr>
+              <a:t>cv2</a:t>
+            </a:r>
+            <a:r>
+              <a:rPr lang="it-IT" sz="1050" b="0">
+                <a:solidFill>
+                  <a:srgbClr val="D4D4D4"/>
+                </a:solidFill>
+                <a:effectLst/>
+                <a:latin typeface="Consolas" panose="020B0609020204030204" pitchFamily="49" charset="0"/>
+              </a:rPr>
+              <a:t>.</a:t>
+            </a:r>
+            <a:r>
+              <a:rPr lang="it-IT" sz="1050" b="0">
+                <a:solidFill>
+                  <a:srgbClr val="DCDCAA"/>
+                </a:solidFill>
+                <a:effectLst/>
+                <a:latin typeface="Consolas" panose="020B0609020204030204" pitchFamily="49" charset="0"/>
+              </a:rPr>
+              <a:t>flip</a:t>
+            </a:r>
+            <a:r>
+              <a:rPr lang="it-IT" sz="1050" b="0">
+                <a:solidFill>
+                  <a:srgbClr val="D4D4D4"/>
+                </a:solidFill>
+                <a:effectLst/>
+                <a:latin typeface="Consolas" panose="020B0609020204030204" pitchFamily="49" charset="0"/>
+              </a:rPr>
+              <a:t>(</a:t>
+            </a:r>
+            <a:r>
+              <a:rPr lang="it-IT" sz="1050" b="0">
+                <a:solidFill>
+                  <a:srgbClr val="9CDCFE"/>
+                </a:solidFill>
+                <a:effectLst/>
+                <a:latin typeface="Consolas" panose="020B0609020204030204" pitchFamily="49" charset="0"/>
+              </a:rPr>
+              <a:t>img</a:t>
+            </a:r>
+            <a:r>
+              <a:rPr lang="it-IT" sz="1050" b="0">
+                <a:solidFill>
+                  <a:srgbClr val="D4D4D4"/>
+                </a:solidFill>
+                <a:effectLst/>
+                <a:latin typeface="Consolas" panose="020B0609020204030204" pitchFamily="49" charset="0"/>
+              </a:rPr>
+              <a:t>, -</a:t>
+            </a:r>
+            <a:r>
+              <a:rPr lang="it-IT" sz="1050" b="0">
+                <a:solidFill>
+                  <a:srgbClr val="B5CEA8"/>
+                </a:solidFill>
+                <a:effectLst/>
+                <a:latin typeface="Consolas" panose="020B0609020204030204" pitchFamily="49" charset="0"/>
+              </a:rPr>
+              <a:t>1</a:t>
+            </a:r>
+            <a:r>
+              <a:rPr lang="it-IT" sz="1050" b="0">
+                <a:solidFill>
+                  <a:srgbClr val="D4D4D4"/>
+                </a:solidFill>
+                <a:effectLst/>
+                <a:latin typeface="Consolas" panose="020B0609020204030204" pitchFamily="49" charset="0"/>
+              </a:rPr>
+              <a:t>)</a:t>
+            </a:r>
+            <a:br>
+              <a:rPr lang="it-IT" sz="1050" b="0">
+                <a:solidFill>
+                  <a:srgbClr val="D4D4D4"/>
+                </a:solidFill>
+                <a:effectLst/>
+                <a:latin typeface="Consolas" panose="020B0609020204030204" pitchFamily="49" charset="0"/>
+              </a:rPr>
+            </a:br>
+            <a:r>
+              <a:rPr lang="it-IT" sz="1050" b="0">
+                <a:solidFill>
+                  <a:srgbClr val="D4D4D4"/>
+                </a:solidFill>
+                <a:effectLst/>
+                <a:latin typeface="Consolas" panose="020B0609020204030204" pitchFamily="49" charset="0"/>
+              </a:rPr>
+              <a:t>    </a:t>
+            </a:r>
+            <a:r>
+              <a:rPr lang="it-IT" sz="1050" b="0">
+                <a:solidFill>
+                  <a:srgbClr val="9CDCFE"/>
+                </a:solidFill>
+                <a:effectLst/>
+                <a:latin typeface="Consolas" panose="020B0609020204030204" pitchFamily="49" charset="0"/>
+              </a:rPr>
+              <a:t>img_gauss</a:t>
+            </a:r>
+            <a:r>
+              <a:rPr lang="it-IT" sz="1050" b="0">
+                <a:solidFill>
+                  <a:srgbClr val="D4D4D4"/>
+                </a:solidFill>
+                <a:effectLst/>
+                <a:latin typeface="Consolas" panose="020B0609020204030204" pitchFamily="49" charset="0"/>
+              </a:rPr>
+              <a:t> = </a:t>
+            </a:r>
+            <a:r>
+              <a:rPr lang="it-IT" sz="1050" b="0">
+                <a:solidFill>
+                  <a:srgbClr val="4EC9B0"/>
+                </a:solidFill>
+                <a:effectLst/>
+                <a:latin typeface="Consolas" panose="020B0609020204030204" pitchFamily="49" charset="0"/>
+              </a:rPr>
+              <a:t>cv2</a:t>
+            </a:r>
+            <a:r>
+              <a:rPr lang="it-IT" sz="1050" b="0">
+                <a:solidFill>
+                  <a:srgbClr val="D4D4D4"/>
+                </a:solidFill>
+                <a:effectLst/>
+                <a:latin typeface="Consolas" panose="020B0609020204030204" pitchFamily="49" charset="0"/>
+              </a:rPr>
+              <a:t>.</a:t>
+            </a:r>
+            <a:r>
+              <a:rPr lang="it-IT" sz="1050" b="0">
+                <a:solidFill>
+                  <a:srgbClr val="DCDCAA"/>
+                </a:solidFill>
+                <a:effectLst/>
+                <a:latin typeface="Consolas" panose="020B0609020204030204" pitchFamily="49" charset="0"/>
+              </a:rPr>
+              <a:t>GaussianBlur</a:t>
+            </a:r>
+            <a:r>
+              <a:rPr lang="it-IT" sz="1050" b="0">
+                <a:solidFill>
+                  <a:srgbClr val="D4D4D4"/>
+                </a:solidFill>
+                <a:effectLst/>
+                <a:latin typeface="Consolas" panose="020B0609020204030204" pitchFamily="49" charset="0"/>
+              </a:rPr>
+              <a:t>(</a:t>
+            </a:r>
+            <a:r>
+              <a:rPr lang="it-IT" sz="1050" b="0">
+                <a:solidFill>
+                  <a:srgbClr val="9CDCFE"/>
+                </a:solidFill>
+                <a:effectLst/>
+                <a:latin typeface="Consolas" panose="020B0609020204030204" pitchFamily="49" charset="0"/>
+              </a:rPr>
+              <a:t>img</a:t>
+            </a:r>
+            <a:r>
+              <a:rPr lang="it-IT" sz="1050" b="0">
+                <a:solidFill>
+                  <a:srgbClr val="D4D4D4"/>
+                </a:solidFill>
+                <a:effectLst/>
+                <a:latin typeface="Consolas" panose="020B0609020204030204" pitchFamily="49" charset="0"/>
+              </a:rPr>
+              <a:t>, (</a:t>
+            </a:r>
+            <a:r>
+              <a:rPr lang="it-IT" sz="1050" b="0">
+                <a:solidFill>
+                  <a:srgbClr val="B5CEA8"/>
+                </a:solidFill>
+                <a:effectLst/>
+                <a:latin typeface="Consolas" panose="020B0609020204030204" pitchFamily="49" charset="0"/>
+              </a:rPr>
+              <a:t>9</a:t>
+            </a:r>
+            <a:r>
+              <a:rPr lang="it-IT" sz="1050" b="0">
+                <a:solidFill>
+                  <a:srgbClr val="D4D4D4"/>
+                </a:solidFill>
+                <a:effectLst/>
+                <a:latin typeface="Consolas" panose="020B0609020204030204" pitchFamily="49" charset="0"/>
+              </a:rPr>
+              <a:t>, </a:t>
+            </a:r>
+            <a:r>
+              <a:rPr lang="it-IT" sz="1050" b="0">
+                <a:solidFill>
+                  <a:srgbClr val="B5CEA8"/>
+                </a:solidFill>
+                <a:effectLst/>
+                <a:latin typeface="Consolas" panose="020B0609020204030204" pitchFamily="49" charset="0"/>
+              </a:rPr>
+              <a:t>9</a:t>
+            </a:r>
+            <a:r>
+              <a:rPr lang="it-IT" sz="1050" b="0">
+                <a:solidFill>
+                  <a:srgbClr val="D4D4D4"/>
+                </a:solidFill>
+                <a:effectLst/>
+                <a:latin typeface="Consolas" panose="020B0609020204030204" pitchFamily="49" charset="0"/>
+              </a:rPr>
+              <a:t>), </a:t>
+            </a:r>
+            <a:r>
+              <a:rPr lang="it-IT" sz="1050" b="0">
+                <a:solidFill>
+                  <a:srgbClr val="B5CEA8"/>
+                </a:solidFill>
+                <a:effectLst/>
+                <a:latin typeface="Consolas" panose="020B0609020204030204" pitchFamily="49" charset="0"/>
+              </a:rPr>
+              <a:t>0</a:t>
+            </a:r>
+            <a:r>
+              <a:rPr lang="it-IT" sz="1050" b="0">
+                <a:solidFill>
+                  <a:srgbClr val="D4D4D4"/>
+                </a:solidFill>
+                <a:effectLst/>
+                <a:latin typeface="Consolas" panose="020B0609020204030204" pitchFamily="49" charset="0"/>
+              </a:rPr>
+              <a:t>)</a:t>
+            </a:r>
+          </a:p>
+          <a:p>
+            <a:r>
+              <a:rPr lang="it-IT" sz="1050" b="0">
+                <a:solidFill>
+                  <a:srgbClr val="D4D4D4"/>
+                </a:solidFill>
+                <a:effectLst/>
+                <a:latin typeface="Consolas" panose="020B0609020204030204" pitchFamily="49" charset="0"/>
+              </a:rPr>
+              <a:t/>
+            </a:r>
+            <a:br>
+              <a:rPr lang="it-IT" sz="1050" b="0">
+                <a:solidFill>
+                  <a:srgbClr val="D4D4D4"/>
+                </a:solidFill>
+                <a:effectLst/>
+                <a:latin typeface="Consolas" panose="020B0609020204030204" pitchFamily="49" charset="0"/>
+              </a:rPr>
+            </a:br>
+            <a:r>
+              <a:rPr lang="it-IT" sz="1050" b="0">
+                <a:solidFill>
+                  <a:srgbClr val="D4D4D4"/>
+                </a:solidFill>
+                <a:effectLst/>
+                <a:latin typeface="Consolas" panose="020B0609020204030204" pitchFamily="49" charset="0"/>
+              </a:rPr>
+              <a:t>    </a:t>
+            </a:r>
+            <a:r>
+              <a:rPr lang="it-IT" sz="1050" b="0">
+                <a:solidFill>
+                  <a:srgbClr val="6A9955"/>
+                </a:solidFill>
+                <a:effectLst/>
+                <a:latin typeface="Consolas" panose="020B0609020204030204" pitchFamily="49" charset="0"/>
+              </a:rPr>
+              <a:t># Add an axis to images</a:t>
+            </a:r>
+            <a:endParaRPr lang="it-IT" sz="1050" b="0">
+              <a:solidFill>
+                <a:srgbClr val="D4D4D4"/>
+              </a:solidFill>
+              <a:effectLst/>
+              <a:latin typeface="Consolas" panose="020B0609020204030204" pitchFamily="49" charset="0"/>
+            </a:endParaRPr>
+          </a:p>
+          <a:p>
+            <a:r>
+              <a:rPr lang="it-IT" sz="1050" b="0">
+                <a:solidFill>
+                  <a:srgbClr val="D4D4D4"/>
+                </a:solidFill>
+                <a:effectLst/>
+                <a:latin typeface="Consolas" panose="020B0609020204030204" pitchFamily="49" charset="0"/>
+              </a:rPr>
+              <a:t>    </a:t>
+            </a:r>
+            <a:r>
+              <a:rPr lang="it-IT" sz="1050" b="0">
+                <a:solidFill>
+                  <a:srgbClr val="9CDCFE"/>
+                </a:solidFill>
+                <a:effectLst/>
+                <a:latin typeface="Consolas" panose="020B0609020204030204" pitchFamily="49" charset="0"/>
+              </a:rPr>
+              <a:t>img_gauss</a:t>
+            </a:r>
+            <a:r>
+              <a:rPr lang="it-IT" sz="1050" b="0">
+                <a:solidFill>
+                  <a:srgbClr val="D4D4D4"/>
+                </a:solidFill>
+                <a:effectLst/>
+                <a:latin typeface="Consolas" panose="020B0609020204030204" pitchFamily="49" charset="0"/>
+              </a:rPr>
+              <a:t> = </a:t>
+            </a:r>
+            <a:r>
+              <a:rPr lang="it-IT" sz="1050" b="0">
+                <a:solidFill>
+                  <a:srgbClr val="9CDCFE"/>
+                </a:solidFill>
+                <a:effectLst/>
+                <a:latin typeface="Consolas" panose="020B0609020204030204" pitchFamily="49" charset="0"/>
+              </a:rPr>
+              <a:t>img_gauss</a:t>
+            </a:r>
+            <a:r>
+              <a:rPr lang="it-IT" sz="1050" b="0">
+                <a:solidFill>
+                  <a:srgbClr val="D4D4D4"/>
+                </a:solidFill>
+                <a:effectLst/>
+                <a:latin typeface="Consolas" panose="020B0609020204030204" pitchFamily="49" charset="0"/>
+              </a:rPr>
+              <a:t>[</a:t>
+            </a:r>
+            <a:r>
+              <a:rPr lang="it-IT" sz="1050" b="0">
+                <a:solidFill>
+                  <a:srgbClr val="4EC9B0"/>
+                </a:solidFill>
+                <a:effectLst/>
+                <a:latin typeface="Consolas" panose="020B0609020204030204" pitchFamily="49" charset="0"/>
+              </a:rPr>
+              <a:t>np</a:t>
+            </a:r>
+            <a:r>
+              <a:rPr lang="it-IT" sz="1050" b="0">
+                <a:solidFill>
+                  <a:srgbClr val="D4D4D4"/>
+                </a:solidFill>
+                <a:effectLst/>
+                <a:latin typeface="Consolas" panose="020B0609020204030204" pitchFamily="49" charset="0"/>
+              </a:rPr>
+              <a:t>.</a:t>
+            </a:r>
+            <a:r>
+              <a:rPr lang="it-IT" sz="1050" b="0">
+                <a:solidFill>
+                  <a:srgbClr val="9CDCFE"/>
+                </a:solidFill>
+                <a:effectLst/>
+                <a:latin typeface="Consolas" panose="020B0609020204030204" pitchFamily="49" charset="0"/>
+              </a:rPr>
+              <a:t>newaxis</a:t>
+            </a:r>
+            <a:r>
+              <a:rPr lang="it-IT" sz="1050" b="0">
+                <a:solidFill>
+                  <a:srgbClr val="D4D4D4"/>
+                </a:solidFill>
+                <a:effectLst/>
+                <a:latin typeface="Consolas" panose="020B0609020204030204" pitchFamily="49" charset="0"/>
+              </a:rPr>
+              <a:t>, ...]</a:t>
+            </a:r>
+          </a:p>
+          <a:p>
+            <a:r>
+              <a:rPr lang="it-IT" sz="1050" b="0">
+                <a:solidFill>
+                  <a:srgbClr val="D4D4D4"/>
+                </a:solidFill>
+                <a:effectLst/>
+                <a:latin typeface="Consolas" panose="020B0609020204030204" pitchFamily="49" charset="0"/>
+              </a:rPr>
+              <a:t>    </a:t>
+            </a:r>
+            <a:r>
+              <a:rPr lang="it-IT" sz="1050" b="0">
+                <a:solidFill>
+                  <a:srgbClr val="9CDCFE"/>
+                </a:solidFill>
+                <a:effectLst/>
+                <a:latin typeface="Consolas" panose="020B0609020204030204" pitchFamily="49" charset="0"/>
+              </a:rPr>
+              <a:t>img_flipy</a:t>
+            </a:r>
+            <a:r>
+              <a:rPr lang="it-IT" sz="1050" b="0">
+                <a:solidFill>
+                  <a:srgbClr val="D4D4D4"/>
+                </a:solidFill>
+                <a:effectLst/>
+                <a:latin typeface="Consolas" panose="020B0609020204030204" pitchFamily="49" charset="0"/>
+              </a:rPr>
+              <a:t> = </a:t>
+            </a:r>
+            <a:r>
+              <a:rPr lang="it-IT" sz="1050" b="0">
+                <a:solidFill>
+                  <a:srgbClr val="9CDCFE"/>
+                </a:solidFill>
+                <a:effectLst/>
+                <a:latin typeface="Consolas" panose="020B0609020204030204" pitchFamily="49" charset="0"/>
+              </a:rPr>
+              <a:t>img_flipy</a:t>
+            </a:r>
+            <a:r>
+              <a:rPr lang="it-IT" sz="1050" b="0">
+                <a:solidFill>
+                  <a:srgbClr val="D4D4D4"/>
+                </a:solidFill>
+                <a:effectLst/>
+                <a:latin typeface="Consolas" panose="020B0609020204030204" pitchFamily="49" charset="0"/>
+              </a:rPr>
+              <a:t>[</a:t>
+            </a:r>
+            <a:r>
+              <a:rPr lang="it-IT" sz="1050" b="0">
+                <a:solidFill>
+                  <a:srgbClr val="4EC9B0"/>
+                </a:solidFill>
+                <a:effectLst/>
+                <a:latin typeface="Consolas" panose="020B0609020204030204" pitchFamily="49" charset="0"/>
+              </a:rPr>
+              <a:t>np</a:t>
+            </a:r>
+            <a:r>
+              <a:rPr lang="it-IT" sz="1050" b="0">
+                <a:solidFill>
+                  <a:srgbClr val="D4D4D4"/>
+                </a:solidFill>
+                <a:effectLst/>
+                <a:latin typeface="Consolas" panose="020B0609020204030204" pitchFamily="49" charset="0"/>
+              </a:rPr>
+              <a:t>.</a:t>
+            </a:r>
+            <a:r>
+              <a:rPr lang="it-IT" sz="1050" b="0">
+                <a:solidFill>
+                  <a:srgbClr val="9CDCFE"/>
+                </a:solidFill>
+                <a:effectLst/>
+                <a:latin typeface="Consolas" panose="020B0609020204030204" pitchFamily="49" charset="0"/>
+              </a:rPr>
+              <a:t>newaxis</a:t>
+            </a:r>
+            <a:r>
+              <a:rPr lang="it-IT" sz="1050" b="0">
+                <a:solidFill>
+                  <a:srgbClr val="D4D4D4"/>
+                </a:solidFill>
+                <a:effectLst/>
+                <a:latin typeface="Consolas" panose="020B0609020204030204" pitchFamily="49" charset="0"/>
+              </a:rPr>
+              <a:t>, ...]</a:t>
+            </a:r>
+          </a:p>
+          <a:p>
+            <a:r>
+              <a:rPr lang="it-IT" sz="1050" b="0">
+                <a:solidFill>
+                  <a:srgbClr val="D4D4D4"/>
+                </a:solidFill>
+                <a:effectLst/>
+                <a:latin typeface="Consolas" panose="020B0609020204030204" pitchFamily="49" charset="0"/>
+              </a:rPr>
+              <a:t>    </a:t>
+            </a:r>
+            <a:r>
+              <a:rPr lang="it-IT" sz="1050" b="0">
+                <a:solidFill>
+                  <a:srgbClr val="9CDCFE"/>
+                </a:solidFill>
+                <a:effectLst/>
+                <a:latin typeface="Consolas" panose="020B0609020204030204" pitchFamily="49" charset="0"/>
+              </a:rPr>
+              <a:t>img_flipx</a:t>
+            </a:r>
+            <a:r>
+              <a:rPr lang="it-IT" sz="1050" b="0">
+                <a:solidFill>
+                  <a:srgbClr val="D4D4D4"/>
+                </a:solidFill>
+                <a:effectLst/>
+                <a:latin typeface="Consolas" panose="020B0609020204030204" pitchFamily="49" charset="0"/>
+              </a:rPr>
+              <a:t> = </a:t>
+            </a:r>
+            <a:r>
+              <a:rPr lang="it-IT" sz="1050" b="0">
+                <a:solidFill>
+                  <a:srgbClr val="9CDCFE"/>
+                </a:solidFill>
+                <a:effectLst/>
+                <a:latin typeface="Consolas" panose="020B0609020204030204" pitchFamily="49" charset="0"/>
+              </a:rPr>
+              <a:t>img_flipx</a:t>
+            </a:r>
+            <a:r>
+              <a:rPr lang="it-IT" sz="1050" b="0">
+                <a:solidFill>
+                  <a:srgbClr val="D4D4D4"/>
+                </a:solidFill>
+                <a:effectLst/>
+                <a:latin typeface="Consolas" panose="020B0609020204030204" pitchFamily="49" charset="0"/>
+              </a:rPr>
+              <a:t>[</a:t>
+            </a:r>
+            <a:r>
+              <a:rPr lang="it-IT" sz="1050" b="0">
+                <a:solidFill>
+                  <a:srgbClr val="4EC9B0"/>
+                </a:solidFill>
+                <a:effectLst/>
+                <a:latin typeface="Consolas" panose="020B0609020204030204" pitchFamily="49" charset="0"/>
+              </a:rPr>
+              <a:t>np</a:t>
+            </a:r>
+            <a:r>
+              <a:rPr lang="it-IT" sz="1050" b="0">
+                <a:solidFill>
+                  <a:srgbClr val="D4D4D4"/>
+                </a:solidFill>
+                <a:effectLst/>
+                <a:latin typeface="Consolas" panose="020B0609020204030204" pitchFamily="49" charset="0"/>
+              </a:rPr>
+              <a:t>.</a:t>
+            </a:r>
+            <a:r>
+              <a:rPr lang="it-IT" sz="1050" b="0">
+                <a:solidFill>
+                  <a:srgbClr val="9CDCFE"/>
+                </a:solidFill>
+                <a:effectLst/>
+                <a:latin typeface="Consolas" panose="020B0609020204030204" pitchFamily="49" charset="0"/>
+              </a:rPr>
+              <a:t>newaxis</a:t>
+            </a:r>
+            <a:r>
+              <a:rPr lang="it-IT" sz="1050" b="0">
+                <a:solidFill>
+                  <a:srgbClr val="D4D4D4"/>
+                </a:solidFill>
+                <a:effectLst/>
+                <a:latin typeface="Consolas" panose="020B0609020204030204" pitchFamily="49" charset="0"/>
+              </a:rPr>
+              <a:t>, ...]</a:t>
+            </a:r>
+          </a:p>
+          <a:p>
+            <a:r>
+              <a:rPr lang="it-IT" sz="1050" b="0">
+                <a:solidFill>
+                  <a:srgbClr val="D4D4D4"/>
+                </a:solidFill>
+                <a:effectLst/>
+                <a:latin typeface="Consolas" panose="020B0609020204030204" pitchFamily="49" charset="0"/>
+              </a:rPr>
+              <a:t/>
+            </a:r>
+            <a:br>
+              <a:rPr lang="it-IT" sz="1050" b="0">
+                <a:solidFill>
+                  <a:srgbClr val="D4D4D4"/>
+                </a:solidFill>
+                <a:effectLst/>
+                <a:latin typeface="Consolas" panose="020B0609020204030204" pitchFamily="49" charset="0"/>
+              </a:rPr>
+            </a:br>
+            <a:r>
+              <a:rPr lang="it-IT" sz="1050" b="0">
+                <a:solidFill>
+                  <a:srgbClr val="D4D4D4"/>
+                </a:solidFill>
+                <a:effectLst/>
+                <a:latin typeface="Consolas" panose="020B0609020204030204" pitchFamily="49" charset="0"/>
+              </a:rPr>
+              <a:t>    </a:t>
+            </a:r>
+            <a:r>
+              <a:rPr lang="it-IT" sz="1050" b="0">
+                <a:solidFill>
+                  <a:srgbClr val="9CDCFE"/>
+                </a:solidFill>
+                <a:effectLst/>
+                <a:latin typeface="Consolas" panose="020B0609020204030204" pitchFamily="49" charset="0"/>
+              </a:rPr>
+              <a:t>gauss_pred</a:t>
+            </a:r>
+            <a:r>
+              <a:rPr lang="it-IT" sz="1050" b="0">
+                <a:solidFill>
+                  <a:srgbClr val="D4D4D4"/>
+                </a:solidFill>
+                <a:effectLst/>
+                <a:latin typeface="Consolas" panose="020B0609020204030204" pitchFamily="49" charset="0"/>
+              </a:rPr>
+              <a:t> = </a:t>
+            </a:r>
+            <a:r>
+              <a:rPr lang="it-IT" sz="1050" b="0">
+                <a:solidFill>
+                  <a:srgbClr val="4EC9B0"/>
+                </a:solidFill>
+                <a:effectLst/>
+                <a:latin typeface="Consolas" panose="020B0609020204030204" pitchFamily="49" charset="0"/>
+              </a:rPr>
+              <a:t>np</a:t>
+            </a:r>
+            <a:r>
+              <a:rPr lang="it-IT" sz="1050" b="0">
+                <a:solidFill>
+                  <a:srgbClr val="D4D4D4"/>
+                </a:solidFill>
+                <a:effectLst/>
+                <a:latin typeface="Consolas" panose="020B0609020204030204" pitchFamily="49" charset="0"/>
+              </a:rPr>
+              <a:t>.</a:t>
+            </a:r>
+            <a:r>
+              <a:rPr lang="it-IT" sz="1050" b="0">
+                <a:solidFill>
+                  <a:srgbClr val="DCDCAA"/>
+                </a:solidFill>
+                <a:effectLst/>
+                <a:latin typeface="Consolas" panose="020B0609020204030204" pitchFamily="49" charset="0"/>
+              </a:rPr>
+              <a:t>argmax</a:t>
+            </a:r>
+            <a:r>
+              <a:rPr lang="it-IT" sz="1050" b="0">
+                <a:solidFill>
+                  <a:srgbClr val="D4D4D4"/>
+                </a:solidFill>
+                <a:effectLst/>
+                <a:latin typeface="Consolas" panose="020B0609020204030204" pitchFamily="49" charset="0"/>
+              </a:rPr>
+              <a:t>(</a:t>
+            </a:r>
+            <a:r>
+              <a:rPr lang="it-IT" sz="1050" b="0">
+                <a:solidFill>
+                  <a:srgbClr val="9CDCFE"/>
+                </a:solidFill>
+                <a:effectLst/>
+                <a:latin typeface="Consolas" panose="020B0609020204030204" pitchFamily="49" charset="0"/>
+              </a:rPr>
+              <a:t>loaded_model</a:t>
+            </a:r>
+            <a:r>
+              <a:rPr lang="it-IT" sz="1050" b="0">
+                <a:solidFill>
+                  <a:srgbClr val="D4D4D4"/>
+                </a:solidFill>
+                <a:effectLst/>
+                <a:latin typeface="Consolas" panose="020B0609020204030204" pitchFamily="49" charset="0"/>
+              </a:rPr>
+              <a:t>.predict(</a:t>
+            </a:r>
+            <a:r>
+              <a:rPr lang="it-IT" sz="1050" b="0">
+                <a:solidFill>
+                  <a:srgbClr val="9CDCFE"/>
+                </a:solidFill>
+                <a:effectLst/>
+                <a:latin typeface="Consolas" panose="020B0609020204030204" pitchFamily="49" charset="0"/>
+              </a:rPr>
+              <a:t>img_gauss</a:t>
+            </a:r>
+            <a:r>
+              <a:rPr lang="it-IT" sz="1050" b="0">
+                <a:solidFill>
+                  <a:srgbClr val="D4D4D4"/>
+                </a:solidFill>
+                <a:effectLst/>
+                <a:latin typeface="Consolas" panose="020B0609020204030204" pitchFamily="49" charset="0"/>
+              </a:rPr>
+              <a:t>))</a:t>
+            </a:r>
+          </a:p>
+          <a:p>
+            <a:r>
+              <a:rPr lang="it-IT" sz="1050" b="0">
+                <a:solidFill>
+                  <a:srgbClr val="D4D4D4"/>
+                </a:solidFill>
+                <a:effectLst/>
+                <a:latin typeface="Consolas" panose="020B0609020204030204" pitchFamily="49" charset="0"/>
+              </a:rPr>
+              <a:t>    </a:t>
+            </a:r>
+            <a:r>
+              <a:rPr lang="it-IT" sz="1050" b="0">
+                <a:solidFill>
+                  <a:srgbClr val="9CDCFE"/>
+                </a:solidFill>
+                <a:effectLst/>
+                <a:latin typeface="Consolas" panose="020B0609020204030204" pitchFamily="49" charset="0"/>
+              </a:rPr>
+              <a:t>flipy_pred</a:t>
+            </a:r>
+            <a:r>
+              <a:rPr lang="it-IT" sz="1050" b="0">
+                <a:solidFill>
+                  <a:srgbClr val="D4D4D4"/>
+                </a:solidFill>
+                <a:effectLst/>
+                <a:latin typeface="Consolas" panose="020B0609020204030204" pitchFamily="49" charset="0"/>
+              </a:rPr>
+              <a:t> = </a:t>
+            </a:r>
+            <a:r>
+              <a:rPr lang="it-IT" sz="1050" b="0">
+                <a:solidFill>
+                  <a:srgbClr val="4EC9B0"/>
+                </a:solidFill>
+                <a:effectLst/>
+                <a:latin typeface="Consolas" panose="020B0609020204030204" pitchFamily="49" charset="0"/>
+              </a:rPr>
+              <a:t>np</a:t>
+            </a:r>
+            <a:r>
+              <a:rPr lang="it-IT" sz="1050" b="0">
+                <a:solidFill>
+                  <a:srgbClr val="D4D4D4"/>
+                </a:solidFill>
+                <a:effectLst/>
+                <a:latin typeface="Consolas" panose="020B0609020204030204" pitchFamily="49" charset="0"/>
+              </a:rPr>
+              <a:t>.</a:t>
+            </a:r>
+            <a:r>
+              <a:rPr lang="it-IT" sz="1050" b="0">
+                <a:solidFill>
+                  <a:srgbClr val="DCDCAA"/>
+                </a:solidFill>
+                <a:effectLst/>
+                <a:latin typeface="Consolas" panose="020B0609020204030204" pitchFamily="49" charset="0"/>
+              </a:rPr>
+              <a:t>argmax</a:t>
+            </a:r>
+            <a:r>
+              <a:rPr lang="it-IT" sz="1050" b="0">
+                <a:solidFill>
+                  <a:srgbClr val="D4D4D4"/>
+                </a:solidFill>
+                <a:effectLst/>
+                <a:latin typeface="Consolas" panose="020B0609020204030204" pitchFamily="49" charset="0"/>
+              </a:rPr>
+              <a:t>(</a:t>
+            </a:r>
+            <a:r>
+              <a:rPr lang="it-IT" sz="1050" b="0">
+                <a:solidFill>
+                  <a:srgbClr val="9CDCFE"/>
+                </a:solidFill>
+                <a:effectLst/>
+                <a:latin typeface="Consolas" panose="020B0609020204030204" pitchFamily="49" charset="0"/>
+              </a:rPr>
+              <a:t>loaded_model</a:t>
+            </a:r>
+            <a:r>
+              <a:rPr lang="it-IT" sz="1050" b="0">
+                <a:solidFill>
+                  <a:srgbClr val="D4D4D4"/>
+                </a:solidFill>
+                <a:effectLst/>
+                <a:latin typeface="Consolas" panose="020B0609020204030204" pitchFamily="49" charset="0"/>
+              </a:rPr>
+              <a:t>.predict(</a:t>
+            </a:r>
+            <a:r>
+              <a:rPr lang="it-IT" sz="1050" b="0">
+                <a:solidFill>
+                  <a:srgbClr val="9CDCFE"/>
+                </a:solidFill>
+                <a:effectLst/>
+                <a:latin typeface="Consolas" panose="020B0609020204030204" pitchFamily="49" charset="0"/>
+              </a:rPr>
+              <a:t>img_flipy</a:t>
+            </a:r>
+            <a:r>
+              <a:rPr lang="it-IT" sz="1050" b="0">
+                <a:solidFill>
+                  <a:srgbClr val="D4D4D4"/>
+                </a:solidFill>
+                <a:effectLst/>
+                <a:latin typeface="Consolas" panose="020B0609020204030204" pitchFamily="49" charset="0"/>
+              </a:rPr>
+              <a:t>))</a:t>
+            </a:r>
+          </a:p>
+          <a:p>
+            <a:r>
+              <a:rPr lang="it-IT" sz="1050" b="0">
+                <a:solidFill>
+                  <a:srgbClr val="D4D4D4"/>
+                </a:solidFill>
+                <a:effectLst/>
+                <a:latin typeface="Consolas" panose="020B0609020204030204" pitchFamily="49" charset="0"/>
+              </a:rPr>
+              <a:t>    </a:t>
+            </a:r>
+            <a:r>
+              <a:rPr lang="it-IT" sz="1050" b="0">
+                <a:solidFill>
+                  <a:srgbClr val="9CDCFE"/>
+                </a:solidFill>
+                <a:effectLst/>
+                <a:latin typeface="Consolas" panose="020B0609020204030204" pitchFamily="49" charset="0"/>
+              </a:rPr>
+              <a:t>flipx_pred</a:t>
+            </a:r>
+            <a:r>
+              <a:rPr lang="it-IT" sz="1050" b="0">
+                <a:solidFill>
+                  <a:srgbClr val="D4D4D4"/>
+                </a:solidFill>
+                <a:effectLst/>
+                <a:latin typeface="Consolas" panose="020B0609020204030204" pitchFamily="49" charset="0"/>
+              </a:rPr>
+              <a:t> = </a:t>
+            </a:r>
+            <a:r>
+              <a:rPr lang="it-IT" sz="1050" b="0">
+                <a:solidFill>
+                  <a:srgbClr val="4EC9B0"/>
+                </a:solidFill>
+                <a:effectLst/>
+                <a:latin typeface="Consolas" panose="020B0609020204030204" pitchFamily="49" charset="0"/>
+              </a:rPr>
+              <a:t>np</a:t>
+            </a:r>
+            <a:r>
+              <a:rPr lang="it-IT" sz="1050" b="0">
+                <a:solidFill>
+                  <a:srgbClr val="D4D4D4"/>
+                </a:solidFill>
+                <a:effectLst/>
+                <a:latin typeface="Consolas" panose="020B0609020204030204" pitchFamily="49" charset="0"/>
+              </a:rPr>
+              <a:t>.</a:t>
+            </a:r>
+            <a:r>
+              <a:rPr lang="it-IT" sz="1050" b="0">
+                <a:solidFill>
+                  <a:srgbClr val="DCDCAA"/>
+                </a:solidFill>
+                <a:effectLst/>
+                <a:latin typeface="Consolas" panose="020B0609020204030204" pitchFamily="49" charset="0"/>
+              </a:rPr>
+              <a:t>argmax</a:t>
+            </a:r>
+            <a:r>
+              <a:rPr lang="it-IT" sz="1050" b="0">
+                <a:solidFill>
+                  <a:srgbClr val="D4D4D4"/>
+                </a:solidFill>
+                <a:effectLst/>
+                <a:latin typeface="Consolas" panose="020B0609020204030204" pitchFamily="49" charset="0"/>
+              </a:rPr>
+              <a:t>(</a:t>
+            </a:r>
+            <a:r>
+              <a:rPr lang="it-IT" sz="1050" b="0">
+                <a:solidFill>
+                  <a:srgbClr val="9CDCFE"/>
+                </a:solidFill>
+                <a:effectLst/>
+                <a:latin typeface="Consolas" panose="020B0609020204030204" pitchFamily="49" charset="0"/>
+              </a:rPr>
+              <a:t>loaded_model</a:t>
+            </a:r>
+            <a:r>
+              <a:rPr lang="it-IT" sz="1050" b="0">
+                <a:solidFill>
+                  <a:srgbClr val="D4D4D4"/>
+                </a:solidFill>
+                <a:effectLst/>
+                <a:latin typeface="Consolas" panose="020B0609020204030204" pitchFamily="49" charset="0"/>
+              </a:rPr>
+              <a:t>.predict(</a:t>
+            </a:r>
+            <a:r>
+              <a:rPr lang="it-IT" sz="1050" b="0">
+                <a:solidFill>
+                  <a:srgbClr val="9CDCFE"/>
+                </a:solidFill>
+                <a:effectLst/>
+                <a:latin typeface="Consolas" panose="020B0609020204030204" pitchFamily="49" charset="0"/>
+              </a:rPr>
+              <a:t>img_flipx</a:t>
+            </a:r>
+            <a:r>
+              <a:rPr lang="it-IT" sz="1050" b="0">
+                <a:solidFill>
+                  <a:srgbClr val="D4D4D4"/>
+                </a:solidFill>
+                <a:effectLst/>
+                <a:latin typeface="Consolas" panose="020B0609020204030204" pitchFamily="49" charset="0"/>
+              </a:rPr>
+              <a:t>))</a:t>
+            </a:r>
+          </a:p>
+          <a:p>
+            <a:r>
+              <a:rPr lang="it-IT" sz="1050" b="0">
+                <a:solidFill>
+                  <a:srgbClr val="D4D4D4"/>
+                </a:solidFill>
+                <a:effectLst/>
+                <a:latin typeface="Consolas" panose="020B0609020204030204" pitchFamily="49" charset="0"/>
+              </a:rPr>
+              <a:t/>
+            </a:r>
+            <a:br>
+              <a:rPr lang="it-IT" sz="1050" b="0">
+                <a:solidFill>
+                  <a:srgbClr val="D4D4D4"/>
+                </a:solidFill>
+                <a:effectLst/>
+                <a:latin typeface="Consolas" panose="020B0609020204030204" pitchFamily="49" charset="0"/>
+              </a:rPr>
+            </a:br>
+            <a:r>
+              <a:rPr lang="it-IT" sz="1050" b="0">
+                <a:solidFill>
+                  <a:srgbClr val="D4D4D4"/>
+                </a:solidFill>
+                <a:effectLst/>
+                <a:latin typeface="Consolas" panose="020B0609020204030204" pitchFamily="49" charset="0"/>
+              </a:rPr>
+              <a:t>    </a:t>
+            </a:r>
+            <a:r>
+              <a:rPr lang="it-IT" sz="1050" b="0">
+                <a:solidFill>
+                  <a:srgbClr val="C586C0"/>
+                </a:solidFill>
+                <a:effectLst/>
+                <a:latin typeface="Consolas" panose="020B0609020204030204" pitchFamily="49" charset="0"/>
+              </a:rPr>
+              <a:t>assert</a:t>
+            </a:r>
+            <a:r>
+              <a:rPr lang="it-IT" sz="1050" b="0">
+                <a:solidFill>
+                  <a:srgbClr val="D4D4D4"/>
+                </a:solidFill>
+                <a:effectLst/>
+                <a:latin typeface="Consolas" panose="020B0609020204030204" pitchFamily="49" charset="0"/>
+              </a:rPr>
+              <a:t> </a:t>
+            </a:r>
+            <a:r>
+              <a:rPr lang="it-IT" sz="1050" b="0">
+                <a:solidFill>
+                  <a:srgbClr val="9CDCFE"/>
+                </a:solidFill>
+                <a:effectLst/>
+                <a:latin typeface="Consolas" panose="020B0609020204030204" pitchFamily="49" charset="0"/>
+              </a:rPr>
+              <a:t>gauss_pred</a:t>
+            </a:r>
+            <a:r>
+              <a:rPr lang="it-IT" sz="1050" b="0">
+                <a:solidFill>
+                  <a:srgbClr val="D4D4D4"/>
+                </a:solidFill>
+                <a:effectLst/>
+                <a:latin typeface="Consolas" panose="020B0609020204030204" pitchFamily="49" charset="0"/>
+              </a:rPr>
+              <a:t> == </a:t>
+            </a:r>
+            <a:r>
+              <a:rPr lang="it-IT" sz="1050" b="0">
+                <a:solidFill>
+                  <a:srgbClr val="9CDCFE"/>
+                </a:solidFill>
+                <a:effectLst/>
+                <a:latin typeface="Consolas" panose="020B0609020204030204" pitchFamily="49" charset="0"/>
+              </a:rPr>
+              <a:t>flipx_pred</a:t>
+            </a:r>
+            <a:r>
+              <a:rPr lang="it-IT" sz="1050" b="0">
+                <a:solidFill>
+                  <a:srgbClr val="D4D4D4"/>
+                </a:solidFill>
+                <a:effectLst/>
+                <a:latin typeface="Consolas" panose="020B0609020204030204" pitchFamily="49" charset="0"/>
+              </a:rPr>
+              <a:t> == </a:t>
+            </a:r>
+            <a:r>
+              <a:rPr lang="it-IT" sz="1050" b="0">
+                <a:solidFill>
+                  <a:srgbClr val="9CDCFE"/>
+                </a:solidFill>
+                <a:effectLst/>
+                <a:latin typeface="Consolas" panose="020B0609020204030204" pitchFamily="49" charset="0"/>
+              </a:rPr>
+              <a:t>flipy_pred</a:t>
+            </a:r>
+            <a:r>
+              <a:rPr lang="it-IT" sz="1050" b="0">
+                <a:solidFill>
+                  <a:srgbClr val="D4D4D4"/>
+                </a:solidFill>
+                <a:effectLst/>
+                <a:latin typeface="Consolas" panose="020B0609020204030204" pitchFamily="49" charset="0"/>
+              </a:rPr>
+              <a:t> == </a:t>
+            </a:r>
+            <a:r>
+              <a:rPr lang="it-IT" sz="1050" b="0">
+                <a:solidFill>
+                  <a:srgbClr val="9CDCFE"/>
+                </a:solidFill>
+                <a:effectLst/>
+                <a:latin typeface="Consolas" panose="020B0609020204030204" pitchFamily="49" charset="0"/>
+              </a:rPr>
+              <a:t>image_label</a:t>
+            </a:r>
+            <a:endParaRPr lang="it-IT" sz="1050" b="0">
+              <a:solidFill>
+                <a:srgbClr val="D4D4D4"/>
+              </a:solidFill>
+              <a:effectLst/>
+              <a:latin typeface="Consolas" panose="020B0609020204030204" pitchFamily="49" charset="0"/>
+            </a:endParaRPr>
+          </a:p>
+        </p:txBody>
+      </p:sp>
+    </p:spTree>
+    <p:extLst>
+      <p:ext uri="{BB962C8B-B14F-4D97-AF65-F5344CB8AC3E}">
+        <p14:creationId xmlns:p14="http://schemas.microsoft.com/office/powerpoint/2010/main" val="1289650285"/>
+      </p:ext>
+    </p:extLst>
+  </p:cSld>
+  <p:clrMapOvr>
+    <a:masterClrMapping/>
+  </p:clrMapOvr>
+</p:sld>
+</file>
+
+<file path=ppt/slides/slide21.xml><?xml version="1.0" encoding="utf-8"?>
+<p:sld xmlns:a="http://schemas.openxmlformats.org/drawingml/2006/main" xmlns:r="http://schemas.openxmlformats.org/officeDocument/2006/relationships" xmlns:p="http://schemas.openxmlformats.org/presentationml/2006/main">
+  <p:cSld>
+    <p:spTree>
+      <p:nvGrpSpPr>
+        <p:cNvPr id="1" name=""/>
+        <p:cNvGrpSpPr/>
+        <p:nvPr/>
+      </p:nvGrpSpPr>
+      <p:grpSpPr>
+        <a:xfrm>
+          <a:off x="0" y="0"/>
+          <a:ext cx="0" cy="0"/>
+          <a:chOff x="0" y="0"/>
+          <a:chExt cx="0" cy="0"/>
+        </a:xfrm>
+      </p:grpSpPr>
+      <p:sp>
+        <p:nvSpPr>
+          <p:cNvPr id="2" name="Titolo 1">
+            <a:extLst>
+              <a:ext uri="{FF2B5EF4-FFF2-40B4-BE49-F238E27FC236}">
+                <a16:creationId xmlns:a16="http://schemas.microsoft.com/office/drawing/2014/main" xmlns="" id="{E84D6F7A-C5C5-40C7-0FD8-F1C4CD4F3D65}"/>
+              </a:ext>
+            </a:extLst>
+          </p:cNvPr>
+          <p:cNvSpPr>
+            <a:spLocks noGrp="1"/>
+          </p:cNvSpPr>
+          <p:nvPr>
+            <p:ph type="title"/>
+          </p:nvPr>
+        </p:nvSpPr>
+        <p:spPr>
+          <a:xfrm>
+            <a:off x="934720" y="-25403"/>
+            <a:ext cx="10419078" cy="1325563"/>
+          </a:xfrm>
+        </p:spPr>
+        <p:txBody>
+          <a:bodyPr>
+            <a:normAutofit/>
+          </a:bodyPr>
+          <a:lstStyle/>
+          <a:p>
+            <a:pPr algn="ctr"/>
+            <a:r>
+              <a:rPr lang="it-IT" b="1" dirty="0" smtClean="0">
+                <a:solidFill>
+                  <a:schemeClr val="accent2">
+                    <a:lumMod val="75000"/>
+                  </a:schemeClr>
+                </a:solidFill>
+              </a:rPr>
+              <a:t>Code </a:t>
+            </a:r>
+            <a:r>
+              <a:rPr lang="it-IT" b="1" dirty="0" err="1" smtClean="0">
+                <a:solidFill>
+                  <a:schemeClr val="accent2">
+                    <a:lumMod val="75000"/>
+                  </a:schemeClr>
+                </a:solidFill>
+              </a:rPr>
+              <a:t>analysis</a:t>
+            </a:r>
+            <a:r>
+              <a:rPr lang="it-IT" b="1" dirty="0" smtClean="0">
+                <a:solidFill>
+                  <a:schemeClr val="accent2">
+                    <a:lumMod val="75000"/>
+                  </a:schemeClr>
+                </a:solidFill>
+              </a:rPr>
+              <a:t> with </a:t>
+            </a:r>
+            <a:r>
+              <a:rPr lang="it-IT" b="1" dirty="0" err="1" smtClean="0">
+                <a:solidFill>
+                  <a:schemeClr val="accent2">
+                    <a:lumMod val="75000"/>
+                  </a:schemeClr>
+                </a:solidFill>
+              </a:rPr>
+              <a:t>Pylint</a:t>
+            </a:r>
+            <a:endParaRPr lang="it-IT" b="1" dirty="0">
+              <a:solidFill>
+                <a:schemeClr val="accent2">
+                  <a:lumMod val="75000"/>
+                </a:schemeClr>
+              </a:solidFill>
+            </a:endParaRPr>
+          </a:p>
+        </p:txBody>
+      </p:sp>
+      <p:sp>
+        <p:nvSpPr>
+          <p:cNvPr id="8" name="Segnaposto contenuto 2">
+            <a:extLst>
+              <a:ext uri="{FF2B5EF4-FFF2-40B4-BE49-F238E27FC236}">
+                <a16:creationId xmlns:a16="http://schemas.microsoft.com/office/drawing/2014/main" xmlns="" id="{BDBB7D20-3AC2-51C8-AA8A-A5491FCD4726}"/>
+              </a:ext>
+            </a:extLst>
+          </p:cNvPr>
+          <p:cNvSpPr txBox="1">
+            <a:spLocks/>
+          </p:cNvSpPr>
+          <p:nvPr/>
+        </p:nvSpPr>
+        <p:spPr>
+          <a:xfrm>
+            <a:off x="838198" y="5199397"/>
+            <a:ext cx="10515600" cy="766573"/>
+          </a:xfrm>
+          <a:prstGeom prst="rect">
+            <a:avLst/>
+          </a:prstGeom>
+        </p:spPr>
+        <p:txBody>
+          <a:bodyPr vert="horz" lIns="91440" tIns="45720" rIns="91440" bIns="45720" rtlCol="0">
+            <a:normAutofit/>
+          </a:bodyPr>
+          <a:lstStyle>
+            <a:lvl1pPr marL="228600" indent="-228600" algn="l" defTabSz="914400" rtl="0" eaLnBrk="1" latinLnBrk="0" hangingPunct="1">
+              <a:lnSpc>
+                <a:spcPct val="90000"/>
+              </a:lnSpc>
+              <a:spcBef>
+                <a:spcPts val="1000"/>
+              </a:spcBef>
+              <a:buFont typeface="Arial" panose="020B0604020202020204" pitchFamily="34" charset="0"/>
+              <a:buChar char="•"/>
+              <a:defRPr sz="2800" kern="1200">
+                <a:solidFill>
+                  <a:schemeClr val="tx1"/>
+                </a:solidFill>
+                <a:latin typeface="+mn-lt"/>
+                <a:ea typeface="+mn-ea"/>
+                <a:cs typeface="+mn-cs"/>
+              </a:defRPr>
+            </a:lvl1pPr>
+            <a:lvl2pPr marL="685800" indent="-228600" algn="l" defTabSz="914400" rtl="0" eaLnBrk="1" latinLnBrk="0" hangingPunct="1">
+              <a:lnSpc>
+                <a:spcPct val="90000"/>
+              </a:lnSpc>
+              <a:spcBef>
+                <a:spcPts val="500"/>
+              </a:spcBef>
+              <a:buFont typeface="Arial" panose="020B0604020202020204" pitchFamily="34" charset="0"/>
+              <a:buChar char="•"/>
+              <a:defRPr sz="2400" kern="1200">
+                <a:solidFill>
+                  <a:schemeClr val="tx1"/>
+                </a:solidFill>
+                <a:latin typeface="+mn-lt"/>
+                <a:ea typeface="+mn-ea"/>
+                <a:cs typeface="+mn-cs"/>
+              </a:defRPr>
+            </a:lvl2pPr>
+            <a:lvl3pPr marL="1143000" indent="-228600" algn="l" defTabSz="914400" rtl="0" eaLnBrk="1" latinLnBrk="0" hangingPunct="1">
+              <a:lnSpc>
+                <a:spcPct val="90000"/>
+              </a:lnSpc>
+              <a:spcBef>
+                <a:spcPts val="500"/>
+              </a:spcBef>
+              <a:buFont typeface="Arial" panose="020B0604020202020204" pitchFamily="34" charset="0"/>
+              <a:buChar char="•"/>
+              <a:defRPr sz="2000" kern="1200">
+                <a:solidFill>
+                  <a:schemeClr val="tx1"/>
+                </a:solidFill>
+                <a:latin typeface="+mn-lt"/>
+                <a:ea typeface="+mn-ea"/>
+                <a:cs typeface="+mn-cs"/>
+              </a:defRPr>
+            </a:lvl3pPr>
+            <a:lvl4pPr marL="1600200" indent="-228600" algn="l" defTabSz="914400" rtl="0" eaLnBrk="1" latinLnBrk="0" hangingPunct="1">
+              <a:lnSpc>
+                <a:spcPct val="90000"/>
+              </a:lnSpc>
+              <a:spcBef>
+                <a:spcPts val="500"/>
+              </a:spcBef>
+              <a:buFont typeface="Arial" panose="020B0604020202020204" pitchFamily="34" charset="0"/>
+              <a:buChar char="•"/>
+              <a:defRPr sz="1800" kern="1200">
+                <a:solidFill>
+                  <a:schemeClr val="tx1"/>
+                </a:solidFill>
+                <a:latin typeface="+mn-lt"/>
+                <a:ea typeface="+mn-ea"/>
+                <a:cs typeface="+mn-cs"/>
+              </a:defRPr>
+            </a:lvl4pPr>
+            <a:lvl5pPr marL="2057400" indent="-228600" algn="l" defTabSz="914400" rtl="0" eaLnBrk="1" latinLnBrk="0" hangingPunct="1">
+              <a:lnSpc>
+                <a:spcPct val="90000"/>
+              </a:lnSpc>
+              <a:spcBef>
+                <a:spcPts val="500"/>
+              </a:spcBef>
+              <a:buFont typeface="Arial" panose="020B0604020202020204" pitchFamily="34" charset="0"/>
+              <a:buChar char="•"/>
+              <a:defRPr sz="1800" kern="1200">
+                <a:solidFill>
+                  <a:schemeClr val="tx1"/>
+                </a:solidFill>
+                <a:latin typeface="+mn-lt"/>
+                <a:ea typeface="+mn-ea"/>
+                <a:cs typeface="+mn-cs"/>
+              </a:defRPr>
+            </a:lvl5pPr>
+            <a:lvl6pPr marL="2514600" indent="-228600" algn="l" defTabSz="914400" rtl="0" eaLnBrk="1" latinLnBrk="0" hangingPunct="1">
+              <a:lnSpc>
+                <a:spcPct val="90000"/>
+              </a:lnSpc>
+              <a:spcBef>
+                <a:spcPts val="500"/>
+              </a:spcBef>
+              <a:buFont typeface="Arial" panose="020B0604020202020204" pitchFamily="34" charset="0"/>
+              <a:buChar char="•"/>
+              <a:defRPr sz="1800" kern="1200">
+                <a:solidFill>
+                  <a:schemeClr val="tx1"/>
+                </a:solidFill>
+                <a:latin typeface="+mn-lt"/>
+                <a:ea typeface="+mn-ea"/>
+                <a:cs typeface="+mn-cs"/>
+              </a:defRPr>
+            </a:lvl6pPr>
+            <a:lvl7pPr marL="2971800" indent="-228600" algn="l" defTabSz="914400" rtl="0" eaLnBrk="1" latinLnBrk="0" hangingPunct="1">
+              <a:lnSpc>
+                <a:spcPct val="90000"/>
+              </a:lnSpc>
+              <a:spcBef>
+                <a:spcPts val="500"/>
+              </a:spcBef>
+              <a:buFont typeface="Arial" panose="020B0604020202020204" pitchFamily="34" charset="0"/>
+              <a:buChar char="•"/>
+              <a:defRPr sz="1800" kern="1200">
+                <a:solidFill>
+                  <a:schemeClr val="tx1"/>
+                </a:solidFill>
+                <a:latin typeface="+mn-lt"/>
+                <a:ea typeface="+mn-ea"/>
+                <a:cs typeface="+mn-cs"/>
+              </a:defRPr>
+            </a:lvl7pPr>
+            <a:lvl8pPr marL="3429000" indent="-228600" algn="l" defTabSz="914400" rtl="0" eaLnBrk="1" latinLnBrk="0" hangingPunct="1">
+              <a:lnSpc>
+                <a:spcPct val="90000"/>
+              </a:lnSpc>
+              <a:spcBef>
+                <a:spcPts val="500"/>
+              </a:spcBef>
+              <a:buFont typeface="Arial" panose="020B0604020202020204" pitchFamily="34" charset="0"/>
+              <a:buChar char="•"/>
+              <a:defRPr sz="1800" kern="1200">
+                <a:solidFill>
+                  <a:schemeClr val="tx1"/>
+                </a:solidFill>
+                <a:latin typeface="+mn-lt"/>
+                <a:ea typeface="+mn-ea"/>
+                <a:cs typeface="+mn-cs"/>
+              </a:defRPr>
+            </a:lvl8pPr>
+            <a:lvl9pPr marL="3886200" indent="-228600" algn="l" defTabSz="914400" rtl="0" eaLnBrk="1" latinLnBrk="0" hangingPunct="1">
+              <a:lnSpc>
+                <a:spcPct val="90000"/>
+              </a:lnSpc>
+              <a:spcBef>
+                <a:spcPts val="500"/>
+              </a:spcBef>
+              <a:buFont typeface="Arial" panose="020B0604020202020204" pitchFamily="34" charset="0"/>
+              <a:buChar char="•"/>
+              <a:defRPr sz="1800" kern="1200">
+                <a:solidFill>
+                  <a:schemeClr val="tx1"/>
+                </a:solidFill>
+                <a:latin typeface="+mn-lt"/>
+                <a:ea typeface="+mn-ea"/>
+                <a:cs typeface="+mn-cs"/>
+              </a:defRPr>
+            </a:lvl9pPr>
+          </a:lstStyle>
+          <a:p>
+            <a:pPr marL="0" indent="0">
+              <a:buFont typeface="Arial" panose="020B0604020202020204" pitchFamily="34" charset="0"/>
+              <a:buNone/>
+            </a:pPr>
+            <a:endParaRPr lang="it-IT" dirty="0"/>
+          </a:p>
+        </p:txBody>
+      </p:sp>
+      <p:sp>
+        <p:nvSpPr>
+          <p:cNvPr id="9" name="Segnaposto contenuto 2">
+            <a:extLst>
+              <a:ext uri="{FF2B5EF4-FFF2-40B4-BE49-F238E27FC236}">
+                <a16:creationId xmlns:a16="http://schemas.microsoft.com/office/drawing/2014/main" xmlns="" id="{8DF74287-8199-C54D-5B1C-6FF6A0E99B42}"/>
+              </a:ext>
+            </a:extLst>
+          </p:cNvPr>
+          <p:cNvSpPr>
+            <a:spLocks noGrp="1"/>
+          </p:cNvSpPr>
+          <p:nvPr>
+            <p:ph idx="1"/>
+          </p:nvPr>
+        </p:nvSpPr>
+        <p:spPr>
+          <a:xfrm>
+            <a:off x="838200" y="1825624"/>
+            <a:ext cx="4691332" cy="4591953"/>
+          </a:xfrm>
+        </p:spPr>
+        <p:txBody>
+          <a:bodyPr>
+            <a:normAutofit/>
+          </a:bodyPr>
+          <a:lstStyle/>
+          <a:p>
+            <a:pPr marL="457200" indent="-457200">
+              <a:buFont typeface="+mj-lt"/>
+              <a:buAutoNum type="arabicPeriod"/>
+            </a:pPr>
+            <a:r>
+              <a:rPr lang="en-US" sz="2000" b="1" dirty="0" err="1" smtClean="0">
+                <a:solidFill>
+                  <a:schemeClr val="tx1">
+                    <a:lumMod val="85000"/>
+                    <a:lumOff val="15000"/>
+                  </a:schemeClr>
+                </a:solidFill>
+              </a:rPr>
+              <a:t>s</a:t>
+            </a:r>
+            <a:r>
+              <a:rPr lang="en-US" sz="2000" b="1" dirty="0" err="1" smtClean="0">
+                <a:solidFill>
+                  <a:schemeClr val="tx1">
+                    <a:lumMod val="85000"/>
+                    <a:lumOff val="15000"/>
+                  </a:schemeClr>
+                </a:solidFill>
+              </a:rPr>
+              <a:t>rc</a:t>
+            </a:r>
+            <a:r>
+              <a:rPr lang="en-US" sz="2000" b="1" dirty="0" smtClean="0">
+                <a:solidFill>
+                  <a:schemeClr val="tx1">
+                    <a:lumMod val="85000"/>
+                    <a:lumOff val="15000"/>
+                  </a:schemeClr>
+                </a:solidFill>
+              </a:rPr>
+              <a:t>/models: </a:t>
+            </a:r>
+            <a:r>
+              <a:rPr lang="en-US" sz="2000" dirty="0" smtClean="0">
+                <a:solidFill>
+                  <a:schemeClr val="tx1">
+                    <a:lumMod val="85000"/>
+                    <a:lumOff val="15000"/>
+                  </a:schemeClr>
+                </a:solidFill>
+              </a:rPr>
+              <a:t>as first result of analysis on the </a:t>
+            </a:r>
+            <a:r>
+              <a:rPr lang="en-US" sz="2000" smtClean="0">
+                <a:solidFill>
+                  <a:schemeClr val="tx1">
+                    <a:lumMod val="85000"/>
+                    <a:lumOff val="15000"/>
+                  </a:schemeClr>
+                </a:solidFill>
+              </a:rPr>
+              <a:t>folder we </a:t>
+            </a:r>
+            <a:r>
+              <a:rPr lang="en-US" sz="2000" dirty="0" smtClean="0">
+                <a:solidFill>
+                  <a:schemeClr val="tx1">
+                    <a:lumMod val="85000"/>
+                    <a:lumOff val="15000"/>
+                  </a:schemeClr>
+                </a:solidFill>
+              </a:rPr>
+              <a:t>obtained a score of </a:t>
+            </a:r>
+            <a:r>
+              <a:rPr lang="en-US" sz="2000" b="1" dirty="0" smtClean="0">
+                <a:solidFill>
+                  <a:schemeClr val="tx1">
+                    <a:lumMod val="85000"/>
+                    <a:lumOff val="15000"/>
+                  </a:schemeClr>
+                </a:solidFill>
+              </a:rPr>
+              <a:t>5.56/10.0</a:t>
+            </a:r>
+            <a:r>
+              <a:rPr lang="en-US" sz="2000" dirty="0" smtClean="0">
+                <a:solidFill>
+                  <a:schemeClr val="tx1">
+                    <a:lumMod val="85000"/>
+                    <a:lumOff val="15000"/>
+                  </a:schemeClr>
+                </a:solidFill>
+              </a:rPr>
+              <a:t> and we reached a score of </a:t>
+            </a:r>
+            <a:r>
+              <a:rPr lang="en-US" sz="2000" b="1" dirty="0" smtClean="0">
+                <a:solidFill>
+                  <a:schemeClr val="tx1">
+                    <a:lumMod val="85000"/>
+                    <a:lumOff val="15000"/>
+                  </a:schemeClr>
+                </a:solidFill>
+              </a:rPr>
+              <a:t>8.57/10.0</a:t>
+            </a:r>
+            <a:r>
+              <a:rPr lang="en-US" sz="2000" dirty="0" smtClean="0">
+                <a:solidFill>
+                  <a:schemeClr val="tx1">
+                    <a:lumMod val="85000"/>
+                    <a:lumOff val="15000"/>
+                  </a:schemeClr>
+                </a:solidFill>
+              </a:rPr>
+              <a:t> on the entire folder.</a:t>
+            </a:r>
+          </a:p>
+          <a:p>
+            <a:pPr marL="457200" indent="-457200">
+              <a:buFont typeface="+mj-lt"/>
+              <a:buAutoNum type="arabicPeriod"/>
+            </a:pPr>
+            <a:endParaRPr lang="en-US" sz="2000" dirty="0" smtClean="0">
+              <a:solidFill>
+                <a:schemeClr val="tx1">
+                  <a:lumMod val="85000"/>
+                  <a:lumOff val="15000"/>
+                </a:schemeClr>
+              </a:solidFill>
+            </a:endParaRPr>
+          </a:p>
+          <a:p>
+            <a:pPr marL="457200" indent="-457200">
+              <a:buFont typeface="+mj-lt"/>
+              <a:buAutoNum type="arabicPeriod"/>
+            </a:pPr>
+            <a:r>
+              <a:rPr lang="en-US" sz="2000" b="1" dirty="0" err="1" smtClean="0">
+                <a:solidFill>
+                  <a:schemeClr val="tx1">
+                    <a:lumMod val="85000"/>
+                    <a:lumOff val="15000"/>
+                  </a:schemeClr>
+                </a:solidFill>
+              </a:rPr>
+              <a:t>s</a:t>
+            </a:r>
+            <a:r>
+              <a:rPr lang="en-US" sz="2000" b="1" dirty="0" err="1" smtClean="0">
+                <a:solidFill>
+                  <a:schemeClr val="tx1">
+                    <a:lumMod val="85000"/>
+                    <a:lumOff val="15000"/>
+                  </a:schemeClr>
+                </a:solidFill>
+              </a:rPr>
+              <a:t>rc</a:t>
+            </a:r>
+            <a:r>
+              <a:rPr lang="en-US" sz="2000" b="1" dirty="0" smtClean="0">
+                <a:solidFill>
+                  <a:schemeClr val="tx1">
+                    <a:lumMod val="85000"/>
+                    <a:lumOff val="15000"/>
+                  </a:schemeClr>
+                </a:solidFill>
+              </a:rPr>
+              <a:t>/data: </a:t>
+            </a:r>
+            <a:r>
+              <a:rPr lang="en-US" sz="2000" dirty="0">
+                <a:solidFill>
+                  <a:schemeClr val="tx1">
+                    <a:lumMod val="85000"/>
+                    <a:lumOff val="15000"/>
+                  </a:schemeClr>
+                </a:solidFill>
+              </a:rPr>
+              <a:t>as first result of analysis on the folder </a:t>
+            </a:r>
+            <a:r>
+              <a:rPr lang="en-US" sz="2000" dirty="0" smtClean="0">
+                <a:solidFill>
+                  <a:schemeClr val="tx1">
+                    <a:lumMod val="85000"/>
+                    <a:lumOff val="15000"/>
+                  </a:schemeClr>
+                </a:solidFill>
+              </a:rPr>
+              <a:t>we </a:t>
+            </a:r>
+            <a:r>
+              <a:rPr lang="en-US" sz="2000" dirty="0">
+                <a:solidFill>
+                  <a:schemeClr val="tx1">
+                    <a:lumMod val="85000"/>
+                    <a:lumOff val="15000"/>
+                  </a:schemeClr>
+                </a:solidFill>
+              </a:rPr>
+              <a:t>obtained a score of </a:t>
+            </a:r>
+            <a:r>
+              <a:rPr lang="en-US" sz="2000" b="1" dirty="0" smtClean="0">
+                <a:solidFill>
+                  <a:schemeClr val="tx1">
+                    <a:lumMod val="85000"/>
+                    <a:lumOff val="15000"/>
+                  </a:schemeClr>
+                </a:solidFill>
+              </a:rPr>
+              <a:t>7.84/10.0</a:t>
+            </a:r>
+            <a:r>
+              <a:rPr lang="en-US" sz="2000" dirty="0" smtClean="0">
+                <a:solidFill>
+                  <a:schemeClr val="tx1">
+                    <a:lumMod val="85000"/>
+                    <a:lumOff val="15000"/>
+                  </a:schemeClr>
+                </a:solidFill>
+              </a:rPr>
+              <a:t> </a:t>
+            </a:r>
+            <a:r>
+              <a:rPr lang="en-US" sz="2000" dirty="0">
+                <a:solidFill>
+                  <a:schemeClr val="tx1">
+                    <a:lumMod val="85000"/>
+                    <a:lumOff val="15000"/>
+                  </a:schemeClr>
+                </a:solidFill>
+              </a:rPr>
+              <a:t>and we reached a score of </a:t>
+            </a:r>
+            <a:r>
+              <a:rPr lang="en-US" sz="2000" b="1" dirty="0" smtClean="0">
+                <a:solidFill>
+                  <a:schemeClr val="tx1">
+                    <a:lumMod val="85000"/>
+                    <a:lumOff val="15000"/>
+                  </a:schemeClr>
+                </a:solidFill>
+              </a:rPr>
+              <a:t>10.0/10.0</a:t>
+            </a:r>
+            <a:r>
+              <a:rPr lang="en-US" sz="2000" dirty="0" smtClean="0">
+                <a:solidFill>
+                  <a:schemeClr val="tx1">
+                    <a:lumMod val="85000"/>
+                    <a:lumOff val="15000"/>
+                  </a:schemeClr>
+                </a:solidFill>
+              </a:rPr>
+              <a:t> </a:t>
+            </a:r>
+            <a:r>
+              <a:rPr lang="en-US" sz="2000" dirty="0">
+                <a:solidFill>
+                  <a:schemeClr val="tx1">
+                    <a:lumMod val="85000"/>
+                    <a:lumOff val="15000"/>
+                  </a:schemeClr>
+                </a:solidFill>
+              </a:rPr>
+              <a:t>on the entire folder.</a:t>
+            </a:r>
+          </a:p>
+          <a:p>
+            <a:pPr marL="457200" indent="-457200">
+              <a:buFont typeface="+mj-lt"/>
+              <a:buAutoNum type="arabicPeriod"/>
+            </a:pPr>
+            <a:endParaRPr lang="en-US" sz="2000" b="1" dirty="0" smtClean="0">
+              <a:solidFill>
+                <a:schemeClr val="tx1">
+                  <a:lumMod val="85000"/>
+                  <a:lumOff val="15000"/>
+                </a:schemeClr>
+              </a:solidFill>
+            </a:endParaRPr>
+          </a:p>
+          <a:p>
+            <a:pPr marL="457200" indent="-457200">
+              <a:buFont typeface="+mj-lt"/>
+              <a:buAutoNum type="arabicPeriod"/>
+            </a:pPr>
+            <a:r>
+              <a:rPr lang="en-US" sz="2000" b="1" dirty="0" err="1">
+                <a:solidFill>
+                  <a:schemeClr val="tx1">
+                    <a:lumMod val="85000"/>
+                    <a:lumOff val="15000"/>
+                  </a:schemeClr>
+                </a:solidFill>
+              </a:rPr>
+              <a:t>s</a:t>
+            </a:r>
+            <a:r>
+              <a:rPr lang="en-US" sz="2000" b="1" dirty="0" err="1" smtClean="0">
+                <a:solidFill>
+                  <a:schemeClr val="tx1">
+                    <a:lumMod val="85000"/>
+                    <a:lumOff val="15000"/>
+                  </a:schemeClr>
+                </a:solidFill>
+              </a:rPr>
+              <a:t>rc</a:t>
+            </a:r>
+            <a:r>
+              <a:rPr lang="en-US" sz="2000" b="1" dirty="0" smtClean="0">
+                <a:solidFill>
+                  <a:schemeClr val="tx1">
+                    <a:lumMod val="85000"/>
+                    <a:lumOff val="15000"/>
+                  </a:schemeClr>
+                </a:solidFill>
+              </a:rPr>
+              <a:t>/tests: </a:t>
+            </a:r>
+            <a:r>
+              <a:rPr lang="en-US" sz="2000" dirty="0">
+                <a:solidFill>
+                  <a:schemeClr val="tx1">
+                    <a:lumMod val="85000"/>
+                    <a:lumOff val="15000"/>
+                  </a:schemeClr>
+                </a:solidFill>
+              </a:rPr>
+              <a:t>as first result of analysis on the folder </a:t>
+            </a:r>
+            <a:r>
+              <a:rPr lang="en-US" sz="2000" dirty="0" smtClean="0">
+                <a:solidFill>
+                  <a:schemeClr val="tx1">
+                    <a:lumMod val="85000"/>
+                    <a:lumOff val="15000"/>
+                  </a:schemeClr>
+                </a:solidFill>
+              </a:rPr>
+              <a:t>we </a:t>
+            </a:r>
+            <a:r>
+              <a:rPr lang="en-US" sz="2000" dirty="0">
+                <a:solidFill>
+                  <a:schemeClr val="tx1">
+                    <a:lumMod val="85000"/>
+                    <a:lumOff val="15000"/>
+                  </a:schemeClr>
+                </a:solidFill>
+              </a:rPr>
+              <a:t>obtained a score of </a:t>
+            </a:r>
+            <a:r>
+              <a:rPr lang="en-US" sz="2000" b="1" dirty="0" smtClean="0">
+                <a:solidFill>
+                  <a:schemeClr val="tx1">
+                    <a:lumMod val="85000"/>
+                    <a:lumOff val="15000"/>
+                  </a:schemeClr>
+                </a:solidFill>
+              </a:rPr>
+              <a:t>8.95/10.0</a:t>
+            </a:r>
+            <a:r>
+              <a:rPr lang="en-US" sz="2000" dirty="0" smtClean="0">
+                <a:solidFill>
+                  <a:schemeClr val="tx1">
+                    <a:lumMod val="85000"/>
+                    <a:lumOff val="15000"/>
+                  </a:schemeClr>
+                </a:solidFill>
+              </a:rPr>
+              <a:t> </a:t>
+            </a:r>
+            <a:r>
+              <a:rPr lang="en-US" sz="2000" dirty="0">
+                <a:solidFill>
+                  <a:schemeClr val="tx1">
+                    <a:lumMod val="85000"/>
+                    <a:lumOff val="15000"/>
+                  </a:schemeClr>
+                </a:solidFill>
+              </a:rPr>
+              <a:t>and we reached a score of </a:t>
+            </a:r>
+            <a:r>
+              <a:rPr lang="en-US" sz="2000" b="1" dirty="0" smtClean="0">
+                <a:solidFill>
+                  <a:schemeClr val="tx1">
+                    <a:lumMod val="85000"/>
+                    <a:lumOff val="15000"/>
+                  </a:schemeClr>
+                </a:solidFill>
+              </a:rPr>
+              <a:t>9.21/10.0 </a:t>
+            </a:r>
+            <a:r>
+              <a:rPr lang="en-US" sz="2000" dirty="0" smtClean="0">
+                <a:solidFill>
+                  <a:schemeClr val="tx1">
+                    <a:lumMod val="85000"/>
+                    <a:lumOff val="15000"/>
+                  </a:schemeClr>
+                </a:solidFill>
+              </a:rPr>
+              <a:t> </a:t>
+            </a:r>
+            <a:r>
+              <a:rPr lang="en-US" sz="2000" dirty="0">
+                <a:solidFill>
+                  <a:schemeClr val="tx1">
+                    <a:lumMod val="85000"/>
+                    <a:lumOff val="15000"/>
+                  </a:schemeClr>
+                </a:solidFill>
+              </a:rPr>
+              <a:t>on the entire folder.</a:t>
+            </a:r>
+          </a:p>
+          <a:p>
+            <a:pPr marL="457200" indent="-457200">
+              <a:buFont typeface="+mj-lt"/>
+              <a:buAutoNum type="arabicPeriod"/>
+            </a:pPr>
+            <a:endParaRPr lang="en-US" sz="2000" b="1" dirty="0" smtClean="0">
+              <a:solidFill>
+                <a:schemeClr val="tx1">
+                  <a:lumMod val="85000"/>
+                  <a:lumOff val="15000"/>
+                </a:schemeClr>
+              </a:solidFill>
+            </a:endParaRPr>
+          </a:p>
+        </p:txBody>
+      </p:sp>
+      <p:pic>
+        <p:nvPicPr>
+          <p:cNvPr id="5" name="Immagine 4"/>
+          <p:cNvPicPr>
+            <a:picLocks noChangeAspect="1"/>
+          </p:cNvPicPr>
+          <p:nvPr/>
+        </p:nvPicPr>
+        <p:blipFill>
+          <a:blip r:embed="rId2">
+            <a:extLst>
+              <a:ext uri="{28A0092B-C50C-407E-A947-70E740481C1C}">
+                <a14:useLocalDpi xmlns:a14="http://schemas.microsoft.com/office/drawing/2010/main" val="0"/>
+              </a:ext>
+            </a:extLst>
+          </a:blip>
+          <a:stretch>
+            <a:fillRect/>
+          </a:stretch>
+        </p:blipFill>
+        <p:spPr>
+          <a:xfrm>
+            <a:off x="6400800" y="1825624"/>
+            <a:ext cx="4952998" cy="474116"/>
+          </a:xfrm>
+          <a:prstGeom prst="rect">
+            <a:avLst/>
+          </a:prstGeom>
+        </p:spPr>
+      </p:pic>
+      <p:pic>
+        <p:nvPicPr>
+          <p:cNvPr id="6" name="Immagine 5"/>
+          <p:cNvPicPr>
+            <a:picLocks noChangeAspect="1"/>
+          </p:cNvPicPr>
+          <p:nvPr/>
+        </p:nvPicPr>
+        <p:blipFill>
+          <a:blip r:embed="rId3">
+            <a:extLst>
+              <a:ext uri="{28A0092B-C50C-407E-A947-70E740481C1C}">
+                <a14:useLocalDpi xmlns:a14="http://schemas.microsoft.com/office/drawing/2010/main" val="0"/>
+              </a:ext>
+            </a:extLst>
+          </a:blip>
+          <a:stretch>
+            <a:fillRect/>
+          </a:stretch>
+        </p:blipFill>
+        <p:spPr>
+          <a:xfrm>
+            <a:off x="6400800" y="3657410"/>
+            <a:ext cx="5035452" cy="464190"/>
+          </a:xfrm>
+          <a:prstGeom prst="rect">
+            <a:avLst/>
+          </a:prstGeom>
+        </p:spPr>
+      </p:pic>
+      <p:pic>
+        <p:nvPicPr>
+          <p:cNvPr id="7" name="Immagine 6"/>
+          <p:cNvPicPr>
+            <a:picLocks noChangeAspect="1"/>
+          </p:cNvPicPr>
+          <p:nvPr/>
+        </p:nvPicPr>
+        <p:blipFill>
+          <a:blip r:embed="rId4">
+            <a:extLst>
+              <a:ext uri="{28A0092B-C50C-407E-A947-70E740481C1C}">
+                <a14:useLocalDpi xmlns:a14="http://schemas.microsoft.com/office/drawing/2010/main" val="0"/>
+              </a:ext>
+            </a:extLst>
+          </a:blip>
+          <a:stretch>
+            <a:fillRect/>
+          </a:stretch>
+        </p:blipFill>
+        <p:spPr>
+          <a:xfrm>
+            <a:off x="6400800" y="5320420"/>
+            <a:ext cx="5035452" cy="524526"/>
+          </a:xfrm>
+          <a:prstGeom prst="rect">
+            <a:avLst/>
+          </a:prstGeom>
+        </p:spPr>
+      </p:pic>
+    </p:spTree>
+    <p:extLst>
+      <p:ext uri="{BB962C8B-B14F-4D97-AF65-F5344CB8AC3E}">
+        <p14:creationId xmlns:p14="http://schemas.microsoft.com/office/powerpoint/2010/main" val="1521981046"/>
+      </p:ext>
+    </p:extLst>
+  </p:cSld>
+  <p:clrMapOvr>
+    <a:masterClrMapping/>
+  </p:clrMapOvr>
+</p:sld>
+</file>
+
+<file path=ppt/slides/slide3.xml><?xml version="1.0" encoding="utf-8"?>
+<p:sld xmlns:a="http://schemas.openxmlformats.org/drawingml/2006/main" xmlns:r="http://schemas.openxmlformats.org/officeDocument/2006/relationships" xmlns:p="http://schemas.openxmlformats.org/presentationml/2006/main">
+  <p:cSld>
+    <p:spTree>
+      <p:nvGrpSpPr>
+        <p:cNvPr id="1" name=""/>
+        <p:cNvGrpSpPr/>
+        <p:nvPr/>
+      </p:nvGrpSpPr>
+      <p:grpSpPr>
+        <a:xfrm>
+          <a:off x="0" y="0"/>
+          <a:ext cx="0" cy="0"/>
+          <a:chOff x="0" y="0"/>
+          <a:chExt cx="0" cy="0"/>
+        </a:xfrm>
+      </p:grpSpPr>
+      <p:sp>
+        <p:nvSpPr>
+          <p:cNvPr id="2" name="Titolo 1">
+            <a:extLst>
+              <a:ext uri="{FF2B5EF4-FFF2-40B4-BE49-F238E27FC236}">
+                <a16:creationId xmlns:a16="http://schemas.microsoft.com/office/drawing/2014/main" xmlns="" id="{E84D6F7A-C5C5-40C7-0FD8-F1C4CD4F3D65}"/>
+              </a:ext>
+            </a:extLst>
+          </p:cNvPr>
+          <p:cNvSpPr>
+            <a:spLocks noGrp="1"/>
+          </p:cNvSpPr>
+          <p:nvPr>
+            <p:ph type="title"/>
+          </p:nvPr>
+        </p:nvSpPr>
+        <p:spPr>
+          <a:xfrm>
+            <a:off x="934720" y="521238"/>
+            <a:ext cx="10419078" cy="1325563"/>
+          </a:xfrm>
+        </p:spPr>
+        <p:txBody>
+          <a:bodyPr>
+            <a:normAutofit/>
+          </a:bodyPr>
+          <a:lstStyle/>
+          <a:p>
+            <a:pPr algn="ctr"/>
+            <a:r>
+              <a:rPr lang="en-US" sz="4400" b="0" i="0" u="none" strike="noStrike" baseline="0" dirty="0">
+                <a:solidFill>
+                  <a:schemeClr val="accent2">
+                    <a:lumMod val="75000"/>
+                  </a:schemeClr>
+                </a:solidFill>
+                <a:latin typeface="CMR17"/>
+              </a:rPr>
+              <a:t>Great Expectations</a:t>
+            </a:r>
+            <a:endParaRPr lang="it-IT" b="1" dirty="0">
+              <a:solidFill>
+                <a:schemeClr val="accent2">
+                  <a:lumMod val="75000"/>
+                </a:schemeClr>
+              </a:solidFill>
+            </a:endParaRPr>
+          </a:p>
+        </p:txBody>
+      </p:sp>
+      <p:sp>
+        <p:nvSpPr>
+          <p:cNvPr id="8" name="Segnaposto contenuto 2">
+            <a:extLst>
+              <a:ext uri="{FF2B5EF4-FFF2-40B4-BE49-F238E27FC236}">
+                <a16:creationId xmlns:a16="http://schemas.microsoft.com/office/drawing/2014/main" xmlns="" id="{BDBB7D20-3AC2-51C8-AA8A-A5491FCD4726}"/>
+              </a:ext>
+            </a:extLst>
+          </p:cNvPr>
+          <p:cNvSpPr txBox="1">
+            <a:spLocks/>
+          </p:cNvSpPr>
+          <p:nvPr/>
+        </p:nvSpPr>
+        <p:spPr>
+          <a:xfrm>
+            <a:off x="838198" y="5199397"/>
+            <a:ext cx="10515600" cy="766573"/>
+          </a:xfrm>
+          <a:prstGeom prst="rect">
+            <a:avLst/>
+          </a:prstGeom>
+        </p:spPr>
+        <p:txBody>
+          <a:bodyPr vert="horz" lIns="91440" tIns="45720" rIns="91440" bIns="45720" rtlCol="0">
+            <a:normAutofit/>
+          </a:bodyPr>
+          <a:lstStyle>
+            <a:lvl1pPr marL="228600" indent="-228600" algn="l" defTabSz="914400" rtl="0" eaLnBrk="1" latinLnBrk="0" hangingPunct="1">
+              <a:lnSpc>
+                <a:spcPct val="90000"/>
+              </a:lnSpc>
+              <a:spcBef>
+                <a:spcPts val="1000"/>
+              </a:spcBef>
+              <a:buFont typeface="Arial" panose="020B0604020202020204" pitchFamily="34" charset="0"/>
+              <a:buChar char="•"/>
+              <a:defRPr sz="2800" kern="1200">
+                <a:solidFill>
+                  <a:schemeClr val="tx1"/>
+                </a:solidFill>
+                <a:latin typeface="+mn-lt"/>
+                <a:ea typeface="+mn-ea"/>
+                <a:cs typeface="+mn-cs"/>
+              </a:defRPr>
+            </a:lvl1pPr>
+            <a:lvl2pPr marL="685800" indent="-228600" algn="l" defTabSz="914400" rtl="0" eaLnBrk="1" latinLnBrk="0" hangingPunct="1">
+              <a:lnSpc>
+                <a:spcPct val="90000"/>
+              </a:lnSpc>
+              <a:spcBef>
+                <a:spcPts val="500"/>
+              </a:spcBef>
+              <a:buFont typeface="Arial" panose="020B0604020202020204" pitchFamily="34" charset="0"/>
+              <a:buChar char="•"/>
+              <a:defRPr sz="2400" kern="1200">
+                <a:solidFill>
+                  <a:schemeClr val="tx1"/>
+                </a:solidFill>
+                <a:latin typeface="+mn-lt"/>
+                <a:ea typeface="+mn-ea"/>
+                <a:cs typeface="+mn-cs"/>
+              </a:defRPr>
+            </a:lvl2pPr>
+            <a:lvl3pPr marL="1143000" indent="-228600" algn="l" defTabSz="914400" rtl="0" eaLnBrk="1" latinLnBrk="0" hangingPunct="1">
+              <a:lnSpc>
+                <a:spcPct val="90000"/>
+              </a:lnSpc>
+              <a:spcBef>
+                <a:spcPts val="500"/>
+              </a:spcBef>
+              <a:buFont typeface="Arial" panose="020B0604020202020204" pitchFamily="34" charset="0"/>
+              <a:buChar char="•"/>
+              <a:defRPr sz="2000" kern="1200">
+                <a:solidFill>
+                  <a:schemeClr val="tx1"/>
+                </a:solidFill>
+                <a:latin typeface="+mn-lt"/>
+                <a:ea typeface="+mn-ea"/>
+                <a:cs typeface="+mn-cs"/>
+              </a:defRPr>
+            </a:lvl3pPr>
+            <a:lvl4pPr marL="1600200" indent="-228600" algn="l" defTabSz="914400" rtl="0" eaLnBrk="1" latinLnBrk="0" hangingPunct="1">
+              <a:lnSpc>
+                <a:spcPct val="90000"/>
+              </a:lnSpc>
+              <a:spcBef>
+                <a:spcPts val="500"/>
+              </a:spcBef>
+              <a:buFont typeface="Arial" panose="020B0604020202020204" pitchFamily="34" charset="0"/>
+              <a:buChar char="•"/>
+              <a:defRPr sz="1800" kern="1200">
+                <a:solidFill>
+                  <a:schemeClr val="tx1"/>
+                </a:solidFill>
+                <a:latin typeface="+mn-lt"/>
+                <a:ea typeface="+mn-ea"/>
+                <a:cs typeface="+mn-cs"/>
+              </a:defRPr>
+            </a:lvl4pPr>
+            <a:lvl5pPr marL="2057400" indent="-228600" algn="l" defTabSz="914400" rtl="0" eaLnBrk="1" latinLnBrk="0" hangingPunct="1">
+              <a:lnSpc>
+                <a:spcPct val="90000"/>
+              </a:lnSpc>
+              <a:spcBef>
+                <a:spcPts val="500"/>
+              </a:spcBef>
+              <a:buFont typeface="Arial" panose="020B0604020202020204" pitchFamily="34" charset="0"/>
+              <a:buChar char="•"/>
+              <a:defRPr sz="1800" kern="1200">
+                <a:solidFill>
+                  <a:schemeClr val="tx1"/>
+                </a:solidFill>
+                <a:latin typeface="+mn-lt"/>
+                <a:ea typeface="+mn-ea"/>
+                <a:cs typeface="+mn-cs"/>
+              </a:defRPr>
+            </a:lvl5pPr>
+            <a:lvl6pPr marL="2514600" indent="-228600" algn="l" defTabSz="914400" rtl="0" eaLnBrk="1" latinLnBrk="0" hangingPunct="1">
+              <a:lnSpc>
+                <a:spcPct val="90000"/>
+              </a:lnSpc>
+              <a:spcBef>
+                <a:spcPts val="500"/>
+              </a:spcBef>
+              <a:buFont typeface="Arial" panose="020B0604020202020204" pitchFamily="34" charset="0"/>
+              <a:buChar char="•"/>
+              <a:defRPr sz="1800" kern="1200">
+                <a:solidFill>
+                  <a:schemeClr val="tx1"/>
+                </a:solidFill>
+                <a:latin typeface="+mn-lt"/>
+                <a:ea typeface="+mn-ea"/>
+                <a:cs typeface="+mn-cs"/>
+              </a:defRPr>
+            </a:lvl6pPr>
+            <a:lvl7pPr marL="2971800" indent="-228600" algn="l" defTabSz="914400" rtl="0" eaLnBrk="1" latinLnBrk="0" hangingPunct="1">
+              <a:lnSpc>
+                <a:spcPct val="90000"/>
+              </a:lnSpc>
+              <a:spcBef>
+                <a:spcPts val="500"/>
+              </a:spcBef>
+              <a:buFont typeface="Arial" panose="020B0604020202020204" pitchFamily="34" charset="0"/>
+              <a:buChar char="•"/>
+              <a:defRPr sz="1800" kern="1200">
+                <a:solidFill>
+                  <a:schemeClr val="tx1"/>
+                </a:solidFill>
+                <a:latin typeface="+mn-lt"/>
+                <a:ea typeface="+mn-ea"/>
+                <a:cs typeface="+mn-cs"/>
+              </a:defRPr>
+            </a:lvl7pPr>
+            <a:lvl8pPr marL="3429000" indent="-228600" algn="l" defTabSz="914400" rtl="0" eaLnBrk="1" latinLnBrk="0" hangingPunct="1">
+              <a:lnSpc>
+                <a:spcPct val="90000"/>
+              </a:lnSpc>
+              <a:spcBef>
+                <a:spcPts val="500"/>
+              </a:spcBef>
+              <a:buFont typeface="Arial" panose="020B0604020202020204" pitchFamily="34" charset="0"/>
+              <a:buChar char="•"/>
+              <a:defRPr sz="1800" kern="1200">
+                <a:solidFill>
+                  <a:schemeClr val="tx1"/>
+                </a:solidFill>
+                <a:latin typeface="+mn-lt"/>
+                <a:ea typeface="+mn-ea"/>
+                <a:cs typeface="+mn-cs"/>
+              </a:defRPr>
+            </a:lvl8pPr>
+            <a:lvl9pPr marL="3886200" indent="-228600" algn="l" defTabSz="914400" rtl="0" eaLnBrk="1" latinLnBrk="0" hangingPunct="1">
+              <a:lnSpc>
+                <a:spcPct val="90000"/>
+              </a:lnSpc>
+              <a:spcBef>
+                <a:spcPts val="500"/>
+              </a:spcBef>
+              <a:buFont typeface="Arial" panose="020B0604020202020204" pitchFamily="34" charset="0"/>
+              <a:buChar char="•"/>
+              <a:defRPr sz="1800" kern="1200">
+                <a:solidFill>
+                  <a:schemeClr val="tx1"/>
+                </a:solidFill>
+                <a:latin typeface="+mn-lt"/>
+                <a:ea typeface="+mn-ea"/>
+                <a:cs typeface="+mn-cs"/>
+              </a:defRPr>
+            </a:lvl9pPr>
+          </a:lstStyle>
+          <a:p>
+            <a:pPr marL="0" indent="0">
+              <a:buFont typeface="Arial" panose="020B0604020202020204" pitchFamily="34" charset="0"/>
+              <a:buNone/>
+            </a:pPr>
+            <a:endParaRPr lang="it-IT" dirty="0"/>
+          </a:p>
+        </p:txBody>
+      </p:sp>
+      <p:sp>
+        <p:nvSpPr>
+          <p:cNvPr id="9" name="Segnaposto contenuto 2">
+            <a:extLst>
+              <a:ext uri="{FF2B5EF4-FFF2-40B4-BE49-F238E27FC236}">
+                <a16:creationId xmlns:a16="http://schemas.microsoft.com/office/drawing/2014/main" xmlns="" id="{8DF74287-8199-C54D-5B1C-6FF6A0E99B42}"/>
               </a:ext>
             </a:extLst>
           </p:cNvPr>
@@ -21194,7 +25086,7 @@
           <p:cNvPr id="6" name="Immagine 5">
             <a:extLst>
               <a:ext uri="{FF2B5EF4-FFF2-40B4-BE49-F238E27FC236}">
-                <a16:creationId xmlns:a16="http://schemas.microsoft.com/office/drawing/2014/main" id="{B4236054-E104-7FE8-2F90-17DDA59A6F49}"/>
+                <a16:creationId xmlns:a16="http://schemas.microsoft.com/office/drawing/2014/main" xmlns="" id="{B4236054-E104-7FE8-2F90-17DDA59A6F49}"/>
               </a:ext>
             </a:extLst>
           </p:cNvPr>
@@ -21254,7 +25146,7 @@
           <p:cNvPr id="2" name="Titolo 1">
             <a:extLst>
               <a:ext uri="{FF2B5EF4-FFF2-40B4-BE49-F238E27FC236}">
-                <a16:creationId xmlns:a16="http://schemas.microsoft.com/office/drawing/2014/main" id="{E84D6F7A-C5C5-40C7-0FD8-F1C4CD4F3D65}"/>
+                <a16:creationId xmlns:a16="http://schemas.microsoft.com/office/drawing/2014/main" xmlns="" id="{E84D6F7A-C5C5-40C7-0FD8-F1C4CD4F3D65}"/>
               </a:ext>
             </a:extLst>
           </p:cNvPr>
@@ -21326,7 +25218,7 @@
           <p:cNvPr id="8" name="Segnaposto contenuto 2">
             <a:extLst>
               <a:ext uri="{FF2B5EF4-FFF2-40B4-BE49-F238E27FC236}">
-                <a16:creationId xmlns:a16="http://schemas.microsoft.com/office/drawing/2014/main" id="{BDBB7D20-3AC2-51C8-AA8A-A5491FCD4726}"/>
+                <a16:creationId xmlns:a16="http://schemas.microsoft.com/office/drawing/2014/main" xmlns="" id="{BDBB7D20-3AC2-51C8-AA8A-A5491FCD4726}"/>
               </a:ext>
             </a:extLst>
           </p:cNvPr>
@@ -21526,7 +25418,7 @@
           <p:cNvPr id="9" name="Segnaposto contenuto 2">
             <a:extLst>
               <a:ext uri="{FF2B5EF4-FFF2-40B4-BE49-F238E27FC236}">
-                <a16:creationId xmlns:a16="http://schemas.microsoft.com/office/drawing/2014/main" id="{8DF74287-8199-C54D-5B1C-6FF6A0E99B42}"/>
+                <a16:creationId xmlns:a16="http://schemas.microsoft.com/office/drawing/2014/main" xmlns="" id="{8DF74287-8199-C54D-5B1C-6FF6A0E99B42}"/>
               </a:ext>
             </a:extLst>
           </p:cNvPr>
@@ -21671,7 +25563,7 @@
           <p:cNvPr id="2" name="Titolo 1">
             <a:extLst>
               <a:ext uri="{FF2B5EF4-FFF2-40B4-BE49-F238E27FC236}">
-                <a16:creationId xmlns:a16="http://schemas.microsoft.com/office/drawing/2014/main" id="{E84D6F7A-C5C5-40C7-0FD8-F1C4CD4F3D65}"/>
+                <a16:creationId xmlns:a16="http://schemas.microsoft.com/office/drawing/2014/main" xmlns="" id="{E84D6F7A-C5C5-40C7-0FD8-F1C4CD4F3D65}"/>
               </a:ext>
             </a:extLst>
           </p:cNvPr>
@@ -21721,7 +25613,7 @@
           <p:cNvPr id="8" name="Segnaposto contenuto 2">
             <a:extLst>
               <a:ext uri="{FF2B5EF4-FFF2-40B4-BE49-F238E27FC236}">
-                <a16:creationId xmlns:a16="http://schemas.microsoft.com/office/drawing/2014/main" id="{BDBB7D20-3AC2-51C8-AA8A-A5491FCD4726}"/>
+                <a16:creationId xmlns:a16="http://schemas.microsoft.com/office/drawing/2014/main" xmlns="" id="{BDBB7D20-3AC2-51C8-AA8A-A5491FCD4726}"/>
               </a:ext>
             </a:extLst>
           </p:cNvPr>
@@ -21921,7 +25813,7 @@
           <p:cNvPr id="9" name="Segnaposto contenuto 2">
             <a:extLst>
               <a:ext uri="{FF2B5EF4-FFF2-40B4-BE49-F238E27FC236}">
-                <a16:creationId xmlns:a16="http://schemas.microsoft.com/office/drawing/2014/main" id="{8DF74287-8199-C54D-5B1C-6FF6A0E99B42}"/>
+                <a16:creationId xmlns:a16="http://schemas.microsoft.com/office/drawing/2014/main" xmlns="" id="{8DF74287-8199-C54D-5B1C-6FF6A0E99B42}"/>
               </a:ext>
             </a:extLst>
           </p:cNvPr>
@@ -22024,7 +25916,7 @@
           <p:cNvPr id="4" name="Immagine 3">
             <a:extLst>
               <a:ext uri="{FF2B5EF4-FFF2-40B4-BE49-F238E27FC236}">
-                <a16:creationId xmlns:a16="http://schemas.microsoft.com/office/drawing/2014/main" id="{71B748EA-5C6A-789B-8BA4-92740C569BD7}"/>
+                <a16:creationId xmlns:a16="http://schemas.microsoft.com/office/drawing/2014/main" xmlns="" id="{71B748EA-5C6A-789B-8BA4-92740C569BD7}"/>
               </a:ext>
             </a:extLst>
           </p:cNvPr>
@@ -22084,7 +25976,7 @@
           <p:cNvPr id="2" name="Titolo 1">
             <a:extLst>
               <a:ext uri="{FF2B5EF4-FFF2-40B4-BE49-F238E27FC236}">
-                <a16:creationId xmlns:a16="http://schemas.microsoft.com/office/drawing/2014/main" id="{E84D6F7A-C5C5-40C7-0FD8-F1C4CD4F3D65}"/>
+                <a16:creationId xmlns:a16="http://schemas.microsoft.com/office/drawing/2014/main" xmlns="" id="{E84D6F7A-C5C5-40C7-0FD8-F1C4CD4F3D65}"/>
               </a:ext>
             </a:extLst>
           </p:cNvPr>
@@ -22134,7 +26026,7 @@
           <p:cNvPr id="8" name="Segnaposto contenuto 2">
             <a:extLst>
               <a:ext uri="{FF2B5EF4-FFF2-40B4-BE49-F238E27FC236}">
-                <a16:creationId xmlns:a16="http://schemas.microsoft.com/office/drawing/2014/main" id="{BDBB7D20-3AC2-51C8-AA8A-A5491FCD4726}"/>
+                <a16:creationId xmlns:a16="http://schemas.microsoft.com/office/drawing/2014/main" xmlns="" id="{BDBB7D20-3AC2-51C8-AA8A-A5491FCD4726}"/>
               </a:ext>
             </a:extLst>
           </p:cNvPr>
@@ -22334,7 +26226,7 @@
           <p:cNvPr id="9" name="Segnaposto contenuto 2">
             <a:extLst>
               <a:ext uri="{FF2B5EF4-FFF2-40B4-BE49-F238E27FC236}">
-                <a16:creationId xmlns:a16="http://schemas.microsoft.com/office/drawing/2014/main" id="{8DF74287-8199-C54D-5B1C-6FF6A0E99B42}"/>
+                <a16:creationId xmlns:a16="http://schemas.microsoft.com/office/drawing/2014/main" xmlns="" id="{8DF74287-8199-C54D-5B1C-6FF6A0E99B42}"/>
               </a:ext>
             </a:extLst>
           </p:cNvPr>
@@ -22473,7 +26365,7 @@
           <p:cNvPr id="5" name="Immagine 4">
             <a:extLst>
               <a:ext uri="{FF2B5EF4-FFF2-40B4-BE49-F238E27FC236}">
-                <a16:creationId xmlns:a16="http://schemas.microsoft.com/office/drawing/2014/main" id="{34371DD1-F90A-3572-5F62-5807BF784055}"/>
+                <a16:creationId xmlns:a16="http://schemas.microsoft.com/office/drawing/2014/main" xmlns="" id="{34371DD1-F90A-3572-5F62-5807BF784055}"/>
               </a:ext>
             </a:extLst>
           </p:cNvPr>
@@ -22533,7 +26425,7 @@
           <p:cNvPr id="2" name="Titolo 1">
             <a:extLst>
               <a:ext uri="{FF2B5EF4-FFF2-40B4-BE49-F238E27FC236}">
-                <a16:creationId xmlns:a16="http://schemas.microsoft.com/office/drawing/2014/main" id="{E84D6F7A-C5C5-40C7-0FD8-F1C4CD4F3D65}"/>
+                <a16:creationId xmlns:a16="http://schemas.microsoft.com/office/drawing/2014/main" xmlns="" id="{E84D6F7A-C5C5-40C7-0FD8-F1C4CD4F3D65}"/>
               </a:ext>
             </a:extLst>
           </p:cNvPr>
@@ -22583,7 +26475,7 @@
           <p:cNvPr id="8" name="Segnaposto contenuto 2">
             <a:extLst>
               <a:ext uri="{FF2B5EF4-FFF2-40B4-BE49-F238E27FC236}">
-                <a16:creationId xmlns:a16="http://schemas.microsoft.com/office/drawing/2014/main" id="{BDBB7D20-3AC2-51C8-AA8A-A5491FCD4726}"/>
+                <a16:creationId xmlns:a16="http://schemas.microsoft.com/office/drawing/2014/main" xmlns="" id="{BDBB7D20-3AC2-51C8-AA8A-A5491FCD4726}"/>
               </a:ext>
             </a:extLst>
           </p:cNvPr>
@@ -22783,7 +26675,7 @@
           <p:cNvPr id="9" name="Segnaposto contenuto 2">
             <a:extLst>
               <a:ext uri="{FF2B5EF4-FFF2-40B4-BE49-F238E27FC236}">
-                <a16:creationId xmlns:a16="http://schemas.microsoft.com/office/drawing/2014/main" id="{8DF74287-8199-C54D-5B1C-6FF6A0E99B42}"/>
+                <a16:creationId xmlns:a16="http://schemas.microsoft.com/office/drawing/2014/main" xmlns="" id="{8DF74287-8199-C54D-5B1C-6FF6A0E99B42}"/>
               </a:ext>
             </a:extLst>
           </p:cNvPr>
@@ -23028,7 +26920,7 @@
           <p:cNvPr id="2" name="Titolo 1">
             <a:extLst>
               <a:ext uri="{FF2B5EF4-FFF2-40B4-BE49-F238E27FC236}">
-                <a16:creationId xmlns:a16="http://schemas.microsoft.com/office/drawing/2014/main" id="{E84D6F7A-C5C5-40C7-0FD8-F1C4CD4F3D65}"/>
+                <a16:creationId xmlns:a16="http://schemas.microsoft.com/office/drawing/2014/main" xmlns="" id="{E84D6F7A-C5C5-40C7-0FD8-F1C4CD4F3D65}"/>
               </a:ext>
             </a:extLst>
           </p:cNvPr>
@@ -23089,7 +26981,7 @@
           <p:cNvPr id="8" name="Segnaposto contenuto 2">
             <a:extLst>
               <a:ext uri="{FF2B5EF4-FFF2-40B4-BE49-F238E27FC236}">
-                <a16:creationId xmlns:a16="http://schemas.microsoft.com/office/drawing/2014/main" id="{BDBB7D20-3AC2-51C8-AA8A-A5491FCD4726}"/>
+                <a16:creationId xmlns:a16="http://schemas.microsoft.com/office/drawing/2014/main" xmlns="" id="{BDBB7D20-3AC2-51C8-AA8A-A5491FCD4726}"/>
               </a:ext>
             </a:extLst>
           </p:cNvPr>
@@ -23289,7 +27181,7 @@
           <p:cNvPr id="9" name="Segnaposto contenuto 2">
             <a:extLst>
               <a:ext uri="{FF2B5EF4-FFF2-40B4-BE49-F238E27FC236}">
-                <a16:creationId xmlns:a16="http://schemas.microsoft.com/office/drawing/2014/main" id="{8DF74287-8199-C54D-5B1C-6FF6A0E99B42}"/>
+                <a16:creationId xmlns:a16="http://schemas.microsoft.com/office/drawing/2014/main" xmlns="" id="{8DF74287-8199-C54D-5B1C-6FF6A0E99B42}"/>
               </a:ext>
             </a:extLst>
           </p:cNvPr>
@@ -23369,7 +27261,7 @@
           <p:cNvPr id="4" name="Immagine 3">
             <a:extLst>
               <a:ext uri="{FF2B5EF4-FFF2-40B4-BE49-F238E27FC236}">
-                <a16:creationId xmlns:a16="http://schemas.microsoft.com/office/drawing/2014/main" id="{0DAB1B2B-E515-FA5A-1BEF-D3C16C07E5DA}"/>
+                <a16:creationId xmlns:a16="http://schemas.microsoft.com/office/drawing/2014/main" xmlns="" id="{0DAB1B2B-E515-FA5A-1BEF-D3C16C07E5DA}"/>
               </a:ext>
             </a:extLst>
           </p:cNvPr>
@@ -23399,7 +27291,7 @@
           <p:cNvPr id="6" name="Immagine 5">
             <a:extLst>
               <a:ext uri="{FF2B5EF4-FFF2-40B4-BE49-F238E27FC236}">
-                <a16:creationId xmlns:a16="http://schemas.microsoft.com/office/drawing/2014/main" id="{5368128D-AA2B-C10B-D9AA-ACC45107E411}"/>
+                <a16:creationId xmlns:a16="http://schemas.microsoft.com/office/drawing/2014/main" xmlns="" id="{5368128D-AA2B-C10B-D9AA-ACC45107E411}"/>
               </a:ext>
             </a:extLst>
           </p:cNvPr>
@@ -23459,7 +27351,7 @@
           <p:cNvPr id="2" name="Titolo 1">
             <a:extLst>
               <a:ext uri="{FF2B5EF4-FFF2-40B4-BE49-F238E27FC236}">
-                <a16:creationId xmlns:a16="http://schemas.microsoft.com/office/drawing/2014/main" id="{E84D6F7A-C5C5-40C7-0FD8-F1C4CD4F3D65}"/>
+                <a16:creationId xmlns:a16="http://schemas.microsoft.com/office/drawing/2014/main" xmlns="" id="{E84D6F7A-C5C5-40C7-0FD8-F1C4CD4F3D65}"/>
               </a:ext>
             </a:extLst>
           </p:cNvPr>
@@ -23509,7 +27401,7 @@
           <p:cNvPr id="8" name="Segnaposto contenuto 2">
             <a:extLst>
               <a:ext uri="{FF2B5EF4-FFF2-40B4-BE49-F238E27FC236}">
-                <a16:creationId xmlns:a16="http://schemas.microsoft.com/office/drawing/2014/main" id="{BDBB7D20-3AC2-51C8-AA8A-A5491FCD4726}"/>
+                <a16:creationId xmlns:a16="http://schemas.microsoft.com/office/drawing/2014/main" xmlns="" id="{BDBB7D20-3AC2-51C8-AA8A-A5491FCD4726}"/>
               </a:ext>
             </a:extLst>
           </p:cNvPr>
@@ -23709,7 +27601,7 @@
           <p:cNvPr id="9" name="Segnaposto contenuto 2">
             <a:extLst>
               <a:ext uri="{FF2B5EF4-FFF2-40B4-BE49-F238E27FC236}">
-                <a16:creationId xmlns:a16="http://schemas.microsoft.com/office/drawing/2014/main" id="{8DF74287-8199-C54D-5B1C-6FF6A0E99B42}"/>
+                <a16:creationId xmlns:a16="http://schemas.microsoft.com/office/drawing/2014/main" xmlns="" id="{8DF74287-8199-C54D-5B1C-6FF6A0E99B42}"/>
               </a:ext>
             </a:extLst>
           </p:cNvPr>
@@ -23861,7 +27753,7 @@
           <p:cNvPr id="5" name="CasellaDiTesto 4">
             <a:extLst>
               <a:ext uri="{FF2B5EF4-FFF2-40B4-BE49-F238E27FC236}">
-                <a16:creationId xmlns:a16="http://schemas.microsoft.com/office/drawing/2014/main" id="{6F81E0B8-4279-13F2-090D-82AE0C4A0B40}"/>
+                <a16:creationId xmlns:a16="http://schemas.microsoft.com/office/drawing/2014/main" xmlns="" id="{6F81E0B8-4279-13F2-090D-82AE0C4A0B40}"/>
               </a:ext>
             </a:extLst>
           </p:cNvPr>

--- a/docs/ArchiNet Team-Milestone 3.pptx
+++ b/docs/ArchiNet Team-Milestone 3.pptx
@@ -24266,29 +24266,7 @@
                   </a:schemeClr>
                 </a:solidFill>
               </a:rPr>
-              <a:t>as first result of analysis on the </a:t>
-            </a:r>
-            <a:r>
-              <a:rPr lang="en-US" sz="2000" smtClean="0">
-                <a:solidFill>
-                  <a:schemeClr val="tx1">
-                    <a:lumMod val="85000"/>
-                    <a:lumOff val="15000"/>
-                  </a:schemeClr>
-                </a:solidFill>
-              </a:rPr>
-              <a:t>folder we </a:t>
-            </a:r>
-            <a:r>
-              <a:rPr lang="en-US" sz="2000" dirty="0" smtClean="0">
-                <a:solidFill>
-                  <a:schemeClr val="tx1">
-                    <a:lumMod val="85000"/>
-                    <a:lumOff val="15000"/>
-                  </a:schemeClr>
-                </a:solidFill>
-              </a:rPr>
-              <a:t>obtained a score of </a:t>
+              <a:t>as first result of analysis on the folder we obtained a score of </a:t>
             </a:r>
             <a:r>
               <a:rPr lang="en-US" sz="2000" b="1" dirty="0" smtClean="0">
@@ -27364,7 +27342,7 @@
         </p:nvSpPr>
         <p:spPr>
           <a:xfrm>
-            <a:off x="934720" y="521238"/>
+            <a:off x="934720" y="48454"/>
             <a:ext cx="10419078" cy="1325563"/>
           </a:xfrm>
         </p:spPr>
@@ -27614,7 +27592,7 @@
         </p:nvSpPr>
         <p:spPr>
           <a:xfrm>
-            <a:off x="838200" y="1825624"/>
+            <a:off x="838198" y="1126251"/>
             <a:ext cx="10515600" cy="4591953"/>
           </a:xfrm>
         </p:spPr>
@@ -27625,7 +27603,7 @@
           <a:lstStyle/>
           <a:p>
             <a:r>
-              <a:rPr lang="en-US" sz="2000" b="1">
+              <a:rPr lang="en-US" sz="2000" b="1" dirty="0" err="1">
                 <a:solidFill>
                   <a:schemeClr val="tx1">
                     <a:lumMod val="85000"/>
@@ -27633,10 +27611,10 @@
                   </a:schemeClr>
                 </a:solidFill>
               </a:rPr>
-              <a:t>test_selectClasses(): </a:t>
-            </a:r>
-            <a:r>
-              <a:rPr lang="en-US" sz="2000">
+              <a:t>test_selectClasses</a:t>
+            </a:r>
+            <a:r>
+              <a:rPr lang="en-US" sz="2000" b="1" dirty="0">
                 <a:solidFill>
                   <a:schemeClr val="tx1">
                     <a:lumMod val="85000"/>
@@ -27644,10 +27622,10 @@
                   </a:schemeClr>
                 </a:solidFill>
               </a:rPr>
-              <a:t>this </a:t>
-            </a:r>
-            <a:r>
-              <a:rPr lang="en-US" sz="2000" u="sng">
+              <a:t>(): </a:t>
+            </a:r>
+            <a:r>
+              <a:rPr lang="en-US" sz="2000" dirty="0">
                 <a:solidFill>
                   <a:schemeClr val="tx1">
                     <a:lumMod val="85000"/>
@@ -27655,10 +27633,10 @@
                   </a:schemeClr>
                 </a:solidFill>
               </a:rPr>
-              <a:t>unit-test</a:t>
-            </a:r>
-            <a:r>
-              <a:rPr lang="en-US" sz="2000">
+              <a:t>this </a:t>
+            </a:r>
+            <a:r>
+              <a:rPr lang="en-US" sz="2000" u="sng" dirty="0">
                 <a:solidFill>
                   <a:schemeClr val="tx1">
                     <a:lumMod val="85000"/>
@@ -27666,10 +27644,10 @@
                   </a:schemeClr>
                 </a:solidFill>
               </a:rPr>
-              <a:t> verify that the method </a:t>
-            </a:r>
-            <a:r>
-              <a:rPr lang="en-US" sz="2000" b="1">
+              <a:t>unit-test</a:t>
+            </a:r>
+            <a:r>
+              <a:rPr lang="en-US" sz="2000" dirty="0">
                 <a:solidFill>
                   <a:schemeClr val="tx1">
                     <a:lumMod val="85000"/>
@@ -27677,10 +27655,10 @@
                   </a:schemeClr>
                 </a:solidFill>
               </a:rPr>
-              <a:t>selectClasses() </a:t>
-            </a:r>
-            <a:r>
-              <a:rPr lang="en-US" sz="2000">
+              <a:t> verify that the method </a:t>
+            </a:r>
+            <a:r>
+              <a:rPr lang="en-US" sz="2000" b="1" dirty="0" err="1">
                 <a:solidFill>
                   <a:schemeClr val="tx1">
                     <a:lumMod val="85000"/>
@@ -27688,15 +27666,31 @@
                   </a:schemeClr>
                 </a:solidFill>
               </a:rPr>
+              <a:t>selectClasses</a:t>
+            </a:r>
+            <a:r>
+              <a:rPr lang="en-US" sz="2000" b="1" dirty="0">
+                <a:solidFill>
+                  <a:schemeClr val="tx1">
+                    <a:lumMod val="85000"/>
+                    <a:lumOff val="15000"/>
+                  </a:schemeClr>
+                </a:solidFill>
+              </a:rPr>
+              <a:t>() </a:t>
+            </a:r>
+            <a:r>
+              <a:rPr lang="en-US" sz="2000" dirty="0">
+                <a:solidFill>
+                  <a:schemeClr val="tx1">
+                    <a:lumMod val="85000"/>
+                    <a:lumOff val="15000"/>
+                  </a:schemeClr>
+                </a:solidFill>
+              </a:rPr>
               <a:t>of dataset will correctly create the folder which contain only sub-folders corresponding to classes that we choose through an array. </a:t>
             </a:r>
-          </a:p>
-          <a:p>
-            <a:pPr marL="457200" indent="-457200">
-              <a:buFont typeface="+mj-lt"/>
-              <a:buAutoNum type="arabicPeriod"/>
-            </a:pPr>
-            <a:endParaRPr lang="en-US" sz="2000">
+            <a:endParaRPr lang="en-US" sz="2000" dirty="0" smtClean="0">
               <a:solidFill>
                 <a:schemeClr val="tx1">
                   <a:lumMod val="85000"/>
@@ -27706,11 +27700,54 @@
             </a:endParaRPr>
           </a:p>
           <a:p>
-            <a:pPr marL="457200" indent="-457200">
-              <a:buFont typeface="+mj-lt"/>
-              <a:buAutoNum type="arabicPeriod"/>
-            </a:pPr>
-            <a:endParaRPr lang="en-US" sz="2000">
+            <a:r>
+              <a:rPr lang="en-US" sz="2000" dirty="0" smtClean="0">
+                <a:solidFill>
+                  <a:schemeClr val="tx1">
+                    <a:lumMod val="85000"/>
+                    <a:lumOff val="15000"/>
+                  </a:schemeClr>
+                </a:solidFill>
+              </a:rPr>
+              <a:t>We parametrize the test in order to: </a:t>
+            </a:r>
+          </a:p>
+          <a:p>
+            <a:pPr lvl="1"/>
+            <a:r>
+              <a:rPr lang="en-US" sz="1600" dirty="0" smtClean="0">
+                <a:solidFill>
+                  <a:schemeClr val="tx1">
+                    <a:lumMod val="85000"/>
+                    <a:lumOff val="15000"/>
+                  </a:schemeClr>
+                </a:solidFill>
+              </a:rPr>
+              <a:t>Automate the input feeding using the </a:t>
+            </a:r>
+            <a:r>
+              <a:rPr lang="en-US" sz="1600" b="1" dirty="0" smtClean="0">
+                <a:solidFill>
+                  <a:schemeClr val="tx1">
+                    <a:lumMod val="85000"/>
+                    <a:lumOff val="15000"/>
+                  </a:schemeClr>
+                </a:solidFill>
+              </a:rPr>
+              <a:t>@</a:t>
+            </a:r>
+            <a:r>
+              <a:rPr lang="en-US" sz="1600" b="1" dirty="0" err="1" smtClean="0">
+                <a:solidFill>
+                  <a:schemeClr val="tx1">
+                    <a:lumMod val="85000"/>
+                    <a:lumOff val="15000"/>
+                  </a:schemeClr>
+                </a:solidFill>
+              </a:rPr>
+              <a:t>pytest.mark.parametrize</a:t>
+            </a:r>
+            <a:endParaRPr lang="en-US" sz="1600" b="1" dirty="0" smtClean="0">
               <a:solidFill>
                 <a:schemeClr val="tx1">
                   <a:lumMod val="85000"/>
@@ -27720,10 +27757,60 @@
             </a:endParaRPr>
           </a:p>
           <a:p>
+            <a:pPr lvl="1"/>
+            <a:r>
+              <a:rPr lang="en-US" sz="1600" dirty="0" smtClean="0">
+                <a:solidFill>
+                  <a:schemeClr val="tx1">
+                    <a:lumMod val="85000"/>
+                    <a:lumOff val="15000"/>
+                  </a:schemeClr>
+                </a:solidFill>
+              </a:rPr>
+              <a:t>Create and removing the testing data</a:t>
+            </a:r>
+            <a:endParaRPr lang="en-US" sz="1600" dirty="0">
+              <a:solidFill>
+                <a:schemeClr val="tx1">
+                  <a:lumMod val="85000"/>
+                  <a:lumOff val="15000"/>
+                </a:schemeClr>
+              </a:solidFill>
+            </a:endParaRPr>
+          </a:p>
+          <a:p>
+            <a:pPr marL="457200" indent="-457200">
+              <a:buFont typeface="+mj-lt"/>
+              <a:buAutoNum type="arabicPeriod"/>
+            </a:pPr>
+            <a:endParaRPr lang="en-US" sz="2000" dirty="0">
+              <a:solidFill>
+                <a:schemeClr val="tx1">
+                  <a:lumMod val="85000"/>
+                  <a:lumOff val="15000"/>
+                </a:schemeClr>
+              </a:solidFill>
+            </a:endParaRPr>
+          </a:p>
+          <a:p>
+            <a:pPr marL="457200" indent="-457200">
+              <a:buFont typeface="+mj-lt"/>
+              <a:buAutoNum type="arabicPeriod"/>
+            </a:pPr>
+            <a:endParaRPr lang="en-US" sz="2000" dirty="0">
+              <a:solidFill>
+                <a:schemeClr val="tx1">
+                  <a:lumMod val="85000"/>
+                  <a:lumOff val="15000"/>
+                </a:schemeClr>
+              </a:solidFill>
+            </a:endParaRPr>
+          </a:p>
+          <a:p>
             <a:pPr marL="0" indent="0">
               <a:buNone/>
             </a:pPr>
-            <a:endParaRPr lang="en-US" sz="2000" b="1">
+            <a:endParaRPr lang="en-US" sz="2000" b="1" dirty="0">
               <a:solidFill>
                 <a:schemeClr val="tx1">
                   <a:lumMod val="85000"/>
@@ -27748,1232 +27835,66 @@
           </a:p>
         </p:txBody>
       </p:sp>
-      <p:sp>
-        <p:nvSpPr>
-          <p:cNvPr id="5" name="CasellaDiTesto 4">
+      <p:pic>
+        <p:nvPicPr>
+          <p:cNvPr id="3" name="Immagine 2"/>
+          <p:cNvPicPr>
+            <a:picLocks noChangeAspect="1"/>
+          </p:cNvPicPr>
+          <p:nvPr/>
+        </p:nvPicPr>
+        <p:blipFill>
+          <a:blip r:embed="rId2">
             <a:extLst>
-              <a:ext uri="{FF2B5EF4-FFF2-40B4-BE49-F238E27FC236}">
-                <a16:creationId xmlns:a16="http://schemas.microsoft.com/office/drawing/2014/main" xmlns="" id="{6F81E0B8-4279-13F2-090D-82AE0C4A0B40}"/>
+              <a:ext uri="{28A0092B-C50C-407E-A947-70E740481C1C}">
+                <a14:useLocalDpi xmlns:a14="http://schemas.microsoft.com/office/drawing/2010/main" val="0"/>
               </a:ext>
             </a:extLst>
-          </p:cNvPr>
-          <p:cNvSpPr txBox="1"/>
-          <p:nvPr/>
-        </p:nvSpPr>
+          </a:blip>
+          <a:stretch>
+            <a:fillRect/>
+          </a:stretch>
+        </p:blipFill>
         <p:spPr>
           <a:xfrm>
-            <a:off x="4017129" y="2691441"/>
-            <a:ext cx="3753927" cy="3970318"/>
+            <a:off x="934720" y="3422227"/>
+            <a:ext cx="4163056" cy="2909409"/>
           </a:xfrm>
           <a:prstGeom prst="rect">
             <a:avLst/>
           </a:prstGeom>
-          <a:solidFill>
-            <a:schemeClr val="tx1">
-              <a:lumMod val="85000"/>
-              <a:lumOff val="15000"/>
-            </a:schemeClr>
-          </a:solidFill>
         </p:spPr>
-        <p:txBody>
-          <a:bodyPr wrap="square">
-            <a:spAutoFit/>
-          </a:bodyPr>
-          <a:lstStyle/>
-          <a:p>
-            <a:r>
-              <a:rPr lang="it-IT" sz="1050" b="0">
-                <a:solidFill>
-                  <a:srgbClr val="DCDCAA"/>
-                </a:solidFill>
-                <a:effectLst/>
-                <a:latin typeface="Consolas" panose="020B0609020204030204" pitchFamily="49" charset="0"/>
-              </a:rPr>
-              <a:t>@</a:t>
-            </a:r>
-            <a:r>
-              <a:rPr lang="it-IT" sz="1050" b="0">
-                <a:solidFill>
-                  <a:srgbClr val="4EC9B0"/>
-                </a:solidFill>
-                <a:effectLst/>
-                <a:latin typeface="Consolas" panose="020B0609020204030204" pitchFamily="49" charset="0"/>
-              </a:rPr>
-              <a:t>pytest</a:t>
-            </a:r>
-            <a:r>
-              <a:rPr lang="it-IT" sz="1050" b="0">
-                <a:solidFill>
-                  <a:srgbClr val="DCDCAA"/>
-                </a:solidFill>
-                <a:effectLst/>
-                <a:latin typeface="Consolas" panose="020B0609020204030204" pitchFamily="49" charset="0"/>
-              </a:rPr>
-              <a:t>.</a:t>
-            </a:r>
-            <a:r>
-              <a:rPr lang="it-IT" sz="1050" b="0">
-                <a:solidFill>
-                  <a:srgbClr val="9CDCFE"/>
-                </a:solidFill>
-                <a:effectLst/>
-                <a:latin typeface="Consolas" panose="020B0609020204030204" pitchFamily="49" charset="0"/>
-              </a:rPr>
-              <a:t>mark</a:t>
-            </a:r>
-            <a:r>
-              <a:rPr lang="it-IT" sz="1050" b="0">
-                <a:solidFill>
-                  <a:srgbClr val="DCDCAA"/>
-                </a:solidFill>
-                <a:effectLst/>
-                <a:latin typeface="Consolas" panose="020B0609020204030204" pitchFamily="49" charset="0"/>
-              </a:rPr>
-              <a:t>.</a:t>
-            </a:r>
-            <a:r>
-              <a:rPr lang="it-IT" sz="1050" b="0">
-                <a:solidFill>
-                  <a:srgbClr val="9CDCFE"/>
-                </a:solidFill>
-                <a:effectLst/>
-                <a:latin typeface="Consolas" panose="020B0609020204030204" pitchFamily="49" charset="0"/>
-              </a:rPr>
-              <a:t>parametrize</a:t>
-            </a:r>
-            <a:r>
-              <a:rPr lang="it-IT" sz="1050" b="0">
-                <a:solidFill>
-                  <a:srgbClr val="D4D4D4"/>
-                </a:solidFill>
-                <a:effectLst/>
-                <a:latin typeface="Consolas" panose="020B0609020204030204" pitchFamily="49" charset="0"/>
-              </a:rPr>
-              <a:t>(</a:t>
-            </a:r>
-          </a:p>
-          <a:p>
-            <a:r>
-              <a:rPr lang="it-IT" sz="1050" b="0">
-                <a:solidFill>
-                  <a:srgbClr val="D4D4D4"/>
-                </a:solidFill>
-                <a:effectLst/>
-                <a:latin typeface="Consolas" panose="020B0609020204030204" pitchFamily="49" charset="0"/>
-              </a:rPr>
-              <a:t>    </a:t>
-            </a:r>
-            <a:r>
-              <a:rPr lang="it-IT" sz="1050" b="0">
-                <a:solidFill>
-                  <a:srgbClr val="CE9178"/>
-                </a:solidFill>
-                <a:effectLst/>
-                <a:latin typeface="Consolas" panose="020B0609020204030204" pitchFamily="49" charset="0"/>
-              </a:rPr>
-              <a:t>"id_sel, valid"</a:t>
-            </a:r>
-            <a:r>
-              <a:rPr lang="it-IT" sz="1050" b="0">
-                <a:solidFill>
-                  <a:srgbClr val="D4D4D4"/>
-                </a:solidFill>
-                <a:effectLst/>
-                <a:latin typeface="Consolas" panose="020B0609020204030204" pitchFamily="49" charset="0"/>
-              </a:rPr>
-              <a:t>,</a:t>
-            </a:r>
-          </a:p>
-          <a:p>
-            <a:r>
-              <a:rPr lang="it-IT" sz="1050" b="0">
-                <a:solidFill>
-                  <a:srgbClr val="D4D4D4"/>
-                </a:solidFill>
-                <a:effectLst/>
-                <a:latin typeface="Consolas" panose="020B0609020204030204" pitchFamily="49" charset="0"/>
-              </a:rPr>
-              <a:t>    [</a:t>
-            </a:r>
-          </a:p>
-          <a:p>
-            <a:r>
-              <a:rPr lang="it-IT" sz="1050" b="0">
-                <a:solidFill>
-                  <a:srgbClr val="D4D4D4"/>
-                </a:solidFill>
-                <a:effectLst/>
-                <a:latin typeface="Consolas" panose="020B0609020204030204" pitchFamily="49" charset="0"/>
-              </a:rPr>
-              <a:t>        (</a:t>
-            </a:r>
-          </a:p>
-          <a:p>
-            <a:r>
-              <a:rPr lang="it-IT" sz="1050" b="0">
-                <a:solidFill>
-                  <a:srgbClr val="D4D4D4"/>
-                </a:solidFill>
-                <a:effectLst/>
-                <a:latin typeface="Consolas" panose="020B0609020204030204" pitchFamily="49" charset="0"/>
-              </a:rPr>
-              <a:t>            [</a:t>
-            </a:r>
-            <a:r>
-              <a:rPr lang="it-IT" sz="1050" b="0">
-                <a:solidFill>
-                  <a:srgbClr val="B5CEA8"/>
-                </a:solidFill>
-                <a:effectLst/>
-                <a:latin typeface="Consolas" panose="020B0609020204030204" pitchFamily="49" charset="0"/>
-              </a:rPr>
-              <a:t>0</a:t>
-            </a:r>
-            <a:r>
-              <a:rPr lang="it-IT" sz="1050" b="0">
-                <a:solidFill>
-                  <a:srgbClr val="D4D4D4"/>
-                </a:solidFill>
-                <a:effectLst/>
-                <a:latin typeface="Consolas" panose="020B0609020204030204" pitchFamily="49" charset="0"/>
-              </a:rPr>
-              <a:t>, </a:t>
-            </a:r>
-            <a:r>
-              <a:rPr lang="it-IT" sz="1050" b="0">
-                <a:solidFill>
-                  <a:srgbClr val="B5CEA8"/>
-                </a:solidFill>
-                <a:effectLst/>
-                <a:latin typeface="Consolas" panose="020B0609020204030204" pitchFamily="49" charset="0"/>
-              </a:rPr>
-              <a:t>0</a:t>
-            </a:r>
-            <a:r>
-              <a:rPr lang="it-IT" sz="1050" b="0">
-                <a:solidFill>
-                  <a:srgbClr val="D4D4D4"/>
-                </a:solidFill>
-                <a:effectLst/>
-                <a:latin typeface="Consolas" panose="020B0609020204030204" pitchFamily="49" charset="0"/>
-              </a:rPr>
-              <a:t>, </a:t>
-            </a:r>
-            <a:r>
-              <a:rPr lang="it-IT" sz="1050" b="0">
-                <a:solidFill>
-                  <a:srgbClr val="B5CEA8"/>
-                </a:solidFill>
-                <a:effectLst/>
-                <a:latin typeface="Consolas" panose="020B0609020204030204" pitchFamily="49" charset="0"/>
-              </a:rPr>
-              <a:t>0</a:t>
-            </a:r>
-            <a:r>
-              <a:rPr lang="it-IT" sz="1050" b="0">
-                <a:solidFill>
-                  <a:srgbClr val="D4D4D4"/>
-                </a:solidFill>
-                <a:effectLst/>
-                <a:latin typeface="Consolas" panose="020B0609020204030204" pitchFamily="49" charset="0"/>
-              </a:rPr>
-              <a:t>, </a:t>
-            </a:r>
-            <a:r>
-              <a:rPr lang="it-IT" sz="1050" b="0">
-                <a:solidFill>
-                  <a:srgbClr val="B5CEA8"/>
-                </a:solidFill>
-                <a:effectLst/>
-                <a:latin typeface="Consolas" panose="020B0609020204030204" pitchFamily="49" charset="0"/>
-              </a:rPr>
-              <a:t>1</a:t>
-            </a:r>
-            <a:r>
-              <a:rPr lang="it-IT" sz="1050" b="0">
-                <a:solidFill>
-                  <a:srgbClr val="D4D4D4"/>
-                </a:solidFill>
-                <a:effectLst/>
-                <a:latin typeface="Consolas" panose="020B0609020204030204" pitchFamily="49" charset="0"/>
-              </a:rPr>
-              <a:t>, </a:t>
-            </a:r>
-            <a:r>
-              <a:rPr lang="it-IT" sz="1050" b="0">
-                <a:solidFill>
-                  <a:srgbClr val="B5CEA8"/>
-                </a:solidFill>
-                <a:effectLst/>
-                <a:latin typeface="Consolas" panose="020B0609020204030204" pitchFamily="49" charset="0"/>
-              </a:rPr>
-              <a:t>1</a:t>
-            </a:r>
-            <a:r>
-              <a:rPr lang="it-IT" sz="1050" b="0">
-                <a:solidFill>
-                  <a:srgbClr val="D4D4D4"/>
-                </a:solidFill>
-                <a:effectLst/>
-                <a:latin typeface="Consolas" panose="020B0609020204030204" pitchFamily="49" charset="0"/>
-              </a:rPr>
-              <a:t>],</a:t>
-            </a:r>
-          </a:p>
-          <a:p>
-            <a:r>
-              <a:rPr lang="it-IT" sz="1050" b="0">
-                <a:solidFill>
-                  <a:srgbClr val="D4D4D4"/>
-                </a:solidFill>
-                <a:effectLst/>
-                <a:latin typeface="Consolas" panose="020B0609020204030204" pitchFamily="49" charset="0"/>
-              </a:rPr>
-              <a:t>            </a:t>
-            </a:r>
-            <a:r>
-              <a:rPr lang="it-IT" sz="1050" b="0">
-                <a:solidFill>
-                  <a:srgbClr val="569CD6"/>
-                </a:solidFill>
-                <a:effectLst/>
-                <a:latin typeface="Consolas" panose="020B0609020204030204" pitchFamily="49" charset="0"/>
-              </a:rPr>
-              <a:t>True</a:t>
-            </a:r>
-            <a:r>
-              <a:rPr lang="it-IT" sz="1050" b="0">
-                <a:solidFill>
-                  <a:srgbClr val="D4D4D4"/>
-                </a:solidFill>
-                <a:effectLst/>
-                <a:latin typeface="Consolas" panose="020B0609020204030204" pitchFamily="49" charset="0"/>
-              </a:rPr>
-              <a:t>,</a:t>
-            </a:r>
-          </a:p>
-          <a:p>
-            <a:r>
-              <a:rPr lang="it-IT" sz="1050" b="0">
-                <a:solidFill>
-                  <a:srgbClr val="D4D4D4"/>
-                </a:solidFill>
-                <a:effectLst/>
-                <a:latin typeface="Consolas" panose="020B0609020204030204" pitchFamily="49" charset="0"/>
-              </a:rPr>
-              <a:t>        ),</a:t>
-            </a:r>
-          </a:p>
-          <a:p>
-            <a:r>
-              <a:rPr lang="it-IT" sz="1050" b="0">
-                <a:solidFill>
-                  <a:srgbClr val="D4D4D4"/>
-                </a:solidFill>
-                <a:effectLst/>
-                <a:latin typeface="Consolas" panose="020B0609020204030204" pitchFamily="49" charset="0"/>
-              </a:rPr>
-              <a:t>        (</a:t>
-            </a:r>
-          </a:p>
-          <a:p>
-            <a:r>
-              <a:rPr lang="it-IT" sz="1050" b="0">
-                <a:solidFill>
-                  <a:srgbClr val="D4D4D4"/>
-                </a:solidFill>
-                <a:effectLst/>
-                <a:latin typeface="Consolas" panose="020B0609020204030204" pitchFamily="49" charset="0"/>
-              </a:rPr>
-              <a:t>            [</a:t>
-            </a:r>
-            <a:r>
-              <a:rPr lang="it-IT" sz="1050" b="0">
-                <a:solidFill>
-                  <a:srgbClr val="B5CEA8"/>
-                </a:solidFill>
-                <a:effectLst/>
-                <a:latin typeface="Consolas" panose="020B0609020204030204" pitchFamily="49" charset="0"/>
-              </a:rPr>
-              <a:t>0</a:t>
-            </a:r>
-            <a:r>
-              <a:rPr lang="it-IT" sz="1050" b="0">
-                <a:solidFill>
-                  <a:srgbClr val="D4D4D4"/>
-                </a:solidFill>
-                <a:effectLst/>
-                <a:latin typeface="Consolas" panose="020B0609020204030204" pitchFamily="49" charset="0"/>
-              </a:rPr>
-              <a:t>, </a:t>
-            </a:r>
-            <a:r>
-              <a:rPr lang="it-IT" sz="1050" b="0">
-                <a:solidFill>
-                  <a:srgbClr val="B5CEA8"/>
-                </a:solidFill>
-                <a:effectLst/>
-                <a:latin typeface="Consolas" panose="020B0609020204030204" pitchFamily="49" charset="0"/>
-              </a:rPr>
-              <a:t>1</a:t>
-            </a:r>
-            <a:r>
-              <a:rPr lang="it-IT" sz="1050" b="0">
-                <a:solidFill>
-                  <a:srgbClr val="D4D4D4"/>
-                </a:solidFill>
-                <a:effectLst/>
-                <a:latin typeface="Consolas" panose="020B0609020204030204" pitchFamily="49" charset="0"/>
-              </a:rPr>
-              <a:t>, </a:t>
-            </a:r>
-            <a:r>
-              <a:rPr lang="it-IT" sz="1050" b="0">
-                <a:solidFill>
-                  <a:srgbClr val="B5CEA8"/>
-                </a:solidFill>
-                <a:effectLst/>
-                <a:latin typeface="Consolas" panose="020B0609020204030204" pitchFamily="49" charset="0"/>
-              </a:rPr>
-              <a:t>0</a:t>
-            </a:r>
-            <a:r>
-              <a:rPr lang="it-IT" sz="1050" b="0">
-                <a:solidFill>
-                  <a:srgbClr val="D4D4D4"/>
-                </a:solidFill>
-                <a:effectLst/>
-                <a:latin typeface="Consolas" panose="020B0609020204030204" pitchFamily="49" charset="0"/>
-              </a:rPr>
-              <a:t>, </a:t>
-            </a:r>
-            <a:r>
-              <a:rPr lang="it-IT" sz="1050" b="0">
-                <a:solidFill>
-                  <a:srgbClr val="B5CEA8"/>
-                </a:solidFill>
-                <a:effectLst/>
-                <a:latin typeface="Consolas" panose="020B0609020204030204" pitchFamily="49" charset="0"/>
-              </a:rPr>
-              <a:t>0</a:t>
-            </a:r>
-            <a:r>
-              <a:rPr lang="it-IT" sz="1050" b="0">
-                <a:solidFill>
-                  <a:srgbClr val="D4D4D4"/>
-                </a:solidFill>
-                <a:effectLst/>
-                <a:latin typeface="Consolas" panose="020B0609020204030204" pitchFamily="49" charset="0"/>
-              </a:rPr>
-              <a:t>, </a:t>
-            </a:r>
-            <a:r>
-              <a:rPr lang="it-IT" sz="1050" b="0">
-                <a:solidFill>
-                  <a:srgbClr val="B5CEA8"/>
-                </a:solidFill>
-                <a:effectLst/>
-                <a:latin typeface="Consolas" panose="020B0609020204030204" pitchFamily="49" charset="0"/>
-              </a:rPr>
-              <a:t>0</a:t>
-            </a:r>
-            <a:r>
-              <a:rPr lang="it-IT" sz="1050" b="0">
-                <a:solidFill>
-                  <a:srgbClr val="D4D4D4"/>
-                </a:solidFill>
-                <a:effectLst/>
-                <a:latin typeface="Consolas" panose="020B0609020204030204" pitchFamily="49" charset="0"/>
-              </a:rPr>
-              <a:t>],</a:t>
-            </a:r>
-            <a:r>
-              <a:rPr lang="it-IT" sz="1050" b="0">
-                <a:solidFill>
-                  <a:srgbClr val="569CD6"/>
-                </a:solidFill>
-                <a:effectLst/>
-                <a:latin typeface="Consolas" panose="020B0609020204030204" pitchFamily="49" charset="0"/>
-              </a:rPr>
-              <a:t>False</a:t>
-            </a:r>
-            <a:r>
-              <a:rPr lang="it-IT" sz="1050" b="0">
-                <a:solidFill>
-                  <a:srgbClr val="D4D4D4"/>
-                </a:solidFill>
-                <a:effectLst/>
-                <a:latin typeface="Consolas" panose="020B0609020204030204" pitchFamily="49" charset="0"/>
-              </a:rPr>
-              <a:t>,</a:t>
-            </a:r>
-          </a:p>
-          <a:p>
-            <a:r>
-              <a:rPr lang="it-IT" sz="1050" b="0">
-                <a:solidFill>
-                  <a:srgbClr val="D4D4D4"/>
-                </a:solidFill>
-                <a:effectLst/>
-                <a:latin typeface="Consolas" panose="020B0609020204030204" pitchFamily="49" charset="0"/>
-              </a:rPr>
-              <a:t>        ),</a:t>
-            </a:r>
-          </a:p>
-          <a:p>
-            <a:r>
-              <a:rPr lang="it-IT" sz="1050" b="0">
-                <a:solidFill>
-                  <a:srgbClr val="D4D4D4"/>
-                </a:solidFill>
-                <a:effectLst/>
-                <a:latin typeface="Consolas" panose="020B0609020204030204" pitchFamily="49" charset="0"/>
-              </a:rPr>
-              <a:t>        ([</a:t>
-            </a:r>
-            <a:r>
-              <a:rPr lang="it-IT" sz="1050" b="0">
-                <a:solidFill>
-                  <a:srgbClr val="B5CEA8"/>
-                </a:solidFill>
-                <a:effectLst/>
-                <a:latin typeface="Consolas" panose="020B0609020204030204" pitchFamily="49" charset="0"/>
-              </a:rPr>
-              <a:t>0</a:t>
-            </a:r>
-            <a:r>
-              <a:rPr lang="it-IT" sz="1050" b="0">
-                <a:solidFill>
-                  <a:srgbClr val="D4D4D4"/>
-                </a:solidFill>
-                <a:effectLst/>
-                <a:latin typeface="Consolas" panose="020B0609020204030204" pitchFamily="49" charset="0"/>
-              </a:rPr>
-              <a:t>, </a:t>
-            </a:r>
-            <a:r>
-              <a:rPr lang="it-IT" sz="1050" b="0">
-                <a:solidFill>
-                  <a:srgbClr val="B5CEA8"/>
-                </a:solidFill>
-                <a:effectLst/>
-                <a:latin typeface="Consolas" panose="020B0609020204030204" pitchFamily="49" charset="0"/>
-              </a:rPr>
-              <a:t>1</a:t>
-            </a:r>
-            <a:r>
-              <a:rPr lang="it-IT" sz="1050" b="0">
-                <a:solidFill>
-                  <a:srgbClr val="D4D4D4"/>
-                </a:solidFill>
-                <a:effectLst/>
-                <a:latin typeface="Consolas" panose="020B0609020204030204" pitchFamily="49" charset="0"/>
-              </a:rPr>
-              <a:t>, </a:t>
-            </a:r>
-            <a:r>
-              <a:rPr lang="it-IT" sz="1050" b="0">
-                <a:solidFill>
-                  <a:srgbClr val="B5CEA8"/>
-                </a:solidFill>
-                <a:effectLst/>
-                <a:latin typeface="Consolas" panose="020B0609020204030204" pitchFamily="49" charset="0"/>
-              </a:rPr>
-              <a:t>0</a:t>
-            </a:r>
-            <a:r>
-              <a:rPr lang="it-IT" sz="1050" b="0">
-                <a:solidFill>
-                  <a:srgbClr val="D4D4D4"/>
-                </a:solidFill>
-                <a:effectLst/>
-                <a:latin typeface="Consolas" panose="020B0609020204030204" pitchFamily="49" charset="0"/>
-              </a:rPr>
-              <a:t>, </a:t>
-            </a:r>
-            <a:r>
-              <a:rPr lang="it-IT" sz="1050" b="0">
-                <a:solidFill>
-                  <a:srgbClr val="B5CEA8"/>
-                </a:solidFill>
-                <a:effectLst/>
-                <a:latin typeface="Consolas" panose="020B0609020204030204" pitchFamily="49" charset="0"/>
-              </a:rPr>
-              <a:t>0</a:t>
-            </a:r>
-            <a:r>
-              <a:rPr lang="it-IT" sz="1050" b="0">
-                <a:solidFill>
-                  <a:srgbClr val="D4D4D4"/>
-                </a:solidFill>
-                <a:effectLst/>
-                <a:latin typeface="Consolas" panose="020B0609020204030204" pitchFamily="49" charset="0"/>
-              </a:rPr>
-              <a:t>, </a:t>
-            </a:r>
-            <a:r>
-              <a:rPr lang="it-IT" sz="1050" b="0">
-                <a:solidFill>
-                  <a:srgbClr val="B5CEA8"/>
-                </a:solidFill>
-                <a:effectLst/>
-                <a:latin typeface="Consolas" panose="020B0609020204030204" pitchFamily="49" charset="0"/>
-              </a:rPr>
-              <a:t>0</a:t>
-            </a:r>
-            <a:r>
-              <a:rPr lang="it-IT" sz="1050" b="0">
-                <a:solidFill>
-                  <a:srgbClr val="D4D4D4"/>
-                </a:solidFill>
-                <a:effectLst/>
-                <a:latin typeface="Consolas" panose="020B0609020204030204" pitchFamily="49" charset="0"/>
-              </a:rPr>
-              <a:t>, </a:t>
-            </a:r>
-            <a:r>
-              <a:rPr lang="it-IT" sz="1050" b="0">
-                <a:solidFill>
-                  <a:srgbClr val="B5CEA8"/>
-                </a:solidFill>
-                <a:effectLst/>
-                <a:latin typeface="Consolas" panose="020B0609020204030204" pitchFamily="49" charset="0"/>
-              </a:rPr>
-              <a:t>0</a:t>
-            </a:r>
-            <a:r>
-              <a:rPr lang="it-IT" sz="1050" b="0">
-                <a:solidFill>
-                  <a:srgbClr val="D4D4D4"/>
-                </a:solidFill>
-                <a:effectLst/>
-                <a:latin typeface="Consolas" panose="020B0609020204030204" pitchFamily="49" charset="0"/>
-              </a:rPr>
-              <a:t>, </a:t>
-            </a:r>
-            <a:r>
-              <a:rPr lang="it-IT" sz="1050" b="0">
-                <a:solidFill>
-                  <a:srgbClr val="B5CEA8"/>
-                </a:solidFill>
-                <a:effectLst/>
-                <a:latin typeface="Consolas" panose="020B0609020204030204" pitchFamily="49" charset="0"/>
-              </a:rPr>
-              <a:t>1</a:t>
-            </a:r>
-            <a:r>
-              <a:rPr lang="it-IT" sz="1050" b="0">
-                <a:solidFill>
-                  <a:srgbClr val="D4D4D4"/>
-                </a:solidFill>
-                <a:effectLst/>
-                <a:latin typeface="Consolas" panose="020B0609020204030204" pitchFamily="49" charset="0"/>
-              </a:rPr>
-              <a:t>, </a:t>
-            </a:r>
-            <a:r>
-              <a:rPr lang="it-IT" sz="1050" b="0">
-                <a:solidFill>
-                  <a:srgbClr val="B5CEA8"/>
-                </a:solidFill>
-                <a:effectLst/>
-                <a:latin typeface="Consolas" panose="020B0609020204030204" pitchFamily="49" charset="0"/>
-              </a:rPr>
-              <a:t>0</a:t>
-            </a:r>
-            <a:r>
-              <a:rPr lang="it-IT" sz="1050" b="0">
-                <a:solidFill>
-                  <a:srgbClr val="D4D4D4"/>
-                </a:solidFill>
-                <a:effectLst/>
-                <a:latin typeface="Consolas" panose="020B0609020204030204" pitchFamily="49" charset="0"/>
-              </a:rPr>
-              <a:t>, </a:t>
-            </a:r>
-            <a:r>
-              <a:rPr lang="it-IT" sz="1050" b="0">
-                <a:solidFill>
-                  <a:srgbClr val="B5CEA8"/>
-                </a:solidFill>
-                <a:effectLst/>
-                <a:latin typeface="Consolas" panose="020B0609020204030204" pitchFamily="49" charset="0"/>
-              </a:rPr>
-              <a:t>0</a:t>
-            </a:r>
-            <a:r>
-              <a:rPr lang="it-IT" sz="1050" b="0">
-                <a:solidFill>
-                  <a:srgbClr val="D4D4D4"/>
-                </a:solidFill>
-                <a:effectLst/>
-                <a:latin typeface="Consolas" panose="020B0609020204030204" pitchFamily="49" charset="0"/>
-              </a:rPr>
-              <a:t>, </a:t>
-            </a:r>
-            <a:r>
-              <a:rPr lang="it-IT" sz="1050" b="0">
-                <a:solidFill>
-                  <a:srgbClr val="B5CEA8"/>
-                </a:solidFill>
-                <a:effectLst/>
-                <a:latin typeface="Consolas" panose="020B0609020204030204" pitchFamily="49" charset="0"/>
-              </a:rPr>
-              <a:t>0</a:t>
-            </a:r>
-            <a:r>
-              <a:rPr lang="it-IT" sz="1050" b="0">
-                <a:solidFill>
-                  <a:srgbClr val="D4D4D4"/>
-                </a:solidFill>
-                <a:effectLst/>
-                <a:latin typeface="Consolas" panose="020B0609020204030204" pitchFamily="49" charset="0"/>
-              </a:rPr>
-              <a:t>], </a:t>
-            </a:r>
-            <a:r>
-              <a:rPr lang="it-IT" sz="1050" b="0">
-                <a:solidFill>
-                  <a:srgbClr val="569CD6"/>
-                </a:solidFill>
-                <a:effectLst/>
-                <a:latin typeface="Consolas" panose="020B0609020204030204" pitchFamily="49" charset="0"/>
-              </a:rPr>
-              <a:t>False</a:t>
-            </a:r>
-            <a:r>
-              <a:rPr lang="it-IT" sz="1050" b="0">
-                <a:solidFill>
-                  <a:srgbClr val="D4D4D4"/>
-                </a:solidFill>
-                <a:effectLst/>
-                <a:latin typeface="Consolas" panose="020B0609020204030204" pitchFamily="49" charset="0"/>
-              </a:rPr>
-              <a:t>),</a:t>
-            </a:r>
-          </a:p>
-          <a:p>
-            <a:r>
-              <a:rPr lang="it-IT" sz="1050" b="0">
-                <a:solidFill>
-                  <a:srgbClr val="D4D4D4"/>
-                </a:solidFill>
-                <a:effectLst/>
-                <a:latin typeface="Consolas" panose="020B0609020204030204" pitchFamily="49" charset="0"/>
-              </a:rPr>
-              <a:t>        ([</a:t>
-            </a:r>
-            <a:r>
-              <a:rPr lang="it-IT" sz="1050" b="0">
-                <a:solidFill>
-                  <a:srgbClr val="B5CEA8"/>
-                </a:solidFill>
-                <a:effectLst/>
-                <a:latin typeface="Consolas" panose="020B0609020204030204" pitchFamily="49" charset="0"/>
-              </a:rPr>
-              <a:t>0</a:t>
-            </a:r>
-            <a:r>
-              <a:rPr lang="it-IT" sz="1050" b="0">
-                <a:solidFill>
-                  <a:srgbClr val="D4D4D4"/>
-                </a:solidFill>
-                <a:effectLst/>
-                <a:latin typeface="Consolas" panose="020B0609020204030204" pitchFamily="49" charset="0"/>
-              </a:rPr>
-              <a:t>, </a:t>
-            </a:r>
-            <a:r>
-              <a:rPr lang="it-IT" sz="1050" b="0">
-                <a:solidFill>
-                  <a:srgbClr val="B5CEA8"/>
-                </a:solidFill>
-                <a:effectLst/>
-                <a:latin typeface="Consolas" panose="020B0609020204030204" pitchFamily="49" charset="0"/>
-              </a:rPr>
-              <a:t>1</a:t>
-            </a:r>
-            <a:r>
-              <a:rPr lang="it-IT" sz="1050" b="0">
-                <a:solidFill>
-                  <a:srgbClr val="D4D4D4"/>
-                </a:solidFill>
-                <a:effectLst/>
-                <a:latin typeface="Consolas" panose="020B0609020204030204" pitchFamily="49" charset="0"/>
-              </a:rPr>
-              <a:t>, </a:t>
-            </a:r>
-            <a:r>
-              <a:rPr lang="it-IT" sz="1050" b="0">
-                <a:solidFill>
-                  <a:srgbClr val="B5CEA8"/>
-                </a:solidFill>
-                <a:effectLst/>
-                <a:latin typeface="Consolas" panose="020B0609020204030204" pitchFamily="49" charset="0"/>
-              </a:rPr>
-              <a:t>0</a:t>
-            </a:r>
-            <a:r>
-              <a:rPr lang="it-IT" sz="1050" b="0">
-                <a:solidFill>
-                  <a:srgbClr val="D4D4D4"/>
-                </a:solidFill>
-                <a:effectLst/>
-                <a:latin typeface="Consolas" panose="020B0609020204030204" pitchFamily="49" charset="0"/>
-              </a:rPr>
-              <a:t>], </a:t>
-            </a:r>
-            <a:r>
-              <a:rPr lang="it-IT" sz="1050" b="0">
-                <a:solidFill>
-                  <a:srgbClr val="569CD6"/>
-                </a:solidFill>
-                <a:effectLst/>
-                <a:latin typeface="Consolas" panose="020B0609020204030204" pitchFamily="49" charset="0"/>
-              </a:rPr>
-              <a:t>False</a:t>
-            </a:r>
-            <a:r>
-              <a:rPr lang="it-IT" sz="1050" b="0">
-                <a:solidFill>
-                  <a:srgbClr val="D4D4D4"/>
-                </a:solidFill>
-                <a:effectLst/>
-                <a:latin typeface="Consolas" panose="020B0609020204030204" pitchFamily="49" charset="0"/>
-              </a:rPr>
-              <a:t>),</a:t>
-            </a:r>
-          </a:p>
-          <a:p>
-            <a:r>
-              <a:rPr lang="it-IT" sz="1050" b="0">
-                <a:solidFill>
-                  <a:srgbClr val="D4D4D4"/>
-                </a:solidFill>
-                <a:effectLst/>
-                <a:latin typeface="Consolas" panose="020B0609020204030204" pitchFamily="49" charset="0"/>
-              </a:rPr>
-              <a:t>    ],</a:t>
-            </a:r>
-          </a:p>
-          <a:p>
-            <a:r>
-              <a:rPr lang="it-IT" sz="1050" b="0">
-                <a:solidFill>
-                  <a:srgbClr val="D4D4D4"/>
-                </a:solidFill>
-                <a:effectLst/>
-                <a:latin typeface="Consolas" panose="020B0609020204030204" pitchFamily="49" charset="0"/>
-              </a:rPr>
-              <a:t>)</a:t>
-            </a:r>
-          </a:p>
-          <a:p>
-            <a:r>
-              <a:rPr lang="it-IT" sz="1050" b="0">
-                <a:solidFill>
-                  <a:srgbClr val="569CD6"/>
-                </a:solidFill>
-                <a:effectLst/>
-                <a:latin typeface="Consolas" panose="020B0609020204030204" pitchFamily="49" charset="0"/>
-              </a:rPr>
-              <a:t>def</a:t>
-            </a:r>
-            <a:r>
-              <a:rPr lang="it-IT" sz="1050" b="0">
-                <a:solidFill>
-                  <a:srgbClr val="D4D4D4"/>
-                </a:solidFill>
-                <a:effectLst/>
-                <a:latin typeface="Consolas" panose="020B0609020204030204" pitchFamily="49" charset="0"/>
-              </a:rPr>
-              <a:t> </a:t>
-            </a:r>
-            <a:r>
-              <a:rPr lang="it-IT" sz="1050" b="0">
-                <a:solidFill>
-                  <a:srgbClr val="DCDCAA"/>
-                </a:solidFill>
-                <a:effectLst/>
-                <a:latin typeface="Consolas" panose="020B0609020204030204" pitchFamily="49" charset="0"/>
-              </a:rPr>
-              <a:t>test_selectClasses</a:t>
-            </a:r>
-            <a:r>
-              <a:rPr lang="it-IT" sz="1050" b="0">
-                <a:solidFill>
-                  <a:srgbClr val="D4D4D4"/>
-                </a:solidFill>
-                <a:effectLst/>
-                <a:latin typeface="Consolas" panose="020B0609020204030204" pitchFamily="49" charset="0"/>
-              </a:rPr>
-              <a:t>(</a:t>
-            </a:r>
-            <a:r>
-              <a:rPr lang="it-IT" sz="1050" b="0">
-                <a:solidFill>
-                  <a:srgbClr val="9CDCFE"/>
-                </a:solidFill>
-                <a:effectLst/>
-                <a:latin typeface="Consolas" panose="020B0609020204030204" pitchFamily="49" charset="0"/>
-              </a:rPr>
-              <a:t>id_sel</a:t>
-            </a:r>
-            <a:r>
-              <a:rPr lang="it-IT" sz="1050" b="0">
-                <a:solidFill>
-                  <a:srgbClr val="D4D4D4"/>
-                </a:solidFill>
-                <a:effectLst/>
-                <a:latin typeface="Consolas" panose="020B0609020204030204" pitchFamily="49" charset="0"/>
-              </a:rPr>
-              <a:t>, </a:t>
-            </a:r>
-            <a:r>
-              <a:rPr lang="it-IT" sz="1050" b="0">
-                <a:solidFill>
-                  <a:srgbClr val="9CDCFE"/>
-                </a:solidFill>
-                <a:effectLst/>
-                <a:latin typeface="Consolas" panose="020B0609020204030204" pitchFamily="49" charset="0"/>
-              </a:rPr>
-              <a:t>valid</a:t>
-            </a:r>
-            <a:r>
-              <a:rPr lang="it-IT" sz="1050" b="0">
-                <a:solidFill>
-                  <a:srgbClr val="D4D4D4"/>
-                </a:solidFill>
-                <a:effectLst/>
-                <a:latin typeface="Consolas" panose="020B0609020204030204" pitchFamily="49" charset="0"/>
-              </a:rPr>
-              <a:t>):</a:t>
-            </a:r>
-          </a:p>
-          <a:p>
-            <a:r>
-              <a:rPr lang="it-IT" sz="1050" b="0">
-                <a:solidFill>
-                  <a:srgbClr val="D4D4D4"/>
-                </a:solidFill>
-                <a:effectLst/>
-                <a:latin typeface="Consolas" panose="020B0609020204030204" pitchFamily="49" charset="0"/>
-              </a:rPr>
-              <a:t>    </a:t>
-            </a:r>
-            <a:r>
-              <a:rPr lang="it-IT" sz="1050" b="0">
-                <a:solidFill>
-                  <a:srgbClr val="6A9955"/>
-                </a:solidFill>
-                <a:effectLst/>
-                <a:latin typeface="Consolas" panose="020B0609020204030204" pitchFamily="49" charset="0"/>
-              </a:rPr>
-              <a:t># shutil.copytree(orig_path, src_path)</a:t>
-            </a:r>
-            <a:endParaRPr lang="it-IT" sz="1050" b="0">
-              <a:solidFill>
-                <a:srgbClr val="D4D4D4"/>
-              </a:solidFill>
-              <a:effectLst/>
-              <a:latin typeface="Consolas" panose="020B0609020204030204" pitchFamily="49" charset="0"/>
-            </a:endParaRPr>
-          </a:p>
-          <a:p>
-            <a:r>
-              <a:rPr lang="it-IT" sz="1050" b="0">
-                <a:solidFill>
-                  <a:srgbClr val="D4D4D4"/>
-                </a:solidFill>
-                <a:effectLst/>
-                <a:latin typeface="Consolas" panose="020B0609020204030204" pitchFamily="49" charset="0"/>
-              </a:rPr>
-              <a:t>    </a:t>
-            </a:r>
-            <a:r>
-              <a:rPr lang="it-IT" sz="1050" b="0">
-                <a:solidFill>
-                  <a:srgbClr val="C586C0"/>
-                </a:solidFill>
-                <a:effectLst/>
-                <a:latin typeface="Consolas" panose="020B0609020204030204" pitchFamily="49" charset="0"/>
-              </a:rPr>
-              <a:t>assert</a:t>
-            </a:r>
-            <a:r>
-              <a:rPr lang="it-IT" sz="1050" b="0">
-                <a:solidFill>
-                  <a:srgbClr val="D4D4D4"/>
-                </a:solidFill>
-                <a:effectLst/>
-                <a:latin typeface="Consolas" panose="020B0609020204030204" pitchFamily="49" charset="0"/>
-              </a:rPr>
-              <a:t> (</a:t>
-            </a:r>
-          </a:p>
-          <a:p>
-            <a:r>
-              <a:rPr lang="it-IT" sz="1050" b="0">
-                <a:solidFill>
-                  <a:srgbClr val="D4D4D4"/>
-                </a:solidFill>
-                <a:effectLst/>
-                <a:latin typeface="Consolas" panose="020B0609020204030204" pitchFamily="49" charset="0"/>
-              </a:rPr>
-              <a:t>        </a:t>
-            </a:r>
-            <a:r>
-              <a:rPr lang="it-IT" sz="1050" b="0">
-                <a:solidFill>
-                  <a:srgbClr val="9CDCFE"/>
-                </a:solidFill>
-                <a:effectLst/>
-                <a:latin typeface="Consolas" panose="020B0609020204030204" pitchFamily="49" charset="0"/>
-              </a:rPr>
-              <a:t>data</a:t>
-            </a:r>
-            <a:r>
-              <a:rPr lang="it-IT" sz="1050" b="0">
-                <a:solidFill>
-                  <a:srgbClr val="D4D4D4"/>
-                </a:solidFill>
-                <a:effectLst/>
-                <a:latin typeface="Consolas" panose="020B0609020204030204" pitchFamily="49" charset="0"/>
-              </a:rPr>
-              <a:t>.</a:t>
-            </a:r>
-            <a:r>
-              <a:rPr lang="it-IT" sz="1050" b="0">
-                <a:solidFill>
-                  <a:srgbClr val="DCDCAA"/>
-                </a:solidFill>
-                <a:effectLst/>
-                <a:latin typeface="Consolas" panose="020B0609020204030204" pitchFamily="49" charset="0"/>
-              </a:rPr>
-              <a:t>selectClasses</a:t>
-            </a:r>
-            <a:r>
-              <a:rPr lang="it-IT" sz="1050" b="0">
-                <a:solidFill>
-                  <a:srgbClr val="D4D4D4"/>
-                </a:solidFill>
-                <a:effectLst/>
-                <a:latin typeface="Consolas" panose="020B0609020204030204" pitchFamily="49" charset="0"/>
-              </a:rPr>
-              <a:t>(</a:t>
-            </a:r>
-          </a:p>
-          <a:p>
-            <a:r>
-              <a:rPr lang="it-IT" sz="1050" b="0">
-                <a:solidFill>
-                  <a:srgbClr val="D4D4D4"/>
-                </a:solidFill>
-                <a:effectLst/>
-                <a:latin typeface="Consolas" panose="020B0609020204030204" pitchFamily="49" charset="0"/>
-              </a:rPr>
-              <a:t>            </a:t>
-            </a:r>
-            <a:r>
-              <a:rPr lang="it-IT" sz="1050" b="0">
-                <a:solidFill>
-                  <a:srgbClr val="9CDCFE"/>
-                </a:solidFill>
-                <a:effectLst/>
-                <a:latin typeface="Consolas" panose="020B0609020204030204" pitchFamily="49" charset="0"/>
-              </a:rPr>
-              <a:t>src_path</a:t>
-            </a:r>
-            <a:r>
-              <a:rPr lang="it-IT" sz="1050" b="0">
-                <a:solidFill>
-                  <a:srgbClr val="D4D4D4"/>
-                </a:solidFill>
-                <a:effectLst/>
-                <a:latin typeface="Consolas" panose="020B0609020204030204" pitchFamily="49" charset="0"/>
-              </a:rPr>
-              <a:t>=</a:t>
-            </a:r>
-            <a:r>
-              <a:rPr lang="it-IT" sz="1050" b="0">
-                <a:solidFill>
-                  <a:srgbClr val="9CDCFE"/>
-                </a:solidFill>
-                <a:effectLst/>
-                <a:latin typeface="Consolas" panose="020B0609020204030204" pitchFamily="49" charset="0"/>
-              </a:rPr>
-              <a:t>src_path</a:t>
-            </a:r>
-            <a:r>
-              <a:rPr lang="it-IT" sz="1050" b="0">
-                <a:solidFill>
-                  <a:srgbClr val="D4D4D4"/>
-                </a:solidFill>
-                <a:effectLst/>
-                <a:latin typeface="Consolas" panose="020B0609020204030204" pitchFamily="49" charset="0"/>
-              </a:rPr>
-              <a:t>,</a:t>
-            </a:r>
-          </a:p>
-          <a:p>
-            <a:r>
-              <a:rPr lang="it-IT" sz="1050" b="0">
-                <a:solidFill>
-                  <a:srgbClr val="D4D4D4"/>
-                </a:solidFill>
-                <a:effectLst/>
-                <a:latin typeface="Consolas" panose="020B0609020204030204" pitchFamily="49" charset="0"/>
-              </a:rPr>
-              <a:t>            </a:t>
-            </a:r>
-            <a:r>
-              <a:rPr lang="it-IT" sz="1050" b="0">
-                <a:solidFill>
-                  <a:srgbClr val="9CDCFE"/>
-                </a:solidFill>
-                <a:effectLst/>
-                <a:latin typeface="Consolas" panose="020B0609020204030204" pitchFamily="49" charset="0"/>
-              </a:rPr>
-              <a:t>dst_path</a:t>
-            </a:r>
-            <a:r>
-              <a:rPr lang="it-IT" sz="1050" b="0">
-                <a:solidFill>
-                  <a:srgbClr val="D4D4D4"/>
-                </a:solidFill>
-                <a:effectLst/>
-                <a:latin typeface="Consolas" panose="020B0609020204030204" pitchFamily="49" charset="0"/>
-              </a:rPr>
-              <a:t>=</a:t>
-            </a:r>
-            <a:r>
-              <a:rPr lang="it-IT" sz="1050" b="0">
-                <a:solidFill>
-                  <a:srgbClr val="9CDCFE"/>
-                </a:solidFill>
-                <a:effectLst/>
-                <a:latin typeface="Consolas" panose="020B0609020204030204" pitchFamily="49" charset="0"/>
-              </a:rPr>
-              <a:t>dst_path</a:t>
-            </a:r>
-            <a:r>
-              <a:rPr lang="it-IT" sz="1050" b="0">
-                <a:solidFill>
-                  <a:srgbClr val="D4D4D4"/>
-                </a:solidFill>
-                <a:effectLst/>
-                <a:latin typeface="Consolas" panose="020B0609020204030204" pitchFamily="49" charset="0"/>
-              </a:rPr>
-              <a:t>,</a:t>
-            </a:r>
-          </a:p>
-          <a:p>
-            <a:r>
-              <a:rPr lang="it-IT" sz="1050" b="0">
-                <a:solidFill>
-                  <a:srgbClr val="D4D4D4"/>
-                </a:solidFill>
-                <a:effectLst/>
-                <a:latin typeface="Consolas" panose="020B0609020204030204" pitchFamily="49" charset="0"/>
-              </a:rPr>
-              <a:t>            </a:t>
-            </a:r>
-            <a:r>
-              <a:rPr lang="it-IT" sz="1050" b="0">
-                <a:solidFill>
-                  <a:srgbClr val="9CDCFE"/>
-                </a:solidFill>
-                <a:effectLst/>
-                <a:latin typeface="Consolas" panose="020B0609020204030204" pitchFamily="49" charset="0"/>
-              </a:rPr>
-              <a:t>idx</a:t>
-            </a:r>
-            <a:r>
-              <a:rPr lang="it-IT" sz="1050" b="0">
-                <a:solidFill>
-                  <a:srgbClr val="D4D4D4"/>
-                </a:solidFill>
-                <a:effectLst/>
-                <a:latin typeface="Consolas" panose="020B0609020204030204" pitchFamily="49" charset="0"/>
-              </a:rPr>
-              <a:t>=</a:t>
-            </a:r>
-            <a:r>
-              <a:rPr lang="it-IT" sz="1050" b="0">
-                <a:solidFill>
-                  <a:srgbClr val="9CDCFE"/>
-                </a:solidFill>
-                <a:effectLst/>
-                <a:latin typeface="Consolas" panose="020B0609020204030204" pitchFamily="49" charset="0"/>
-              </a:rPr>
-              <a:t>id_sel</a:t>
-            </a:r>
-            <a:r>
-              <a:rPr lang="it-IT" sz="1050" b="0">
-                <a:solidFill>
-                  <a:srgbClr val="D4D4D4"/>
-                </a:solidFill>
-                <a:effectLst/>
-                <a:latin typeface="Consolas" panose="020B0609020204030204" pitchFamily="49" charset="0"/>
-              </a:rPr>
-              <a:t>,</a:t>
-            </a:r>
-          </a:p>
-          <a:p>
-            <a:r>
-              <a:rPr lang="it-IT" sz="1050" b="0">
-                <a:solidFill>
-                  <a:srgbClr val="D4D4D4"/>
-                </a:solidFill>
-                <a:effectLst/>
-                <a:latin typeface="Consolas" panose="020B0609020204030204" pitchFamily="49" charset="0"/>
-              </a:rPr>
-              <a:t>        )</a:t>
-            </a:r>
-          </a:p>
-          <a:p>
-            <a:r>
-              <a:rPr lang="it-IT" sz="1050" b="0">
-                <a:solidFill>
-                  <a:srgbClr val="D4D4D4"/>
-                </a:solidFill>
-                <a:effectLst/>
-                <a:latin typeface="Consolas" panose="020B0609020204030204" pitchFamily="49" charset="0"/>
-              </a:rPr>
-              <a:t>        == </a:t>
-            </a:r>
-            <a:r>
-              <a:rPr lang="it-IT" sz="1050" b="0">
-                <a:solidFill>
-                  <a:srgbClr val="9CDCFE"/>
-                </a:solidFill>
-                <a:effectLst/>
-                <a:latin typeface="Consolas" panose="020B0609020204030204" pitchFamily="49" charset="0"/>
-              </a:rPr>
-              <a:t>valid</a:t>
-            </a:r>
-            <a:endParaRPr lang="it-IT" sz="1050" b="0">
-              <a:solidFill>
-                <a:srgbClr val="D4D4D4"/>
-              </a:solidFill>
-              <a:effectLst/>
-              <a:latin typeface="Consolas" panose="020B0609020204030204" pitchFamily="49" charset="0"/>
-            </a:endParaRPr>
-          </a:p>
-          <a:p>
-            <a:r>
-              <a:rPr lang="it-IT" sz="1050" b="0">
-                <a:solidFill>
-                  <a:srgbClr val="D4D4D4"/>
-                </a:solidFill>
-                <a:effectLst/>
-                <a:latin typeface="Consolas" panose="020B0609020204030204" pitchFamily="49" charset="0"/>
-              </a:rPr>
-              <a:t>    )</a:t>
-            </a:r>
-          </a:p>
-        </p:txBody>
-      </p:sp>
+      </p:pic>
+      <p:pic>
+        <p:nvPicPr>
+          <p:cNvPr id="4" name="Immagine 3"/>
+          <p:cNvPicPr>
+            <a:picLocks noChangeAspect="1"/>
+          </p:cNvPicPr>
+          <p:nvPr/>
+        </p:nvPicPr>
+        <p:blipFill>
+          <a:blip r:embed="rId3">
+            <a:extLst>
+              <a:ext uri="{28A0092B-C50C-407E-A947-70E740481C1C}">
+                <a14:useLocalDpi xmlns:a14="http://schemas.microsoft.com/office/drawing/2010/main" val="0"/>
+              </a:ext>
+            </a:extLst>
+          </a:blip>
+          <a:stretch>
+            <a:fillRect/>
+          </a:stretch>
+        </p:blipFill>
+        <p:spPr>
+          <a:xfrm>
+            <a:off x="7437550" y="1993429"/>
+            <a:ext cx="3547913" cy="4338207"/>
+          </a:xfrm>
+          <a:prstGeom prst="rect">
+            <a:avLst/>
+          </a:prstGeom>
+        </p:spPr>
+      </p:pic>
     </p:spTree>
     <p:extLst>
       <p:ext uri="{BB962C8B-B14F-4D97-AF65-F5344CB8AC3E}">
